--- a/ClassMaterials/MapApply/RecursionMapApplyLambdaLet.pptx
+++ b/ClassMaterials/MapApply/RecursionMapApplyLambdaLet.pptx
@@ -5,28 +5,22 @@
     <p:sldMasterId id="2147483685" r:id="rId1"/>
   </p:sldMasterIdLst>
   <p:notesMasterIdLst>
-    <p:notesMasterId r:id="rId18"/>
+    <p:notesMasterId r:id="rId12"/>
   </p:notesMasterIdLst>
   <p:handoutMasterIdLst>
-    <p:handoutMasterId r:id="rId19"/>
+    <p:handoutMasterId r:id="rId13"/>
   </p:handoutMasterIdLst>
   <p:sldIdLst>
     <p:sldId id="256" r:id="rId2"/>
-    <p:sldId id="352" r:id="rId3"/>
-    <p:sldId id="351" r:id="rId4"/>
-    <p:sldId id="337" r:id="rId5"/>
-    <p:sldId id="350" r:id="rId6"/>
-    <p:sldId id="342" r:id="rId7"/>
-    <p:sldId id="343" r:id="rId8"/>
-    <p:sldId id="329" r:id="rId9"/>
-    <p:sldId id="318" r:id="rId10"/>
-    <p:sldId id="276" r:id="rId11"/>
-    <p:sldId id="285" r:id="rId12"/>
-    <p:sldId id="286" r:id="rId13"/>
-    <p:sldId id="289" r:id="rId14"/>
-    <p:sldId id="353" r:id="rId15"/>
-    <p:sldId id="354" r:id="rId16"/>
-    <p:sldId id="355" r:id="rId17"/>
+    <p:sldId id="337" r:id="rId3"/>
+    <p:sldId id="356" r:id="rId4"/>
+    <p:sldId id="343" r:id="rId5"/>
+    <p:sldId id="329" r:id="rId6"/>
+    <p:sldId id="318" r:id="rId7"/>
+    <p:sldId id="276" r:id="rId8"/>
+    <p:sldId id="285" r:id="rId9"/>
+    <p:sldId id="286" r:id="rId10"/>
+    <p:sldId id="289" r:id="rId11"/>
   </p:sldIdLst>
   <p:sldSz cx="9144000" cy="6858000" type="screen4x3"/>
   <p:notesSz cx="6881813" cy="9296400"/>
@@ -174,6 +168,122 @@
 </p:presentation>
 </file>
 
+<file path=ppt/changesInfos/changesInfo1.xml><?xml version="1.0" encoding="utf-8"?>
+<pc:chgInfo xmlns:a="http://schemas.openxmlformats.org/drawingml/2006/main" xmlns:r="http://schemas.openxmlformats.org/officeDocument/2006/relationships" xmlns:ac="http://schemas.microsoft.com/office/drawing/2013/main/command" xmlns:pc="http://schemas.microsoft.com/office/powerpoint/2013/main/command">
+  <pc:docChgLst>
+    <pc:chgData name="Hewner, Mike" userId="7f3f83dd-6dfb-4127-a87f-c1714bd4fac9" providerId="ADAL" clId="{FEE3980C-739A-4CDF-8748-E558D412C728}"/>
+    <pc:docChg chg="custSel addSld delSld modSld">
+      <pc:chgData name="Hewner, Mike" userId="7f3f83dd-6dfb-4127-a87f-c1714bd4fac9" providerId="ADAL" clId="{FEE3980C-739A-4CDF-8748-E558D412C728}" dt="2021-09-09T14:38:57.947" v="291" actId="14100"/>
+      <pc:docMkLst>
+        <pc:docMk/>
+      </pc:docMkLst>
+      <pc:sldChg chg="modSp mod">
+        <pc:chgData name="Hewner, Mike" userId="7f3f83dd-6dfb-4127-a87f-c1714bd4fac9" providerId="ADAL" clId="{FEE3980C-739A-4CDF-8748-E558D412C728}" dt="2021-09-09T14:38:57.947" v="291" actId="14100"/>
+        <pc:sldMkLst>
+          <pc:docMk/>
+          <pc:sldMk cId="0" sldId="256"/>
+        </pc:sldMkLst>
+        <pc:spChg chg="mod">
+          <ac:chgData name="Hewner, Mike" userId="7f3f83dd-6dfb-4127-a87f-c1714bd4fac9" providerId="ADAL" clId="{FEE3980C-739A-4CDF-8748-E558D412C728}" dt="2021-09-09T14:38:57.947" v="291" actId="14100"/>
+          <ac:spMkLst>
+            <pc:docMk/>
+            <pc:sldMk cId="0" sldId="256"/>
+            <ac:spMk id="273411" creationId="{00000000-0000-0000-0000-000000000000}"/>
+          </ac:spMkLst>
+        </pc:spChg>
+      </pc:sldChg>
+      <pc:sldChg chg="modSp mod">
+        <pc:chgData name="Hewner, Mike" userId="7f3f83dd-6dfb-4127-a87f-c1714bd4fac9" providerId="ADAL" clId="{FEE3980C-739A-4CDF-8748-E558D412C728}" dt="2021-09-09T14:07:27.583" v="156" actId="6549"/>
+        <pc:sldMkLst>
+          <pc:docMk/>
+          <pc:sldMk cId="965163794" sldId="337"/>
+        </pc:sldMkLst>
+        <pc:spChg chg="mod">
+          <ac:chgData name="Hewner, Mike" userId="7f3f83dd-6dfb-4127-a87f-c1714bd4fac9" providerId="ADAL" clId="{FEE3980C-739A-4CDF-8748-E558D412C728}" dt="2021-09-09T14:07:27.583" v="156" actId="6549"/>
+          <ac:spMkLst>
+            <pc:docMk/>
+            <pc:sldMk cId="965163794" sldId="337"/>
+            <ac:spMk id="319491" creationId="{00000000-0000-0000-0000-000000000000}"/>
+          </ac:spMkLst>
+        </pc:spChg>
+      </pc:sldChg>
+      <pc:sldChg chg="del">
+        <pc:chgData name="Hewner, Mike" userId="7f3f83dd-6dfb-4127-a87f-c1714bd4fac9" providerId="ADAL" clId="{FEE3980C-739A-4CDF-8748-E558D412C728}" dt="2021-09-09T14:37:09.646" v="193" actId="47"/>
+        <pc:sldMkLst>
+          <pc:docMk/>
+          <pc:sldMk cId="673631348" sldId="342"/>
+        </pc:sldMkLst>
+      </pc:sldChg>
+      <pc:sldChg chg="del">
+        <pc:chgData name="Hewner, Mike" userId="7f3f83dd-6dfb-4127-a87f-c1714bd4fac9" providerId="ADAL" clId="{FEE3980C-739A-4CDF-8748-E558D412C728}" dt="2021-09-09T14:38:19.127" v="195" actId="47"/>
+        <pc:sldMkLst>
+          <pc:docMk/>
+          <pc:sldMk cId="4057573925" sldId="350"/>
+        </pc:sldMkLst>
+      </pc:sldChg>
+      <pc:sldChg chg="del">
+        <pc:chgData name="Hewner, Mike" userId="7f3f83dd-6dfb-4127-a87f-c1714bd4fac9" providerId="ADAL" clId="{FEE3980C-739A-4CDF-8748-E558D412C728}" dt="2021-09-09T13:57:42.339" v="1" actId="47"/>
+        <pc:sldMkLst>
+          <pc:docMk/>
+          <pc:sldMk cId="3668023334" sldId="351"/>
+        </pc:sldMkLst>
+      </pc:sldChg>
+      <pc:sldChg chg="del">
+        <pc:chgData name="Hewner, Mike" userId="7f3f83dd-6dfb-4127-a87f-c1714bd4fac9" providerId="ADAL" clId="{FEE3980C-739A-4CDF-8748-E558D412C728}" dt="2021-09-09T13:57:38.161" v="0" actId="47"/>
+        <pc:sldMkLst>
+          <pc:docMk/>
+          <pc:sldMk cId="3840673228" sldId="352"/>
+        </pc:sldMkLst>
+      </pc:sldChg>
+      <pc:sldChg chg="del">
+        <pc:chgData name="Hewner, Mike" userId="7f3f83dd-6dfb-4127-a87f-c1714bd4fac9" providerId="ADAL" clId="{FEE3980C-739A-4CDF-8748-E558D412C728}" dt="2021-09-09T14:38:11.256" v="194" actId="47"/>
+        <pc:sldMkLst>
+          <pc:docMk/>
+          <pc:sldMk cId="1788401200" sldId="353"/>
+        </pc:sldMkLst>
+      </pc:sldChg>
+      <pc:sldChg chg="del">
+        <pc:chgData name="Hewner, Mike" userId="7f3f83dd-6dfb-4127-a87f-c1714bd4fac9" providerId="ADAL" clId="{FEE3980C-739A-4CDF-8748-E558D412C728}" dt="2021-09-09T14:38:11.256" v="194" actId="47"/>
+        <pc:sldMkLst>
+          <pc:docMk/>
+          <pc:sldMk cId="4024139240" sldId="354"/>
+        </pc:sldMkLst>
+      </pc:sldChg>
+      <pc:sldChg chg="del">
+        <pc:chgData name="Hewner, Mike" userId="7f3f83dd-6dfb-4127-a87f-c1714bd4fac9" providerId="ADAL" clId="{FEE3980C-739A-4CDF-8748-E558D412C728}" dt="2021-09-09T14:38:11.256" v="194" actId="47"/>
+        <pc:sldMkLst>
+          <pc:docMk/>
+          <pc:sldMk cId="22509610" sldId="355"/>
+        </pc:sldMkLst>
+      </pc:sldChg>
+      <pc:sldChg chg="modSp new mod">
+        <pc:chgData name="Hewner, Mike" userId="7f3f83dd-6dfb-4127-a87f-c1714bd4fac9" providerId="ADAL" clId="{FEE3980C-739A-4CDF-8748-E558D412C728}" dt="2021-09-09T14:32:19.240" v="192" actId="20577"/>
+        <pc:sldMkLst>
+          <pc:docMk/>
+          <pc:sldMk cId="1344803739" sldId="356"/>
+        </pc:sldMkLst>
+        <pc:spChg chg="mod">
+          <ac:chgData name="Hewner, Mike" userId="7f3f83dd-6dfb-4127-a87f-c1714bd4fac9" providerId="ADAL" clId="{FEE3980C-739A-4CDF-8748-E558D412C728}" dt="2021-09-09T14:01:50.742" v="20" actId="20577"/>
+          <ac:spMkLst>
+            <pc:docMk/>
+            <pc:sldMk cId="1344803739" sldId="356"/>
+            <ac:spMk id="2" creationId="{56DFEC2D-869D-4B8D-912E-66E92191CDD4}"/>
+          </ac:spMkLst>
+        </pc:spChg>
+        <pc:spChg chg="mod">
+          <ac:chgData name="Hewner, Mike" userId="7f3f83dd-6dfb-4127-a87f-c1714bd4fac9" providerId="ADAL" clId="{FEE3980C-739A-4CDF-8748-E558D412C728}" dt="2021-09-09T14:32:19.240" v="192" actId="20577"/>
+          <ac:spMkLst>
+            <pc:docMk/>
+            <pc:sldMk cId="1344803739" sldId="356"/>
+            <ac:spMk id="3" creationId="{2CE0E90F-CED2-46FA-964E-257B5302A0E4}"/>
+          </ac:spMkLst>
+        </pc:spChg>
+      </pc:sldChg>
+    </pc:docChg>
+  </pc:docChgLst>
+</pc:chgInfo>
+</file>
+
 <file path=ppt/handoutMasters/handoutMaster1.xml><?xml version="1.0" encoding="utf-8"?>
 <p:handoutMaster xmlns:a="http://schemas.openxmlformats.org/drawingml/2006/main" xmlns:r="http://schemas.openxmlformats.org/officeDocument/2006/relationships" xmlns:p="http://schemas.openxmlformats.org/presentationml/2006/main">
   <p:cSld>
@@ -257,7 +367,7 @@
             <a:fld id="{03077007-3A73-4E7D-991C-75440D09B976}" type="datetimeFigureOut">
               <a:rPr lang="en-US" smtClean="0"/>
               <a:pPr/>
-              <a:t>9/4/2017</a:t>
+              <a:t>9/9/2021</a:t>
             </a:fld>
             <a:endParaRPr lang="en-US"/>
           </a:p>
@@ -424,7 +534,7 @@
             <a:fld id="{0C12807D-967C-46EC-93C3-FE16C931482B}" type="datetimeFigureOut">
               <a:rPr lang="en-US" smtClean="0"/>
               <a:pPr/>
-              <a:t>9/4/2017</a:t>
+              <a:t>9/9/2021</a:t>
             </a:fld>
             <a:endParaRPr lang="en-US"/>
           </a:p>
@@ -490,38 +600,37 @@
           <a:p>
             <a:pPr lvl="0"/>
             <a:r>
-              <a:rPr lang="en-US" smtClean="0"/>
+              <a:rPr lang="en-US"/>
               <a:t>Click to edit Master text styles</a:t>
             </a:r>
           </a:p>
           <a:p>
             <a:pPr lvl="1"/>
             <a:r>
-              <a:rPr lang="en-US" smtClean="0"/>
+              <a:rPr lang="en-US"/>
               <a:t>Second level</a:t>
             </a:r>
           </a:p>
           <a:p>
             <a:pPr lvl="2"/>
             <a:r>
-              <a:rPr lang="en-US" smtClean="0"/>
+              <a:rPr lang="en-US"/>
               <a:t>Third level</a:t>
             </a:r>
           </a:p>
           <a:p>
             <a:pPr lvl="3"/>
             <a:r>
-              <a:rPr lang="en-US" smtClean="0"/>
+              <a:rPr lang="en-US"/>
               <a:t>Fourth level</a:t>
             </a:r>
           </a:p>
           <a:p>
             <a:pPr lvl="4"/>
             <a:r>
-              <a:rPr lang="en-US" smtClean="0"/>
+              <a:rPr lang="en-US"/>
               <a:t>Fifth level</a:t>
             </a:r>
-            <a:endParaRPr lang="en-US"/>
           </a:p>
         </p:txBody>
       </p:sp>
@@ -741,7 +850,7 @@
           </a:bodyPr>
           <a:lstStyle/>
           <a:p>
-            <a:endParaRPr lang="en-US" dirty="0" smtClean="0"/>
+            <a:endParaRPr lang="en-US" dirty="0"/>
           </a:p>
           <a:p>
             <a:endParaRPr lang="en-US" dirty="0"/>
@@ -776,261 +885,6 @@
     <p:extLst>
       <p:ext uri="{BB962C8B-B14F-4D97-AF65-F5344CB8AC3E}">
         <p14:creationId xmlns:p14="http://schemas.microsoft.com/office/powerpoint/2010/main" val="1468530401"/>
-      </p:ext>
-    </p:extLst>
-  </p:cSld>
-  <p:clrMapOvr>
-    <a:masterClrMapping/>
-  </p:clrMapOvr>
-</p:notes>
-</file>
-
-<file path=ppt/notesSlides/notesSlide10.xml><?xml version="1.0" encoding="utf-8"?>
-<p:notes xmlns:a="http://schemas.openxmlformats.org/drawingml/2006/main" xmlns:r="http://schemas.openxmlformats.org/officeDocument/2006/relationships" xmlns:p="http://schemas.openxmlformats.org/presentationml/2006/main">
-  <p:cSld>
-    <p:spTree>
-      <p:nvGrpSpPr>
-        <p:cNvPr id="1" name=""/>
-        <p:cNvGrpSpPr/>
-        <p:nvPr/>
-      </p:nvGrpSpPr>
-      <p:grpSpPr>
-        <a:xfrm>
-          <a:off x="0" y="0"/>
-          <a:ext cx="0" cy="0"/>
-          <a:chOff x="0" y="0"/>
-          <a:chExt cx="0" cy="0"/>
-        </a:xfrm>
-      </p:grpSpPr>
-      <p:sp>
-        <p:nvSpPr>
-          <p:cNvPr id="2" name="Slide Image Placeholder 1"/>
-          <p:cNvSpPr>
-            <a:spLocks noGrp="1" noRot="1" noChangeAspect="1"/>
-          </p:cNvSpPr>
-          <p:nvPr>
-            <p:ph type="sldImg"/>
-          </p:nvPr>
-        </p:nvSpPr>
-        <p:spPr/>
-      </p:sp>
-      <p:sp>
-        <p:nvSpPr>
-          <p:cNvPr id="3" name="Notes Placeholder 2"/>
-          <p:cNvSpPr>
-            <a:spLocks noGrp="1"/>
-          </p:cNvSpPr>
-          <p:nvPr>
-            <p:ph type="body" idx="1"/>
-          </p:nvPr>
-        </p:nvSpPr>
-        <p:spPr/>
-        <p:txBody>
-          <a:bodyPr/>
-          <a:lstStyle/>
-          <a:p>
-            <a:endParaRPr lang="en-US"/>
-          </a:p>
-        </p:txBody>
-      </p:sp>
-      <p:sp>
-        <p:nvSpPr>
-          <p:cNvPr id="4" name="Slide Number Placeholder 3"/>
-          <p:cNvSpPr>
-            <a:spLocks noGrp="1"/>
-          </p:cNvSpPr>
-          <p:nvPr>
-            <p:ph type="sldNum" sz="quarter" idx="10"/>
-          </p:nvPr>
-        </p:nvSpPr>
-        <p:spPr/>
-        <p:txBody>
-          <a:bodyPr/>
-          <a:lstStyle/>
-          <a:p>
-            <a:fld id="{E772BBEE-0ED0-4AF6-8D22-ECE7454DC3FC}" type="slidenum">
-              <a:rPr lang="en-US" smtClean="0"/>
-              <a:pPr/>
-              <a:t>11</a:t>
-            </a:fld>
-            <a:endParaRPr lang="en-US"/>
-          </a:p>
-        </p:txBody>
-      </p:sp>
-    </p:spTree>
-    <p:extLst>
-      <p:ext uri="{BB962C8B-B14F-4D97-AF65-F5344CB8AC3E}">
-        <p14:creationId xmlns:p14="http://schemas.microsoft.com/office/powerpoint/2010/main" val="2902104363"/>
-      </p:ext>
-    </p:extLst>
-  </p:cSld>
-  <p:clrMapOvr>
-    <a:masterClrMapping/>
-  </p:clrMapOvr>
-</p:notes>
-</file>
-
-<file path=ppt/notesSlides/notesSlide11.xml><?xml version="1.0" encoding="utf-8"?>
-<p:notes xmlns:a="http://schemas.openxmlformats.org/drawingml/2006/main" xmlns:r="http://schemas.openxmlformats.org/officeDocument/2006/relationships" xmlns:p="http://schemas.openxmlformats.org/presentationml/2006/main">
-  <p:cSld>
-    <p:spTree>
-      <p:nvGrpSpPr>
-        <p:cNvPr id="1" name=""/>
-        <p:cNvGrpSpPr/>
-        <p:nvPr/>
-      </p:nvGrpSpPr>
-      <p:grpSpPr>
-        <a:xfrm>
-          <a:off x="0" y="0"/>
-          <a:ext cx="0" cy="0"/>
-          <a:chOff x="0" y="0"/>
-          <a:chExt cx="0" cy="0"/>
-        </a:xfrm>
-      </p:grpSpPr>
-      <p:sp>
-        <p:nvSpPr>
-          <p:cNvPr id="2" name="Slide Image Placeholder 1"/>
-          <p:cNvSpPr>
-            <a:spLocks noGrp="1" noRot="1" noChangeAspect="1"/>
-          </p:cNvSpPr>
-          <p:nvPr>
-            <p:ph type="sldImg"/>
-          </p:nvPr>
-        </p:nvSpPr>
-        <p:spPr/>
-      </p:sp>
-      <p:sp>
-        <p:nvSpPr>
-          <p:cNvPr id="3" name="Notes Placeholder 2"/>
-          <p:cNvSpPr>
-            <a:spLocks noGrp="1"/>
-          </p:cNvSpPr>
-          <p:nvPr>
-            <p:ph type="body" idx="1"/>
-          </p:nvPr>
-        </p:nvSpPr>
-        <p:spPr/>
-        <p:txBody>
-          <a:bodyPr/>
-          <a:lstStyle/>
-          <a:p>
-            <a:endParaRPr lang="en-US"/>
-          </a:p>
-        </p:txBody>
-      </p:sp>
-      <p:sp>
-        <p:nvSpPr>
-          <p:cNvPr id="4" name="Slide Number Placeholder 3"/>
-          <p:cNvSpPr>
-            <a:spLocks noGrp="1"/>
-          </p:cNvSpPr>
-          <p:nvPr>
-            <p:ph type="sldNum" sz="quarter" idx="10"/>
-          </p:nvPr>
-        </p:nvSpPr>
-        <p:spPr/>
-        <p:txBody>
-          <a:bodyPr/>
-          <a:lstStyle/>
-          <a:p>
-            <a:fld id="{E772BBEE-0ED0-4AF6-8D22-ECE7454DC3FC}" type="slidenum">
-              <a:rPr lang="en-US" smtClean="0"/>
-              <a:pPr/>
-              <a:t>12</a:t>
-            </a:fld>
-            <a:endParaRPr lang="en-US"/>
-          </a:p>
-        </p:txBody>
-      </p:sp>
-    </p:spTree>
-    <p:extLst>
-      <p:ext uri="{BB962C8B-B14F-4D97-AF65-F5344CB8AC3E}">
-        <p14:creationId xmlns:p14="http://schemas.microsoft.com/office/powerpoint/2010/main" val="2459165306"/>
-      </p:ext>
-    </p:extLst>
-  </p:cSld>
-  <p:clrMapOvr>
-    <a:masterClrMapping/>
-  </p:clrMapOvr>
-</p:notes>
-</file>
-
-<file path=ppt/notesSlides/notesSlide12.xml><?xml version="1.0" encoding="utf-8"?>
-<p:notes xmlns:a="http://schemas.openxmlformats.org/drawingml/2006/main" xmlns:r="http://schemas.openxmlformats.org/officeDocument/2006/relationships" xmlns:p="http://schemas.openxmlformats.org/presentationml/2006/main">
-  <p:cSld>
-    <p:spTree>
-      <p:nvGrpSpPr>
-        <p:cNvPr id="1" name=""/>
-        <p:cNvGrpSpPr/>
-        <p:nvPr/>
-      </p:nvGrpSpPr>
-      <p:grpSpPr>
-        <a:xfrm>
-          <a:off x="0" y="0"/>
-          <a:ext cx="0" cy="0"/>
-          <a:chOff x="0" y="0"/>
-          <a:chExt cx="0" cy="0"/>
-        </a:xfrm>
-      </p:grpSpPr>
-      <p:sp>
-        <p:nvSpPr>
-          <p:cNvPr id="2" name="Slide Image Placeholder 1"/>
-          <p:cNvSpPr>
-            <a:spLocks noGrp="1" noRot="1" noChangeAspect="1"/>
-          </p:cNvSpPr>
-          <p:nvPr>
-            <p:ph type="sldImg"/>
-          </p:nvPr>
-        </p:nvSpPr>
-        <p:spPr/>
-      </p:sp>
-      <p:sp>
-        <p:nvSpPr>
-          <p:cNvPr id="3" name="Notes Placeholder 2"/>
-          <p:cNvSpPr>
-            <a:spLocks noGrp="1"/>
-          </p:cNvSpPr>
-          <p:nvPr>
-            <p:ph type="body" idx="1"/>
-          </p:nvPr>
-        </p:nvSpPr>
-        <p:spPr/>
-        <p:txBody>
-          <a:bodyPr/>
-          <a:lstStyle/>
-          <a:p>
-            <a:endParaRPr lang="en-US"/>
-          </a:p>
-        </p:txBody>
-      </p:sp>
-      <p:sp>
-        <p:nvSpPr>
-          <p:cNvPr id="4" name="Slide Number Placeholder 3"/>
-          <p:cNvSpPr>
-            <a:spLocks noGrp="1"/>
-          </p:cNvSpPr>
-          <p:nvPr>
-            <p:ph type="sldNum" sz="quarter" idx="10"/>
-          </p:nvPr>
-        </p:nvSpPr>
-        <p:spPr/>
-        <p:txBody>
-          <a:bodyPr/>
-          <a:lstStyle/>
-          <a:p>
-            <a:fld id="{E772BBEE-0ED0-4AF6-8D22-ECE7454DC3FC}" type="slidenum">
-              <a:rPr lang="en-US" smtClean="0"/>
-              <a:pPr/>
-              <a:t>13</a:t>
-            </a:fld>
-            <a:endParaRPr lang="en-US"/>
-          </a:p>
-        </p:txBody>
-      </p:sp>
-    </p:spTree>
-    <p:extLst>
-      <p:ext uri="{BB962C8B-B14F-4D97-AF65-F5344CB8AC3E}">
-        <p14:creationId xmlns:p14="http://schemas.microsoft.com/office/powerpoint/2010/main" val="4143071379"/>
       </p:ext>
     </p:extLst>
   </p:cSld>
@@ -1087,21 +941,21 @@
           <a:lstStyle/>
           <a:p>
             <a:r>
-              <a:rPr lang="en-US" dirty="0" smtClean="0">
+              <a:rPr lang="en-US" dirty="0">
                 <a:latin typeface="Consolas" panose="020B0609020204030204" pitchFamily="49" charset="0"/>
                 <a:cs typeface="Consolas" panose="020B0609020204030204" pitchFamily="49" charset="0"/>
               </a:rPr>
               <a:t>Ask:  Can we use map to write </a:t>
             </a:r>
             <a:r>
-              <a:rPr lang="en-US" b="1" dirty="0" smtClean="0">
+              <a:rPr lang="en-US" b="1" dirty="0">
                 <a:latin typeface="Consolas" panose="020B0609020204030204" pitchFamily="49" charset="0"/>
                 <a:cs typeface="Consolas" panose="020B0609020204030204" pitchFamily="49" charset="0"/>
               </a:rPr>
               <a:t>positives</a:t>
             </a:r>
             <a:r>
-              <a:rPr lang="en-US" dirty="0" smtClean="0">
+              <a:rPr lang="en-US" dirty="0">
                 <a:latin typeface="Consolas" panose="020B0609020204030204" pitchFamily="49" charset="0"/>
                 <a:cs typeface="Consolas" panose="020B0609020204030204" pitchFamily="49" charset="0"/>
               </a:rPr>
@@ -1110,14 +964,14 @@
           </a:p>
           <a:p>
             <a:r>
-              <a:rPr lang="en-US" dirty="0" smtClean="0">
+              <a:rPr lang="en-US" dirty="0">
                 <a:latin typeface="Consolas" panose="020B0609020204030204" pitchFamily="49" charset="0"/>
                 <a:cs typeface="Consolas" panose="020B0609020204030204" pitchFamily="49" charset="0"/>
               </a:rPr>
               <a:t>Perhaps write </a:t>
             </a:r>
             <a:r>
-              <a:rPr lang="en-US" b="1" dirty="0" smtClean="0">
+              <a:rPr lang="en-US" b="1" dirty="0">
                 <a:latin typeface="Consolas" panose="020B0609020204030204" pitchFamily="49" charset="0"/>
                 <a:cs typeface="Consolas" panose="020B0609020204030204" pitchFamily="49" charset="0"/>
               </a:rPr>
@@ -1125,7 +979,7 @@
             </a:r>
           </a:p>
           <a:p>
-            <a:endParaRPr lang="en-US" dirty="0" smtClean="0">
+            <a:endParaRPr lang="en-US" dirty="0">
               <a:latin typeface="Consolas" panose="020B0609020204030204" pitchFamily="49" charset="0"/>
               <a:cs typeface="Consolas" panose="020B0609020204030204" pitchFamily="49" charset="0"/>
             </a:endParaRPr>
@@ -1209,14 +1063,14 @@
             </a:r>
           </a:p>
           <a:p>
-            <a:endParaRPr lang="en-US" baseline="0" dirty="0" smtClean="0">
+            <a:endParaRPr lang="en-US" baseline="0" dirty="0">
               <a:latin typeface="Consolas" panose="020B0609020204030204" pitchFamily="49" charset="0"/>
               <a:cs typeface="Consolas" panose="020B0609020204030204" pitchFamily="49" charset="0"/>
             </a:endParaRPr>
           </a:p>
           <a:p>
             <a:r>
-              <a:rPr lang="en-US" baseline="0" dirty="0" smtClean="0">
+              <a:rPr lang="en-US" baseline="0" dirty="0">
                 <a:latin typeface="Consolas" panose="020B0609020204030204" pitchFamily="49" charset="0"/>
                 <a:cs typeface="Consolas" panose="020B0609020204030204" pitchFamily="49" charset="0"/>
               </a:rPr>
@@ -1247,7 +1101,7 @@
             <a:fld id="{F352D5B2-AE34-4C55-AB6F-517E1ACFB39F}" type="slidenum">
               <a:rPr lang="en-US" smtClean="0"/>
               <a:pPr/>
-              <a:t>3</a:t>
+              <a:t>2</a:t>
             </a:fld>
             <a:endParaRPr lang="en-US"/>
           </a:p>
@@ -1256,7 +1110,7 @@
     </p:spTree>
     <p:extLst>
       <p:ext uri="{BB962C8B-B14F-4D97-AF65-F5344CB8AC3E}">
-        <p14:creationId xmlns:p14="http://schemas.microsoft.com/office/powerpoint/2010/main" val="3629633011"/>
+        <p14:creationId xmlns:p14="http://schemas.microsoft.com/office/powerpoint/2010/main" val="1401496584"/>
       </p:ext>
     </p:extLst>
   </p:cSld>
@@ -1313,145 +1167,58 @@
           <a:lstStyle/>
           <a:p>
             <a:r>
-              <a:rPr lang="en-US" dirty="0" smtClean="0">
-                <a:latin typeface="Consolas" panose="020B0609020204030204" pitchFamily="49" charset="0"/>
-                <a:cs typeface="Consolas" panose="020B0609020204030204" pitchFamily="49" charset="0"/>
-              </a:rPr>
-              <a:t>Ask:  Can we use map to write </a:t>
-            </a:r>
-            <a:r>
-              <a:rPr lang="en-US" b="1" dirty="0" smtClean="0">
-                <a:latin typeface="Consolas" panose="020B0609020204030204" pitchFamily="49" charset="0"/>
-                <a:cs typeface="Consolas" panose="020B0609020204030204" pitchFamily="49" charset="0"/>
-              </a:rPr>
-              <a:t>positives</a:t>
-            </a:r>
-            <a:r>
-              <a:rPr lang="en-US" dirty="0" smtClean="0">
-                <a:latin typeface="Consolas" panose="020B0609020204030204" pitchFamily="49" charset="0"/>
-                <a:cs typeface="Consolas" panose="020B0609020204030204" pitchFamily="49" charset="0"/>
-              </a:rPr>
-              <a:t>?</a:t>
-            </a:r>
-          </a:p>
-          <a:p>
-            <a:r>
-              <a:rPr lang="en-US" dirty="0" smtClean="0">
-                <a:latin typeface="Consolas" panose="020B0609020204030204" pitchFamily="49" charset="0"/>
-                <a:cs typeface="Consolas" panose="020B0609020204030204" pitchFamily="49" charset="0"/>
-              </a:rPr>
-              <a:t>Perhaps write </a:t>
-            </a:r>
-            <a:r>
-              <a:rPr lang="en-US" b="1" dirty="0" smtClean="0">
-                <a:latin typeface="Consolas" panose="020B0609020204030204" pitchFamily="49" charset="0"/>
-                <a:cs typeface="Consolas" panose="020B0609020204030204" pitchFamily="49" charset="0"/>
-              </a:rPr>
-              <a:t>filter-in</a:t>
-            </a:r>
-          </a:p>
-          <a:p>
-            <a:endParaRPr lang="en-US" dirty="0" smtClean="0">
-              <a:latin typeface="Consolas" panose="020B0609020204030204" pitchFamily="49" charset="0"/>
-              <a:cs typeface="Consolas" panose="020B0609020204030204" pitchFamily="49" charset="0"/>
-            </a:endParaRPr>
-          </a:p>
-          <a:p>
-            <a:r>
-              <a:rPr lang="en-US" sz="1100" b="1" dirty="0">
-                <a:latin typeface="Consolas" panose="020B0609020204030204" pitchFamily="49" charset="0"/>
-                <a:cs typeface="Consolas" panose="020B0609020204030204" pitchFamily="49" charset="0"/>
-              </a:rPr>
-              <a:t>(define sorted? </a:t>
-            </a:r>
-          </a:p>
-          <a:p>
-            <a:r>
-              <a:rPr lang="en-US" sz="1100" b="1" dirty="0">
-                <a:latin typeface="Consolas" panose="020B0609020204030204" pitchFamily="49" charset="0"/>
-                <a:cs typeface="Consolas" panose="020B0609020204030204" pitchFamily="49" charset="0"/>
-              </a:rPr>
-              <a:t>  (lambda (numbers) </a:t>
-            </a:r>
-          </a:p>
-          <a:p>
-            <a:r>
-              <a:rPr lang="en-US" sz="1100" b="1" dirty="0">
-                <a:latin typeface="Consolas" panose="020B0609020204030204" pitchFamily="49" charset="0"/>
-                <a:cs typeface="Consolas" panose="020B0609020204030204" pitchFamily="49" charset="0"/>
-              </a:rPr>
-              <a:t>   (or (&lt; (length numbers) 2) </a:t>
-            </a:r>
-          </a:p>
-          <a:p>
-            <a:r>
-              <a:rPr lang="en-US" sz="1100" b="1" dirty="0">
-                <a:latin typeface="Consolas" panose="020B0609020204030204" pitchFamily="49" charset="0"/>
-                <a:cs typeface="Consolas" panose="020B0609020204030204" pitchFamily="49" charset="0"/>
-              </a:rPr>
-              <a:t>      </a:t>
-            </a:r>
-            <a:r>
-              <a:rPr lang="en-US" sz="1100" dirty="0">
-                <a:solidFill>
-                  <a:srgbClr val="FF0000"/>
-                </a:solidFill>
-                <a:latin typeface="Consolas" panose="020B0609020204030204" pitchFamily="49" charset="0"/>
-                <a:cs typeface="Consolas" panose="020B0609020204030204" pitchFamily="49" charset="0"/>
-              </a:rPr>
-              <a:t>; why is this a bad idea?</a:t>
-            </a:r>
-          </a:p>
-          <a:p>
-            <a:r>
-              <a:rPr lang="en-US" sz="1100" b="1" dirty="0">
-                <a:latin typeface="Consolas" panose="020B0609020204030204" pitchFamily="49" charset="0"/>
-                <a:cs typeface="Consolas" panose="020B0609020204030204" pitchFamily="49" charset="0"/>
-              </a:rPr>
-              <a:t>     (and (&lt;= (car numbers) (</a:t>
-            </a:r>
-            <a:r>
-              <a:rPr lang="en-US" sz="1100" b="1" dirty="0" err="1">
-                <a:latin typeface="Consolas" panose="020B0609020204030204" pitchFamily="49" charset="0"/>
-                <a:cs typeface="Consolas" panose="020B0609020204030204" pitchFamily="49" charset="0"/>
-              </a:rPr>
-              <a:t>cadr</a:t>
-            </a:r>
-            <a:r>
-              <a:rPr lang="en-US" sz="1100" b="1" dirty="0">
-                <a:latin typeface="Consolas" panose="020B0609020204030204" pitchFamily="49" charset="0"/>
-                <a:cs typeface="Consolas" panose="020B0609020204030204" pitchFamily="49" charset="0"/>
-              </a:rPr>
-              <a:t> numbers)) </a:t>
-            </a:r>
-          </a:p>
-          <a:p>
-            <a:r>
-              <a:rPr lang="en-US" sz="1100" b="1" dirty="0">
-                <a:latin typeface="Consolas" panose="020B0609020204030204" pitchFamily="49" charset="0"/>
-                <a:cs typeface="Consolas" panose="020B0609020204030204" pitchFamily="49" charset="0"/>
-              </a:rPr>
-              <a:t>          (sorted? (cdr numbers))))))</a:t>
-            </a:r>
-          </a:p>
-          <a:p>
-            <a:endParaRPr lang="en-US" baseline="0" dirty="0" smtClean="0">
-              <a:latin typeface="Consolas" panose="020B0609020204030204" pitchFamily="49" charset="0"/>
-              <a:cs typeface="Consolas" panose="020B0609020204030204" pitchFamily="49" charset="0"/>
-            </a:endParaRPr>
-          </a:p>
-          <a:p>
-            <a:r>
-              <a:rPr lang="en-US" baseline="0" dirty="0" smtClean="0">
-                <a:latin typeface="Consolas" panose="020B0609020204030204" pitchFamily="49" charset="0"/>
-                <a:cs typeface="Consolas" panose="020B0609020204030204" pitchFamily="49" charset="0"/>
-              </a:rPr>
-              <a:t>   </a:t>
-            </a:r>
-            <a:endParaRPr lang="en-US" dirty="0">
-              <a:latin typeface="Consolas" panose="020B0609020204030204" pitchFamily="49" charset="0"/>
-              <a:cs typeface="Consolas" panose="020B0609020204030204" pitchFamily="49" charset="0"/>
-            </a:endParaRPr>
+              <a:rPr lang="en-US" dirty="0"/>
+              <a:t>After</a:t>
+            </a:r>
+            <a:r>
+              <a:rPr lang="en-US" baseline="0" dirty="0"/>
+              <a:t> quickly going through the material on this slide, do the following (another apply example):</a:t>
+            </a:r>
+          </a:p>
+          <a:p>
+            <a:endParaRPr lang="en-US" baseline="0" dirty="0"/>
+          </a:p>
+          <a:p>
+            <a:r>
+              <a:rPr lang="en-US" dirty="0"/>
+              <a:t>&gt; (max 2 3 1)</a:t>
+            </a:r>
+          </a:p>
+          <a:p>
+            <a:r>
+              <a:rPr lang="en-US" dirty="0"/>
+              <a:t>3</a:t>
+            </a:r>
+          </a:p>
+          <a:p>
+            <a:r>
+              <a:rPr lang="en-US" dirty="0"/>
+              <a:t>&gt; (max '(2 3 1))</a:t>
+            </a:r>
+          </a:p>
+          <a:p>
+            <a:r>
+              <a:rPr lang="en-US" dirty="0"/>
+              <a:t>. . max: expects argument of type &lt;real number&gt;; given (2 3 1)</a:t>
+            </a:r>
+          </a:p>
+          <a:p>
+            <a:r>
+              <a:rPr lang="en-US" dirty="0"/>
+              <a:t>&gt; (apply max '(2 3 1))</a:t>
+            </a:r>
+          </a:p>
+          <a:p>
+            <a:r>
+              <a:rPr lang="en-US" dirty="0"/>
+              <a:t>3</a:t>
+            </a:r>
+          </a:p>
+          <a:p>
+            <a:r>
+              <a:rPr lang="en-US" dirty="0"/>
+              <a:t>&gt; </a:t>
+            </a:r>
           </a:p>
         </p:txBody>
       </p:sp>
@@ -1482,7 +1249,7 @@
     </p:spTree>
     <p:extLst>
       <p:ext uri="{BB962C8B-B14F-4D97-AF65-F5344CB8AC3E}">
-        <p14:creationId xmlns:p14="http://schemas.microsoft.com/office/powerpoint/2010/main" val="1401496584"/>
+        <p14:creationId xmlns:p14="http://schemas.microsoft.com/office/powerpoint/2010/main" val="3150881183"/>
       </p:ext>
     </p:extLst>
   </p:cSld>
@@ -1533,166 +1300,10 @@
         </p:nvSpPr>
         <p:spPr/>
         <p:txBody>
-          <a:bodyPr>
-            <a:normAutofit/>
-          </a:bodyPr>
+          <a:bodyPr/>
           <a:lstStyle/>
           <a:p>
-            <a:r>
-              <a:rPr lang="en-US" dirty="0" smtClean="0">
-                <a:latin typeface="Consolas" panose="020B0609020204030204" pitchFamily="49" charset="0"/>
-                <a:cs typeface="Consolas" panose="020B0609020204030204" pitchFamily="49" charset="0"/>
-              </a:rPr>
-              <a:t>Ask:  Can we use map to write </a:t>
-            </a:r>
-            <a:r>
-              <a:rPr lang="en-US" b="1" dirty="0" smtClean="0">
-                <a:latin typeface="Consolas" panose="020B0609020204030204" pitchFamily="49" charset="0"/>
-                <a:cs typeface="Consolas" panose="020B0609020204030204" pitchFamily="49" charset="0"/>
-              </a:rPr>
-              <a:t>positives</a:t>
-            </a:r>
-            <a:r>
-              <a:rPr lang="en-US" dirty="0" smtClean="0">
-                <a:latin typeface="Consolas" panose="020B0609020204030204" pitchFamily="49" charset="0"/>
-                <a:cs typeface="Consolas" panose="020B0609020204030204" pitchFamily="49" charset="0"/>
-              </a:rPr>
-              <a:t>?</a:t>
-            </a:r>
-          </a:p>
-          <a:p>
-            <a:r>
-              <a:rPr lang="en-US" dirty="0" smtClean="0">
-                <a:latin typeface="Consolas" panose="020B0609020204030204" pitchFamily="49" charset="0"/>
-                <a:cs typeface="Consolas" panose="020B0609020204030204" pitchFamily="49" charset="0"/>
-              </a:rPr>
-              <a:t>Perhaps write </a:t>
-            </a:r>
-            <a:r>
-              <a:rPr lang="en-US" b="1" dirty="0" smtClean="0">
-                <a:latin typeface="Consolas" panose="020B0609020204030204" pitchFamily="49" charset="0"/>
-                <a:cs typeface="Consolas" panose="020B0609020204030204" pitchFamily="49" charset="0"/>
-              </a:rPr>
-              <a:t>filter-in</a:t>
-            </a:r>
-          </a:p>
-          <a:p>
-            <a:endParaRPr lang="en-US" b="1" dirty="0" smtClean="0">
-              <a:latin typeface="Consolas" panose="020B0609020204030204" pitchFamily="49" charset="0"/>
-              <a:cs typeface="Consolas" panose="020B0609020204030204" pitchFamily="49" charset="0"/>
-            </a:endParaRPr>
-          </a:p>
-          <a:p>
-            <a:r>
-              <a:rPr lang="en-US" b="1" dirty="0" smtClean="0">
-                <a:latin typeface="Consolas" panose="020B0609020204030204" pitchFamily="49" charset="0"/>
-                <a:cs typeface="Consolas" panose="020B0609020204030204" pitchFamily="49" charset="0"/>
-              </a:rPr>
-              <a:t>(define </a:t>
-            </a:r>
-          </a:p>
-          <a:p>
-            <a:endParaRPr lang="en-US" dirty="0" smtClean="0">
-              <a:latin typeface="Consolas" panose="020B0609020204030204" pitchFamily="49" charset="0"/>
-              <a:cs typeface="Consolas" panose="020B0609020204030204" pitchFamily="49" charset="0"/>
-            </a:endParaRPr>
-          </a:p>
-          <a:p>
-            <a:r>
-              <a:rPr lang="en-US" sz="1100" b="1" dirty="0">
-                <a:latin typeface="Consolas" panose="020B0609020204030204" pitchFamily="49" charset="0"/>
-                <a:cs typeface="Consolas" panose="020B0609020204030204" pitchFamily="49" charset="0"/>
-              </a:rPr>
-              <a:t>(define sorted? </a:t>
-            </a:r>
-          </a:p>
-          <a:p>
-            <a:r>
-              <a:rPr lang="en-US" sz="1100" b="1" dirty="0">
-                <a:latin typeface="Consolas" panose="020B0609020204030204" pitchFamily="49" charset="0"/>
-                <a:cs typeface="Consolas" panose="020B0609020204030204" pitchFamily="49" charset="0"/>
-              </a:rPr>
-              <a:t>  (lambda (numbers) </a:t>
-            </a:r>
-          </a:p>
-          <a:p>
-            <a:r>
-              <a:rPr lang="en-US" sz="1100" b="1" dirty="0">
-                <a:latin typeface="Consolas" panose="020B0609020204030204" pitchFamily="49" charset="0"/>
-                <a:cs typeface="Consolas" panose="020B0609020204030204" pitchFamily="49" charset="0"/>
-              </a:rPr>
-              <a:t>   (or (&lt; (length numbers) 2) </a:t>
-            </a:r>
-          </a:p>
-          <a:p>
-            <a:r>
-              <a:rPr lang="en-US" sz="1100" b="1" dirty="0">
-                <a:latin typeface="Consolas" panose="020B0609020204030204" pitchFamily="49" charset="0"/>
-                <a:cs typeface="Consolas" panose="020B0609020204030204" pitchFamily="49" charset="0"/>
-              </a:rPr>
-              <a:t>      </a:t>
-            </a:r>
-            <a:r>
-              <a:rPr lang="en-US" sz="1100" dirty="0">
-                <a:solidFill>
-                  <a:srgbClr val="FF0000"/>
-                </a:solidFill>
-                <a:latin typeface="Consolas" panose="020B0609020204030204" pitchFamily="49" charset="0"/>
-                <a:cs typeface="Consolas" panose="020B0609020204030204" pitchFamily="49" charset="0"/>
-              </a:rPr>
-              <a:t>; why is this a bad idea?</a:t>
-            </a:r>
-          </a:p>
-          <a:p>
-            <a:r>
-              <a:rPr lang="en-US" sz="1100" b="1" dirty="0">
-                <a:latin typeface="Consolas" panose="020B0609020204030204" pitchFamily="49" charset="0"/>
-                <a:cs typeface="Consolas" panose="020B0609020204030204" pitchFamily="49" charset="0"/>
-              </a:rPr>
-              <a:t>     (and (&lt;= (car numbers) (</a:t>
-            </a:r>
-            <a:r>
-              <a:rPr lang="en-US" sz="1100" b="1" dirty="0" err="1">
-                <a:latin typeface="Consolas" panose="020B0609020204030204" pitchFamily="49" charset="0"/>
-                <a:cs typeface="Consolas" panose="020B0609020204030204" pitchFamily="49" charset="0"/>
-              </a:rPr>
-              <a:t>cadr</a:t>
-            </a:r>
-            <a:r>
-              <a:rPr lang="en-US" sz="1100" b="1" dirty="0">
-                <a:latin typeface="Consolas" panose="020B0609020204030204" pitchFamily="49" charset="0"/>
-                <a:cs typeface="Consolas" panose="020B0609020204030204" pitchFamily="49" charset="0"/>
-              </a:rPr>
-              <a:t> numbers)) </a:t>
-            </a:r>
-          </a:p>
-          <a:p>
-            <a:r>
-              <a:rPr lang="en-US" sz="1100" b="1" dirty="0">
-                <a:latin typeface="Consolas" panose="020B0609020204030204" pitchFamily="49" charset="0"/>
-                <a:cs typeface="Consolas" panose="020B0609020204030204" pitchFamily="49" charset="0"/>
-              </a:rPr>
-              <a:t>          (sorted? (cdr numbers))))))</a:t>
-            </a:r>
-          </a:p>
-          <a:p>
-            <a:endParaRPr lang="en-US" baseline="0" dirty="0" smtClean="0">
-              <a:latin typeface="Consolas" panose="020B0609020204030204" pitchFamily="49" charset="0"/>
-              <a:cs typeface="Consolas" panose="020B0609020204030204" pitchFamily="49" charset="0"/>
-            </a:endParaRPr>
-          </a:p>
-          <a:p>
-            <a:r>
-              <a:rPr lang="en-US" baseline="0" dirty="0" smtClean="0">
-                <a:latin typeface="Consolas" panose="020B0609020204030204" pitchFamily="49" charset="0"/>
-                <a:cs typeface="Consolas" panose="020B0609020204030204" pitchFamily="49" charset="0"/>
-              </a:rPr>
-              <a:t>   </a:t>
-            </a:r>
-            <a:endParaRPr lang="en-US" dirty="0">
-              <a:latin typeface="Consolas" panose="020B0609020204030204" pitchFamily="49" charset="0"/>
-              <a:cs typeface="Consolas" panose="020B0609020204030204" pitchFamily="49" charset="0"/>
-            </a:endParaRPr>
+            <a:endParaRPr lang="en-US"/>
           </a:p>
         </p:txBody>
       </p:sp>
@@ -1711,7 +1322,7 @@
           <a:bodyPr/>
           <a:lstStyle/>
           <a:p>
-            <a:fld id="{F352D5B2-AE34-4C55-AB6F-517E1ACFB39F}" type="slidenum">
+            <a:fld id="{E772BBEE-0ED0-4AF6-8D22-ECE7454DC3FC}" type="slidenum">
               <a:rPr lang="en-US" smtClean="0"/>
               <a:pPr/>
               <a:t>5</a:t>
@@ -1723,7 +1334,7 @@
     </p:spTree>
     <p:extLst>
       <p:ext uri="{BB962C8B-B14F-4D97-AF65-F5344CB8AC3E}">
-        <p14:creationId xmlns:p14="http://schemas.microsoft.com/office/powerpoint/2010/main" val="2753910323"/>
+        <p14:creationId xmlns:p14="http://schemas.microsoft.com/office/powerpoint/2010/main" val="489791955"/>
       </p:ext>
     </p:extLst>
   </p:cSld>
@@ -1774,12 +1385,10 @@
         </p:nvSpPr>
         <p:spPr/>
         <p:txBody>
-          <a:bodyPr>
-            <a:normAutofit/>
-          </a:bodyPr>
+          <a:bodyPr/>
           <a:lstStyle/>
           <a:p>
-            <a:endParaRPr lang="en-US" dirty="0"/>
+            <a:endParaRPr lang="en-US"/>
           </a:p>
         </p:txBody>
       </p:sp>
@@ -1798,7 +1407,7 @@
           <a:bodyPr/>
           <a:lstStyle/>
           <a:p>
-            <a:fld id="{F352D5B2-AE34-4C55-AB6F-517E1ACFB39F}" type="slidenum">
+            <a:fld id="{E772BBEE-0ED0-4AF6-8D22-ECE7454DC3FC}" type="slidenum">
               <a:rPr lang="en-US" smtClean="0"/>
               <a:pPr/>
               <a:t>6</a:t>
@@ -1810,7 +1419,7 @@
     </p:spTree>
     <p:extLst>
       <p:ext uri="{BB962C8B-B14F-4D97-AF65-F5344CB8AC3E}">
-        <p14:creationId xmlns:p14="http://schemas.microsoft.com/office/powerpoint/2010/main" val="1174647051"/>
+        <p14:creationId xmlns:p14="http://schemas.microsoft.com/office/powerpoint/2010/main" val="1845632380"/>
       </p:ext>
     </p:extLst>
   </p:cSld>
@@ -1861,65 +1470,10 @@
         </p:nvSpPr>
         <p:spPr/>
         <p:txBody>
-          <a:bodyPr>
-            <a:normAutofit/>
-          </a:bodyPr>
+          <a:bodyPr/>
           <a:lstStyle/>
           <a:p>
-            <a:r>
-              <a:rPr lang="en-US" dirty="0" smtClean="0"/>
-              <a:t>After</a:t>
-            </a:r>
-            <a:r>
-              <a:rPr lang="en-US" baseline="0" dirty="0" smtClean="0"/>
-              <a:t> quickly going through the material on this slide, do the following (another apply example):</a:t>
-            </a:r>
-          </a:p>
-          <a:p>
-            <a:endParaRPr lang="en-US" baseline="0" dirty="0" smtClean="0"/>
-          </a:p>
-          <a:p>
-            <a:r>
-              <a:rPr lang="en-US" dirty="0" smtClean="0"/>
-              <a:t>&gt; (max 2 3 1)</a:t>
-            </a:r>
-          </a:p>
-          <a:p>
-            <a:r>
-              <a:rPr lang="en-US" dirty="0" smtClean="0"/>
-              <a:t>3</a:t>
-            </a:r>
-          </a:p>
-          <a:p>
-            <a:r>
-              <a:rPr lang="en-US" dirty="0" smtClean="0"/>
-              <a:t>&gt; (max '(2 3 1))</a:t>
-            </a:r>
-          </a:p>
-          <a:p>
-            <a:r>
-              <a:rPr lang="en-US" dirty="0" smtClean="0"/>
-              <a:t>. . max: expects argument of type &lt;real number&gt;; given (2 3 1)</a:t>
-            </a:r>
-          </a:p>
-          <a:p>
-            <a:r>
-              <a:rPr lang="en-US" dirty="0" smtClean="0"/>
-              <a:t>&gt; (apply max '(2 3 1))</a:t>
-            </a:r>
-          </a:p>
-          <a:p>
-            <a:r>
-              <a:rPr lang="en-US" dirty="0" smtClean="0"/>
-              <a:t>3</a:t>
-            </a:r>
-          </a:p>
-          <a:p>
-            <a:r>
-              <a:rPr lang="en-US" dirty="0" smtClean="0"/>
-              <a:t>&gt; </a:t>
-            </a:r>
-            <a:endParaRPr lang="en-US" dirty="0"/>
+            <a:endParaRPr lang="en-US"/>
           </a:p>
         </p:txBody>
       </p:sp>
@@ -1938,7 +1492,7 @@
           <a:bodyPr/>
           <a:lstStyle/>
           <a:p>
-            <a:fld id="{F352D5B2-AE34-4C55-AB6F-517E1ACFB39F}" type="slidenum">
+            <a:fld id="{E772BBEE-0ED0-4AF6-8D22-ECE7454DC3FC}" type="slidenum">
               <a:rPr lang="en-US" smtClean="0"/>
               <a:pPr/>
               <a:t>7</a:t>
@@ -1950,7 +1504,7 @@
     </p:spTree>
     <p:extLst>
       <p:ext uri="{BB962C8B-B14F-4D97-AF65-F5344CB8AC3E}">
-        <p14:creationId xmlns:p14="http://schemas.microsoft.com/office/powerpoint/2010/main" val="3150881183"/>
+        <p14:creationId xmlns:p14="http://schemas.microsoft.com/office/powerpoint/2010/main" val="2735966828"/>
       </p:ext>
     </p:extLst>
   </p:cSld>
@@ -2035,7 +1589,7 @@
     </p:spTree>
     <p:extLst>
       <p:ext uri="{BB962C8B-B14F-4D97-AF65-F5344CB8AC3E}">
-        <p14:creationId xmlns:p14="http://schemas.microsoft.com/office/powerpoint/2010/main" val="489791955"/>
+        <p14:creationId xmlns:p14="http://schemas.microsoft.com/office/powerpoint/2010/main" val="2902104363"/>
       </p:ext>
     </p:extLst>
   </p:cSld>
@@ -2120,7 +1674,7 @@
     </p:spTree>
     <p:extLst>
       <p:ext uri="{BB962C8B-B14F-4D97-AF65-F5344CB8AC3E}">
-        <p14:creationId xmlns:p14="http://schemas.microsoft.com/office/powerpoint/2010/main" val="1845632380"/>
+        <p14:creationId xmlns:p14="http://schemas.microsoft.com/office/powerpoint/2010/main" val="2459165306"/>
       </p:ext>
     </p:extLst>
   </p:cSld>
@@ -2205,7 +1759,7 @@
     </p:spTree>
     <p:extLst>
       <p:ext uri="{BB962C8B-B14F-4D97-AF65-F5344CB8AC3E}">
-        <p14:creationId xmlns:p14="http://schemas.microsoft.com/office/powerpoint/2010/main" val="2735966828"/>
+        <p14:creationId xmlns:p14="http://schemas.microsoft.com/office/powerpoint/2010/main" val="4143071379"/>
       </p:ext>
     </p:extLst>
   </p:cSld>
@@ -7840,13 +7394,6 @@
   <p:clrMapOvr>
     <a:masterClrMapping/>
   </p:clrMapOvr>
-  <p:timing>
-    <p:tnLst>
-      <p:par>
-        <p:cTn id="1" dur="indefinite" restart="never" nodeType="tmRoot"/>
-      </p:par>
-    </p:tnLst>
-  </p:timing>
 </p:sldLayout>
 </file>
 
@@ -7883,10 +7430,9 @@
           <a:lstStyle/>
           <a:p>
             <a:r>
-              <a:rPr lang="en-US" smtClean="0"/>
+              <a:rPr lang="en-US"/>
               <a:t>Click to edit Master title style</a:t>
             </a:r>
-            <a:endParaRPr lang="en-US"/>
           </a:p>
         </p:txBody>
       </p:sp>
@@ -7907,38 +7453,37 @@
           <a:p>
             <a:pPr lvl="0"/>
             <a:r>
-              <a:rPr lang="en-US" smtClean="0"/>
+              <a:rPr lang="en-US"/>
               <a:t>Click to edit Master text styles</a:t>
             </a:r>
           </a:p>
           <a:p>
             <a:pPr lvl="1"/>
             <a:r>
-              <a:rPr lang="en-US" smtClean="0"/>
+              <a:rPr lang="en-US"/>
               <a:t>Second level</a:t>
             </a:r>
           </a:p>
           <a:p>
             <a:pPr lvl="2"/>
             <a:r>
-              <a:rPr lang="en-US" smtClean="0"/>
+              <a:rPr lang="en-US"/>
               <a:t>Third level</a:t>
             </a:r>
           </a:p>
           <a:p>
             <a:pPr lvl="3"/>
             <a:r>
-              <a:rPr lang="en-US" smtClean="0"/>
+              <a:rPr lang="en-US"/>
               <a:t>Fourth level</a:t>
             </a:r>
           </a:p>
           <a:p>
             <a:pPr lvl="4"/>
             <a:r>
-              <a:rPr lang="en-US" smtClean="0"/>
+              <a:rPr lang="en-US"/>
               <a:t>Fifth level</a:t>
             </a:r>
-            <a:endParaRPr lang="en-US"/>
           </a:p>
         </p:txBody>
       </p:sp>
@@ -8062,10 +7607,9 @@
           <a:lstStyle/>
           <a:p>
             <a:r>
-              <a:rPr lang="en-US" smtClean="0"/>
+              <a:rPr lang="en-US"/>
               <a:t>Click to edit Master title style</a:t>
             </a:r>
-            <a:endParaRPr lang="en-US"/>
           </a:p>
         </p:txBody>
       </p:sp>
@@ -8091,38 +7635,37 @@
           <a:p>
             <a:pPr lvl="0"/>
             <a:r>
-              <a:rPr lang="en-US" smtClean="0"/>
+              <a:rPr lang="en-US"/>
               <a:t>Click to edit Master text styles</a:t>
             </a:r>
           </a:p>
           <a:p>
             <a:pPr lvl="1"/>
             <a:r>
-              <a:rPr lang="en-US" smtClean="0"/>
+              <a:rPr lang="en-US"/>
               <a:t>Second level</a:t>
             </a:r>
           </a:p>
           <a:p>
             <a:pPr lvl="2"/>
             <a:r>
-              <a:rPr lang="en-US" smtClean="0"/>
+              <a:rPr lang="en-US"/>
               <a:t>Third level</a:t>
             </a:r>
           </a:p>
           <a:p>
             <a:pPr lvl="3"/>
             <a:r>
-              <a:rPr lang="en-US" smtClean="0"/>
+              <a:rPr lang="en-US"/>
               <a:t>Fourth level</a:t>
             </a:r>
           </a:p>
           <a:p>
             <a:pPr lvl="4"/>
             <a:r>
-              <a:rPr lang="en-US" smtClean="0"/>
+              <a:rPr lang="en-US"/>
               <a:t>Fifth level</a:t>
             </a:r>
-            <a:endParaRPr lang="en-US"/>
           </a:p>
         </p:txBody>
       </p:sp>
@@ -8246,10 +7789,9 @@
           <a:lstStyle/>
           <a:p>
             <a:r>
-              <a:rPr lang="en-US" smtClean="0"/>
+              <a:rPr lang="en-US"/>
               <a:t>Click to edit Master title style</a:t>
             </a:r>
-            <a:endParaRPr lang="en-US"/>
           </a:p>
         </p:txBody>
       </p:sp>
@@ -8275,38 +7817,37 @@
           <a:p>
             <a:pPr lvl="0"/>
             <a:r>
-              <a:rPr lang="en-US" smtClean="0"/>
+              <a:rPr lang="en-US"/>
               <a:t>Click to edit Master text styles</a:t>
             </a:r>
           </a:p>
           <a:p>
             <a:pPr lvl="1"/>
             <a:r>
-              <a:rPr lang="en-US" smtClean="0"/>
+              <a:rPr lang="en-US"/>
               <a:t>Second level</a:t>
             </a:r>
           </a:p>
           <a:p>
             <a:pPr lvl="2"/>
             <a:r>
-              <a:rPr lang="en-US" smtClean="0"/>
+              <a:rPr lang="en-US"/>
               <a:t>Third level</a:t>
             </a:r>
           </a:p>
           <a:p>
             <a:pPr lvl="3"/>
             <a:r>
-              <a:rPr lang="en-US" smtClean="0"/>
+              <a:rPr lang="en-US"/>
               <a:t>Fourth level</a:t>
             </a:r>
           </a:p>
           <a:p>
             <a:pPr lvl="4"/>
             <a:r>
-              <a:rPr lang="en-US" smtClean="0"/>
+              <a:rPr lang="en-US"/>
               <a:t>Fifth level</a:t>
             </a:r>
-            <a:endParaRPr lang="en-US"/>
           </a:p>
         </p:txBody>
       </p:sp>
@@ -8332,38 +7873,37 @@
           <a:p>
             <a:pPr lvl="0"/>
             <a:r>
-              <a:rPr lang="en-US" smtClean="0"/>
+              <a:rPr lang="en-US"/>
               <a:t>Click to edit Master text styles</a:t>
             </a:r>
           </a:p>
           <a:p>
             <a:pPr lvl="1"/>
             <a:r>
-              <a:rPr lang="en-US" smtClean="0"/>
+              <a:rPr lang="en-US"/>
               <a:t>Second level</a:t>
             </a:r>
           </a:p>
           <a:p>
             <a:pPr lvl="2"/>
             <a:r>
-              <a:rPr lang="en-US" smtClean="0"/>
+              <a:rPr lang="en-US"/>
               <a:t>Third level</a:t>
             </a:r>
           </a:p>
           <a:p>
             <a:pPr lvl="3"/>
             <a:r>
-              <a:rPr lang="en-US" smtClean="0"/>
+              <a:rPr lang="en-US"/>
               <a:t>Fourth level</a:t>
             </a:r>
           </a:p>
           <a:p>
             <a:pPr lvl="4"/>
             <a:r>
-              <a:rPr lang="en-US" smtClean="0"/>
+              <a:rPr lang="en-US"/>
               <a:t>Fifth level</a:t>
             </a:r>
-            <a:endParaRPr lang="en-US"/>
           </a:p>
         </p:txBody>
       </p:sp>
@@ -8389,38 +7929,37 @@
           <a:p>
             <a:pPr lvl="0"/>
             <a:r>
-              <a:rPr lang="en-US" smtClean="0"/>
+              <a:rPr lang="en-US"/>
               <a:t>Click to edit Master text styles</a:t>
             </a:r>
           </a:p>
           <a:p>
             <a:pPr lvl="1"/>
             <a:r>
-              <a:rPr lang="en-US" smtClean="0"/>
+              <a:rPr lang="en-US"/>
               <a:t>Second level</a:t>
             </a:r>
           </a:p>
           <a:p>
             <a:pPr lvl="2"/>
             <a:r>
-              <a:rPr lang="en-US" smtClean="0"/>
+              <a:rPr lang="en-US"/>
               <a:t>Third level</a:t>
             </a:r>
           </a:p>
           <a:p>
             <a:pPr lvl="3"/>
             <a:r>
-              <a:rPr lang="en-US" smtClean="0"/>
+              <a:rPr lang="en-US"/>
               <a:t>Fourth level</a:t>
             </a:r>
           </a:p>
           <a:p>
             <a:pPr lvl="4"/>
             <a:r>
-              <a:rPr lang="en-US" smtClean="0"/>
+              <a:rPr lang="en-US"/>
               <a:t>Fifth level</a:t>
             </a:r>
-            <a:endParaRPr lang="en-US"/>
           </a:p>
         </p:txBody>
       </p:sp>
@@ -8559,10 +8098,9 @@
           <a:lstStyle/>
           <a:p>
             <a:r>
-              <a:rPr lang="en-US" smtClean="0"/>
+              <a:rPr lang="en-US"/>
               <a:t>Click to edit Master title style</a:t>
             </a:r>
-            <a:endParaRPr lang="en-US"/>
           </a:p>
         </p:txBody>
       </p:sp>
@@ -8588,38 +8126,37 @@
           <a:p>
             <a:pPr lvl="0"/>
             <a:r>
-              <a:rPr lang="en-US" smtClean="0"/>
+              <a:rPr lang="en-US"/>
               <a:t>Click to edit Master text styles</a:t>
             </a:r>
           </a:p>
           <a:p>
             <a:pPr lvl="1"/>
             <a:r>
-              <a:rPr lang="en-US" smtClean="0"/>
+              <a:rPr lang="en-US"/>
               <a:t>Second level</a:t>
             </a:r>
           </a:p>
           <a:p>
             <a:pPr lvl="2"/>
             <a:r>
-              <a:rPr lang="en-US" smtClean="0"/>
+              <a:rPr lang="en-US"/>
               <a:t>Third level</a:t>
             </a:r>
           </a:p>
           <a:p>
             <a:pPr lvl="3"/>
             <a:r>
-              <a:rPr lang="en-US" smtClean="0"/>
+              <a:rPr lang="en-US"/>
               <a:t>Fourth level</a:t>
             </a:r>
           </a:p>
           <a:p>
             <a:pPr lvl="4"/>
             <a:r>
-              <a:rPr lang="en-US" smtClean="0"/>
+              <a:rPr lang="en-US"/>
               <a:t>Fifth level</a:t>
             </a:r>
-            <a:endParaRPr lang="en-US"/>
           </a:p>
         </p:txBody>
       </p:sp>
@@ -8645,38 +8182,37 @@
           <a:p>
             <a:pPr lvl="0"/>
             <a:r>
-              <a:rPr lang="en-US" smtClean="0"/>
+              <a:rPr lang="en-US"/>
               <a:t>Click to edit Master text styles</a:t>
             </a:r>
           </a:p>
           <a:p>
             <a:pPr lvl="1"/>
             <a:r>
-              <a:rPr lang="en-US" smtClean="0"/>
+              <a:rPr lang="en-US"/>
               <a:t>Second level</a:t>
             </a:r>
           </a:p>
           <a:p>
             <a:pPr lvl="2"/>
             <a:r>
-              <a:rPr lang="en-US" smtClean="0"/>
+              <a:rPr lang="en-US"/>
               <a:t>Third level</a:t>
             </a:r>
           </a:p>
           <a:p>
             <a:pPr lvl="3"/>
             <a:r>
-              <a:rPr lang="en-US" smtClean="0"/>
+              <a:rPr lang="en-US"/>
               <a:t>Fourth level</a:t>
             </a:r>
           </a:p>
           <a:p>
             <a:pPr lvl="4"/>
             <a:r>
-              <a:rPr lang="en-US" smtClean="0"/>
+              <a:rPr lang="en-US"/>
               <a:t>Fifth level</a:t>
             </a:r>
-            <a:endParaRPr lang="en-US"/>
           </a:p>
         </p:txBody>
       </p:sp>
@@ -8810,10 +8346,9 @@
           <a:lstStyle/>
           <a:p>
             <a:r>
-              <a:rPr lang="en-US" smtClean="0"/>
+              <a:rPr lang="en-US"/>
               <a:t>Click to edit Master title style</a:t>
             </a:r>
-            <a:endParaRPr lang="en-US"/>
           </a:p>
         </p:txBody>
       </p:sp>
@@ -8834,38 +8369,37 @@
           <a:p>
             <a:pPr lvl="0"/>
             <a:r>
-              <a:rPr lang="en-US" smtClean="0"/>
+              <a:rPr lang="en-US"/>
               <a:t>Click to edit Master text styles</a:t>
             </a:r>
           </a:p>
           <a:p>
             <a:pPr lvl="1"/>
             <a:r>
-              <a:rPr lang="en-US" smtClean="0"/>
+              <a:rPr lang="en-US"/>
               <a:t>Second level</a:t>
             </a:r>
           </a:p>
           <a:p>
             <a:pPr lvl="2"/>
             <a:r>
-              <a:rPr lang="en-US" smtClean="0"/>
+              <a:rPr lang="en-US"/>
               <a:t>Third level</a:t>
             </a:r>
           </a:p>
           <a:p>
             <a:pPr lvl="3"/>
             <a:r>
-              <a:rPr lang="en-US" smtClean="0"/>
+              <a:rPr lang="en-US"/>
               <a:t>Fourth level</a:t>
             </a:r>
           </a:p>
           <a:p>
             <a:pPr lvl="4"/>
             <a:r>
-              <a:rPr lang="en-US" smtClean="0"/>
+              <a:rPr lang="en-US"/>
               <a:t>Fifth level</a:t>
             </a:r>
-            <a:endParaRPr lang="en-US"/>
           </a:p>
         </p:txBody>
       </p:sp>
@@ -8993,10 +8527,9 @@
           </a:lstStyle>
           <a:p>
             <a:r>
-              <a:rPr lang="en-US" smtClean="0"/>
+              <a:rPr lang="en-US"/>
               <a:t>Click to edit Master title style</a:t>
             </a:r>
-            <a:endParaRPr lang="en-US"/>
           </a:p>
         </p:txBody>
       </p:sp>
@@ -9059,7 +8592,7 @@
           <a:p>
             <a:pPr lvl="0"/>
             <a:r>
-              <a:rPr lang="en-US" smtClean="0"/>
+              <a:rPr lang="en-US"/>
               <a:t>Click to edit Master text styles</a:t>
             </a:r>
           </a:p>
@@ -9180,10 +8713,9 @@
           <a:lstStyle/>
           <a:p>
             <a:r>
-              <a:rPr lang="en-US" smtClean="0"/>
+              <a:rPr lang="en-US"/>
               <a:t>Click to edit Master title style</a:t>
             </a:r>
-            <a:endParaRPr lang="en-US"/>
           </a:p>
         </p:txBody>
       </p:sp>
@@ -9237,38 +8769,37 @@
           <a:p>
             <a:pPr lvl="0"/>
             <a:r>
-              <a:rPr lang="en-US" smtClean="0"/>
+              <a:rPr lang="en-US"/>
               <a:t>Click to edit Master text styles</a:t>
             </a:r>
           </a:p>
           <a:p>
             <a:pPr lvl="1"/>
             <a:r>
-              <a:rPr lang="en-US" smtClean="0"/>
+              <a:rPr lang="en-US"/>
               <a:t>Second level</a:t>
             </a:r>
           </a:p>
           <a:p>
             <a:pPr lvl="2"/>
             <a:r>
-              <a:rPr lang="en-US" smtClean="0"/>
+              <a:rPr lang="en-US"/>
               <a:t>Third level</a:t>
             </a:r>
           </a:p>
           <a:p>
             <a:pPr lvl="3"/>
             <a:r>
-              <a:rPr lang="en-US" smtClean="0"/>
+              <a:rPr lang="en-US"/>
               <a:t>Fourth level</a:t>
             </a:r>
           </a:p>
           <a:p>
             <a:pPr lvl="4"/>
             <a:r>
-              <a:rPr lang="en-US" smtClean="0"/>
+              <a:rPr lang="en-US"/>
               <a:t>Fifth level</a:t>
             </a:r>
-            <a:endParaRPr lang="en-US"/>
           </a:p>
         </p:txBody>
       </p:sp>
@@ -9322,38 +8853,37 @@
           <a:p>
             <a:pPr lvl="0"/>
             <a:r>
-              <a:rPr lang="en-US" smtClean="0"/>
+              <a:rPr lang="en-US"/>
               <a:t>Click to edit Master text styles</a:t>
             </a:r>
           </a:p>
           <a:p>
             <a:pPr lvl="1"/>
             <a:r>
-              <a:rPr lang="en-US" smtClean="0"/>
+              <a:rPr lang="en-US"/>
               <a:t>Second level</a:t>
             </a:r>
           </a:p>
           <a:p>
             <a:pPr lvl="2"/>
             <a:r>
-              <a:rPr lang="en-US" smtClean="0"/>
+              <a:rPr lang="en-US"/>
               <a:t>Third level</a:t>
             </a:r>
           </a:p>
           <a:p>
             <a:pPr lvl="3"/>
             <a:r>
-              <a:rPr lang="en-US" smtClean="0"/>
+              <a:rPr lang="en-US"/>
               <a:t>Fourth level</a:t>
             </a:r>
           </a:p>
           <a:p>
             <a:pPr lvl="4"/>
             <a:r>
-              <a:rPr lang="en-US" smtClean="0"/>
+              <a:rPr lang="en-US"/>
               <a:t>Fifth level</a:t>
             </a:r>
-            <a:endParaRPr lang="en-US"/>
           </a:p>
         </p:txBody>
       </p:sp>
@@ -9481,10 +9011,9 @@
           </a:lstStyle>
           <a:p>
             <a:r>
-              <a:rPr lang="en-US" smtClean="0"/>
+              <a:rPr lang="en-US"/>
               <a:t>Click to edit Master title style</a:t>
             </a:r>
-            <a:endParaRPr lang="en-US"/>
           </a:p>
         </p:txBody>
       </p:sp>
@@ -9547,7 +9076,7 @@
           <a:p>
             <a:pPr lvl="0"/>
             <a:r>
-              <a:rPr lang="en-US" smtClean="0"/>
+              <a:rPr lang="en-US"/>
               <a:t>Click to edit Master text styles</a:t>
             </a:r>
           </a:p>
@@ -9603,38 +9132,37 @@
           <a:p>
             <a:pPr lvl="0"/>
             <a:r>
-              <a:rPr lang="en-US" smtClean="0"/>
+              <a:rPr lang="en-US"/>
               <a:t>Click to edit Master text styles</a:t>
             </a:r>
           </a:p>
           <a:p>
             <a:pPr lvl="1"/>
             <a:r>
-              <a:rPr lang="en-US" smtClean="0"/>
+              <a:rPr lang="en-US"/>
               <a:t>Second level</a:t>
             </a:r>
           </a:p>
           <a:p>
             <a:pPr lvl="2"/>
             <a:r>
-              <a:rPr lang="en-US" smtClean="0"/>
+              <a:rPr lang="en-US"/>
               <a:t>Third level</a:t>
             </a:r>
           </a:p>
           <a:p>
             <a:pPr lvl="3"/>
             <a:r>
-              <a:rPr lang="en-US" smtClean="0"/>
+              <a:rPr lang="en-US"/>
               <a:t>Fourth level</a:t>
             </a:r>
           </a:p>
           <a:p>
             <a:pPr lvl="4"/>
             <a:r>
-              <a:rPr lang="en-US" smtClean="0"/>
+              <a:rPr lang="en-US"/>
               <a:t>Fifth level</a:t>
             </a:r>
-            <a:endParaRPr lang="en-US"/>
           </a:p>
         </p:txBody>
       </p:sp>
@@ -9697,7 +9225,7 @@
           <a:p>
             <a:pPr lvl="0"/>
             <a:r>
-              <a:rPr lang="en-US" smtClean="0"/>
+              <a:rPr lang="en-US"/>
               <a:t>Click to edit Master text styles</a:t>
             </a:r>
           </a:p>
@@ -9753,38 +9281,37 @@
           <a:p>
             <a:pPr lvl="0"/>
             <a:r>
-              <a:rPr lang="en-US" smtClean="0"/>
+              <a:rPr lang="en-US"/>
               <a:t>Click to edit Master text styles</a:t>
             </a:r>
           </a:p>
           <a:p>
             <a:pPr lvl="1"/>
             <a:r>
-              <a:rPr lang="en-US" smtClean="0"/>
+              <a:rPr lang="en-US"/>
               <a:t>Second level</a:t>
             </a:r>
           </a:p>
           <a:p>
             <a:pPr lvl="2"/>
             <a:r>
-              <a:rPr lang="en-US" smtClean="0"/>
+              <a:rPr lang="en-US"/>
               <a:t>Third level</a:t>
             </a:r>
           </a:p>
           <a:p>
             <a:pPr lvl="3"/>
             <a:r>
-              <a:rPr lang="en-US" smtClean="0"/>
+              <a:rPr lang="en-US"/>
               <a:t>Fourth level</a:t>
             </a:r>
           </a:p>
           <a:p>
             <a:pPr lvl="4"/>
             <a:r>
-              <a:rPr lang="en-US" smtClean="0"/>
+              <a:rPr lang="en-US"/>
               <a:t>Fifth level</a:t>
             </a:r>
-            <a:endParaRPr lang="en-US"/>
           </a:p>
         </p:txBody>
       </p:sp>
@@ -9903,10 +9430,9 @@
           <a:lstStyle/>
           <a:p>
             <a:r>
-              <a:rPr lang="en-US" smtClean="0"/>
+              <a:rPr lang="en-US"/>
               <a:t>Click to edit Master title style</a:t>
             </a:r>
-            <a:endParaRPr lang="en-US"/>
           </a:p>
         </p:txBody>
       </p:sp>
@@ -10133,10 +9659,9 @@
           </a:lstStyle>
           <a:p>
             <a:r>
-              <a:rPr lang="en-US" smtClean="0"/>
+              <a:rPr lang="en-US"/>
               <a:t>Click to edit Master title style</a:t>
             </a:r>
-            <a:endParaRPr lang="en-US"/>
           </a:p>
         </p:txBody>
       </p:sp>
@@ -10190,38 +9715,37 @@
           <a:p>
             <a:pPr lvl="0"/>
             <a:r>
-              <a:rPr lang="en-US" smtClean="0"/>
+              <a:rPr lang="en-US"/>
               <a:t>Click to edit Master text styles</a:t>
             </a:r>
           </a:p>
           <a:p>
             <a:pPr lvl="1"/>
             <a:r>
-              <a:rPr lang="en-US" smtClean="0"/>
+              <a:rPr lang="en-US"/>
               <a:t>Second level</a:t>
             </a:r>
           </a:p>
           <a:p>
             <a:pPr lvl="2"/>
             <a:r>
-              <a:rPr lang="en-US" smtClean="0"/>
+              <a:rPr lang="en-US"/>
               <a:t>Third level</a:t>
             </a:r>
           </a:p>
           <a:p>
             <a:pPr lvl="3"/>
             <a:r>
-              <a:rPr lang="en-US" smtClean="0"/>
+              <a:rPr lang="en-US"/>
               <a:t>Fourth level</a:t>
             </a:r>
           </a:p>
           <a:p>
             <a:pPr lvl="4"/>
             <a:r>
-              <a:rPr lang="en-US" smtClean="0"/>
+              <a:rPr lang="en-US"/>
               <a:t>Fifth level</a:t>
             </a:r>
-            <a:endParaRPr lang="en-US"/>
           </a:p>
         </p:txBody>
       </p:sp>
@@ -10284,7 +9808,7 @@
           <a:p>
             <a:pPr lvl="0"/>
             <a:r>
-              <a:rPr lang="en-US" smtClean="0"/>
+              <a:rPr lang="en-US"/>
               <a:t>Click to edit Master text styles</a:t>
             </a:r>
           </a:p>
@@ -10414,10 +9938,9 @@
           </a:lstStyle>
           <a:p>
             <a:r>
-              <a:rPr lang="en-US" smtClean="0"/>
+              <a:rPr lang="en-US"/>
               <a:t>Click to edit Master title style</a:t>
             </a:r>
-            <a:endParaRPr lang="en-US"/>
           </a:p>
         </p:txBody>
       </p:sp>
@@ -10541,7 +10064,7 @@
           <a:p>
             <a:pPr lvl="0"/>
             <a:r>
-              <a:rPr lang="en-US" smtClean="0"/>
+              <a:rPr lang="en-US"/>
               <a:t>Click to edit Master text styles</a:t>
             </a:r>
           </a:p>
@@ -16168,7 +15691,7 @@
           <a:p>
             <a:pPr lvl="0"/>
             <a:r>
-              <a:rPr lang="en-US" smtClean="0"/>
+              <a:rPr lang="en-US"/>
               <a:t>Click to edit Master title style</a:t>
             </a:r>
           </a:p>
@@ -16363,35 +15886,35 @@
           <a:p>
             <a:pPr lvl="0"/>
             <a:r>
-              <a:rPr lang="en-US" smtClean="0"/>
+              <a:rPr lang="en-US"/>
               <a:t>Click to edit Master text styles</a:t>
             </a:r>
           </a:p>
           <a:p>
             <a:pPr lvl="1"/>
             <a:r>
-              <a:rPr lang="en-US" smtClean="0"/>
+              <a:rPr lang="en-US"/>
               <a:t>Second level</a:t>
             </a:r>
           </a:p>
           <a:p>
             <a:pPr lvl="2"/>
             <a:r>
-              <a:rPr lang="en-US" smtClean="0"/>
+              <a:rPr lang="en-US"/>
               <a:t>Third level</a:t>
             </a:r>
           </a:p>
           <a:p>
             <a:pPr lvl="3"/>
             <a:r>
-              <a:rPr lang="en-US" smtClean="0"/>
+              <a:rPr lang="en-US"/>
               <a:t>Fourth level</a:t>
             </a:r>
           </a:p>
           <a:p>
             <a:pPr lvl="4"/>
             <a:r>
-              <a:rPr lang="en-US" smtClean="0"/>
+              <a:rPr lang="en-US"/>
               <a:t>Fifth level</a:t>
             </a:r>
           </a:p>
@@ -16415,13 +15938,6 @@
     <p:sldLayoutId id="2147483697" r:id="rId12"/>
     <p:sldLayoutId id="2147483698" r:id="rId13"/>
   </p:sldLayoutIdLst>
-  <p:timing>
-    <p:tnLst>
-      <p:par>
-        <p:cTn id="1" dur="indefinite" restart="never" nodeType="tmRoot"/>
-      </p:par>
-    </p:tnLst>
-  </p:timing>
   <p:txStyles>
     <p:titleStyle>
       <a:lvl1pPr algn="ctr" rtl="0" fontAlgn="base">
@@ -16961,13 +16477,8 @@
           <a:p>
             <a:r>
               <a:rPr lang="en-US" dirty="0"/>
-              <a:t>CSSE 304 </a:t>
-            </a:r>
-            <a:r>
-              <a:rPr lang="en-US" dirty="0" smtClean="0"/>
-              <a:t>Day 4</a:t>
-            </a:r>
-            <a:endParaRPr lang="en-US" dirty="0"/>
+              <a:t>CSSE 304 Day 4</a:t>
+            </a:r>
           </a:p>
         </p:txBody>
       </p:sp>
@@ -16983,8 +16494,8 @@
         </p:nvSpPr>
         <p:spPr>
           <a:xfrm>
-            <a:off x="685800" y="3886200"/>
-            <a:ext cx="7848600" cy="1752600"/>
+            <a:off x="152400" y="3886200"/>
+            <a:ext cx="8991600" cy="1752600"/>
           </a:xfrm>
         </p:spPr>
         <p:txBody>
@@ -16992,26 +16503,18 @@
           <a:lstStyle/>
           <a:p>
             <a:r>
-              <a:rPr lang="en-US" dirty="0" smtClean="0"/>
-              <a:t>cons, list, append, box-and-pointer</a:t>
-            </a:r>
-          </a:p>
-          <a:p>
-            <a:r>
-              <a:rPr lang="en-US" dirty="0" smtClean="0"/>
-              <a:t>More recursion practice</a:t>
-            </a:r>
-          </a:p>
-          <a:p>
-            <a:r>
-              <a:rPr lang="en-US" dirty="0" smtClean="0"/>
-              <a:t>map and apply</a:t>
-            </a:r>
-          </a:p>
-          <a:p>
-            <a:r>
-              <a:rPr lang="en-US" dirty="0" smtClean="0"/>
-              <a:t>lambda and let</a:t>
+              <a:rPr lang="en-US" dirty="0"/>
+              <a:t>map filter append</a:t>
+            </a:r>
+          </a:p>
+          <a:p>
+            <a:r>
+              <a:rPr lang="en-US" dirty="0"/>
+              <a:t>Functions with variable numbers of </a:t>
+            </a:r>
+            <a:r>
+              <a:rPr lang="en-US" dirty="0" err="1"/>
+              <a:t>args</a:t>
             </a:r>
             <a:endParaRPr lang="en-US" dirty="0"/>
           </a:p>
@@ -17022,568 +16525,10 @@
   <p:clrMapOvr>
     <a:masterClrMapping/>
   </p:clrMapOvr>
-  <p:timing>
-    <p:tnLst>
-      <p:par>
-        <p:cTn id="1" dur="indefinite" restart="never" nodeType="tmRoot"/>
-      </p:par>
-    </p:tnLst>
-  </p:timing>
 </p:sld>
 </file>
 
 <file path=ppt/slides/slide10.xml><?xml version="1.0" encoding="utf-8"?>
-<p:sld xmlns:a="http://schemas.openxmlformats.org/drawingml/2006/main" xmlns:r="http://schemas.openxmlformats.org/officeDocument/2006/relationships" xmlns:p="http://schemas.openxmlformats.org/presentationml/2006/main">
-  <p:cSld>
-    <p:spTree>
-      <p:nvGrpSpPr>
-        <p:cNvPr id="1" name=""/>
-        <p:cNvGrpSpPr/>
-        <p:nvPr/>
-      </p:nvGrpSpPr>
-      <p:grpSpPr>
-        <a:xfrm>
-          <a:off x="0" y="0"/>
-          <a:ext cx="0" cy="0"/>
-          <a:chOff x="0" y="0"/>
-          <a:chExt cx="0" cy="0"/>
-        </a:xfrm>
-      </p:grpSpPr>
-      <p:sp>
-        <p:nvSpPr>
-          <p:cNvPr id="297986" name="Rectangle 2"/>
-          <p:cNvSpPr>
-            <a:spLocks noGrp="1" noChangeArrowheads="1"/>
-          </p:cNvSpPr>
-          <p:nvPr>
-            <p:ph type="title"/>
-          </p:nvPr>
-        </p:nvSpPr>
-        <p:spPr/>
-        <p:txBody>
-          <a:bodyPr/>
-          <a:lstStyle/>
-          <a:p>
-            <a:r>
-              <a:rPr lang="en-US" b="1" dirty="0"/>
-              <a:t>lambda</a:t>
-            </a:r>
-            <a:r>
-              <a:rPr lang="en-US" dirty="0"/>
-              <a:t> the </a:t>
-            </a:r>
-            <a:r>
-              <a:rPr lang="en-US" dirty="0" smtClean="0"/>
-              <a:t>magnificent</a:t>
-            </a:r>
-            <a:br>
-              <a:rPr lang="en-US" dirty="0" smtClean="0"/>
-            </a:br>
-            <a:r>
-              <a:rPr lang="en-US" dirty="0" smtClean="0"/>
-              <a:t>review and summary</a:t>
-            </a:r>
-            <a:endParaRPr lang="en-US" dirty="0"/>
-          </a:p>
-        </p:txBody>
-      </p:sp>
-      <p:sp>
-        <p:nvSpPr>
-          <p:cNvPr id="297987" name="Rectangle 3"/>
-          <p:cNvSpPr>
-            <a:spLocks noGrp="1" noChangeArrowheads="1"/>
-          </p:cNvSpPr>
-          <p:nvPr>
-            <p:ph type="body" sz="half" idx="1"/>
-          </p:nvPr>
-        </p:nvSpPr>
-        <p:spPr>
-          <a:xfrm>
-            <a:off x="457200" y="1600200"/>
-            <a:ext cx="8534400" cy="2438400"/>
-          </a:xfrm>
-        </p:spPr>
-        <p:txBody>
-          <a:bodyPr/>
-          <a:lstStyle/>
-          <a:p>
-            <a:pPr>
-              <a:lnSpc>
-                <a:spcPct val="80000"/>
-              </a:lnSpc>
-            </a:pPr>
-            <a:r>
-              <a:rPr lang="en-US" sz="2400" b="1"/>
-              <a:t>Lambda</a:t>
-            </a:r>
-            <a:r>
-              <a:rPr lang="en-US" sz="2400"/>
-              <a:t> is the “function-maker”.  </a:t>
-            </a:r>
-            <a:r>
-              <a:rPr lang="en-US" sz="2400" b="1"/>
-              <a:t>define</a:t>
-            </a:r>
-            <a:r>
-              <a:rPr lang="en-US" sz="2400"/>
-              <a:t> is the “variable-assigner”.  There is no special connection between the two:</a:t>
-            </a:r>
-            <a:br>
-              <a:rPr lang="en-US" sz="2400"/>
-            </a:br>
-            <a:endParaRPr lang="en-US" sz="2400"/>
-          </a:p>
-          <a:p>
-            <a:pPr>
-              <a:lnSpc>
-                <a:spcPct val="80000"/>
-              </a:lnSpc>
-            </a:pPr>
-            <a:endParaRPr lang="en-US" sz="2400"/>
-          </a:p>
-          <a:p>
-            <a:pPr lvl="1">
-              <a:lnSpc>
-                <a:spcPct val="80000"/>
-              </a:lnSpc>
-            </a:pPr>
-            <a:r>
-              <a:rPr lang="en-US" sz="2400"/>
-              <a:t>We can store procedures in a data structure without naming them:</a:t>
-            </a:r>
-          </a:p>
-        </p:txBody>
-      </p:sp>
-      <p:pic>
-        <p:nvPicPr>
-          <p:cNvPr id="297989" name="Picture 5"/>
-          <p:cNvPicPr>
-            <a:picLocks noGrp="1" noChangeAspect="1" noChangeArrowheads="1"/>
-          </p:cNvPicPr>
-          <p:nvPr>
-            <p:ph sz="quarter" idx="2"/>
-          </p:nvPr>
-        </p:nvPicPr>
-        <p:blipFill>
-          <a:blip r:embed="rId3" cstate="print"/>
-          <a:srcRect/>
-          <a:stretch>
-            <a:fillRect/>
-          </a:stretch>
-        </p:blipFill>
-        <p:spPr>
-          <a:xfrm>
-            <a:off x="1066800" y="2590800"/>
-            <a:ext cx="6096000" cy="647700"/>
-          </a:xfrm>
-          <a:noFill/>
-          <a:ln/>
-        </p:spPr>
-      </p:pic>
-      <p:pic>
-        <p:nvPicPr>
-          <p:cNvPr id="297991" name="Picture 7"/>
-          <p:cNvPicPr>
-            <a:picLocks noGrp="1" noChangeAspect="1" noChangeArrowheads="1"/>
-          </p:cNvPicPr>
-          <p:nvPr>
-            <p:ph sz="quarter" idx="3"/>
-          </p:nvPr>
-        </p:nvPicPr>
-        <p:blipFill>
-          <a:blip r:embed="rId4" cstate="print"/>
-          <a:srcRect/>
-          <a:stretch>
-            <a:fillRect/>
-          </a:stretch>
-        </p:blipFill>
-        <p:spPr>
-          <a:xfrm>
-            <a:off x="838200" y="4038600"/>
-            <a:ext cx="7467600" cy="2603500"/>
-          </a:xfrm>
-          <a:noFill/>
-          <a:ln/>
-        </p:spPr>
-      </p:pic>
-    </p:spTree>
-  </p:cSld>
-  <p:clrMapOvr>
-    <a:masterClrMapping/>
-  </p:clrMapOvr>
-  <p:timing>
-    <p:tnLst>
-      <p:par>
-        <p:cTn id="1" dur="indefinite" restart="never" nodeType="tmRoot"/>
-      </p:par>
-    </p:tnLst>
-  </p:timing>
-</p:sld>
-</file>
-
-<file path=ppt/slides/slide11.xml><?xml version="1.0" encoding="utf-8"?>
-<p:sld xmlns:a="http://schemas.openxmlformats.org/drawingml/2006/main" xmlns:r="http://schemas.openxmlformats.org/officeDocument/2006/relationships" xmlns:p="http://schemas.openxmlformats.org/presentationml/2006/main">
-  <p:cSld>
-    <p:spTree>
-      <p:nvGrpSpPr>
-        <p:cNvPr id="1" name=""/>
-        <p:cNvGrpSpPr/>
-        <p:nvPr/>
-      </p:nvGrpSpPr>
-      <p:grpSpPr>
-        <a:xfrm>
-          <a:off x="0" y="0"/>
-          <a:ext cx="0" cy="0"/>
-          <a:chOff x="0" y="0"/>
-          <a:chExt cx="0" cy="0"/>
-        </a:xfrm>
-      </p:grpSpPr>
-      <p:sp>
-        <p:nvSpPr>
-          <p:cNvPr id="310274" name="Rectangle 2"/>
-          <p:cNvSpPr>
-            <a:spLocks noGrp="1" noChangeArrowheads="1"/>
-          </p:cNvSpPr>
-          <p:nvPr>
-            <p:ph type="title"/>
-          </p:nvPr>
-        </p:nvSpPr>
-        <p:spPr/>
-        <p:txBody>
-          <a:bodyPr/>
-          <a:lstStyle/>
-          <a:p>
-            <a:r>
-              <a:rPr lang="en-US" b="1"/>
-              <a:t>lambda</a:t>
-            </a:r>
-            <a:r>
-              <a:rPr lang="en-US"/>
-              <a:t> the magnificent</a:t>
-            </a:r>
-          </a:p>
-        </p:txBody>
-      </p:sp>
-      <p:sp>
-        <p:nvSpPr>
-          <p:cNvPr id="310275" name="Rectangle 3"/>
-          <p:cNvSpPr>
-            <a:spLocks noGrp="1" noChangeArrowheads="1"/>
-          </p:cNvSpPr>
-          <p:nvPr>
-            <p:ph type="body" sz="half" idx="1"/>
-          </p:nvPr>
-        </p:nvSpPr>
-        <p:spPr>
-          <a:xfrm>
-            <a:off x="228600" y="1828800"/>
-            <a:ext cx="8382000" cy="2057400"/>
-          </a:xfrm>
-        </p:spPr>
-        <p:txBody>
-          <a:bodyPr/>
-          <a:lstStyle/>
-          <a:p>
-            <a:r>
-              <a:rPr lang="en-US" dirty="0"/>
-              <a:t>We can pass a procedure as an argument to another procedure:</a:t>
-            </a:r>
-          </a:p>
-        </p:txBody>
-      </p:sp>
-      <p:pic>
-        <p:nvPicPr>
-          <p:cNvPr id="310280" name="Picture 8"/>
-          <p:cNvPicPr>
-            <a:picLocks noGrp="1" noChangeAspect="1" noChangeArrowheads="1"/>
-          </p:cNvPicPr>
-          <p:nvPr>
-            <p:ph sz="half" idx="2"/>
-          </p:nvPr>
-        </p:nvPicPr>
-        <p:blipFill>
-          <a:blip r:embed="rId3" cstate="print"/>
-          <a:srcRect/>
-          <a:stretch>
-            <a:fillRect/>
-          </a:stretch>
-        </p:blipFill>
-        <p:spPr>
-          <a:xfrm>
-            <a:off x="457200" y="3657600"/>
-            <a:ext cx="7543800" cy="849313"/>
-          </a:xfrm>
-          <a:noFill/>
-          <a:ln/>
-        </p:spPr>
-      </p:pic>
-    </p:spTree>
-  </p:cSld>
-  <p:clrMapOvr>
-    <a:masterClrMapping/>
-  </p:clrMapOvr>
-  <p:timing>
-    <p:tnLst>
-      <p:par>
-        <p:cTn id="1" dur="indefinite" restart="never" nodeType="tmRoot"/>
-      </p:par>
-    </p:tnLst>
-  </p:timing>
-</p:sld>
-</file>
-
-<file path=ppt/slides/slide12.xml><?xml version="1.0" encoding="utf-8"?>
-<p:sld xmlns:a="http://schemas.openxmlformats.org/drawingml/2006/main" xmlns:r="http://schemas.openxmlformats.org/officeDocument/2006/relationships" xmlns:p="http://schemas.openxmlformats.org/presentationml/2006/main">
-  <p:cSld>
-    <p:spTree>
-      <p:nvGrpSpPr>
-        <p:cNvPr id="1" name=""/>
-        <p:cNvGrpSpPr/>
-        <p:nvPr/>
-      </p:nvGrpSpPr>
-      <p:grpSpPr>
-        <a:xfrm>
-          <a:off x="0" y="0"/>
-          <a:ext cx="0" cy="0"/>
-          <a:chOff x="0" y="0"/>
-          <a:chExt cx="0" cy="0"/>
-        </a:xfrm>
-      </p:grpSpPr>
-      <p:sp>
-        <p:nvSpPr>
-          <p:cNvPr id="311298" name="Rectangle 2"/>
-          <p:cNvSpPr>
-            <a:spLocks noGrp="1" noChangeArrowheads="1"/>
-          </p:cNvSpPr>
-          <p:nvPr>
-            <p:ph type="title"/>
-          </p:nvPr>
-        </p:nvSpPr>
-        <p:spPr/>
-        <p:txBody>
-          <a:bodyPr/>
-          <a:lstStyle/>
-          <a:p>
-            <a:r>
-              <a:rPr lang="en-US" b="1"/>
-              <a:t>lambda</a:t>
-            </a:r>
-            <a:r>
-              <a:rPr lang="en-US"/>
-              <a:t> the magnificent</a:t>
-            </a:r>
-          </a:p>
-        </p:txBody>
-      </p:sp>
-      <p:sp>
-        <p:nvSpPr>
-          <p:cNvPr id="311299" name="Rectangle 3"/>
-          <p:cNvSpPr>
-            <a:spLocks noGrp="1" noChangeArrowheads="1"/>
-          </p:cNvSpPr>
-          <p:nvPr>
-            <p:ph type="body" sz="half" idx="1"/>
-          </p:nvPr>
-        </p:nvSpPr>
-        <p:spPr>
-          <a:xfrm>
-            <a:off x="457200" y="1219200"/>
-            <a:ext cx="7924800" cy="1447800"/>
-          </a:xfrm>
-        </p:spPr>
-        <p:txBody>
-          <a:bodyPr/>
-          <a:lstStyle/>
-          <a:p>
-            <a:r>
-              <a:rPr lang="en-US" dirty="0"/>
-              <a:t>We </a:t>
-            </a:r>
-            <a:r>
-              <a:rPr lang="en-US" dirty="0" smtClean="0"/>
-              <a:t>can create </a:t>
-            </a:r>
-            <a:r>
-              <a:rPr lang="en-US" dirty="0"/>
-              <a:t>a new procedure and return it. </a:t>
-            </a:r>
-          </a:p>
-        </p:txBody>
-      </p:sp>
-      <p:pic>
-        <p:nvPicPr>
-          <p:cNvPr id="311302" name="Picture 6"/>
-          <p:cNvPicPr>
-            <a:picLocks noGrp="1" noChangeAspect="1" noChangeArrowheads="1"/>
-          </p:cNvPicPr>
-          <p:nvPr>
-            <p:ph sz="half" idx="2"/>
-          </p:nvPr>
-        </p:nvPicPr>
-        <p:blipFill>
-          <a:blip r:embed="rId3" cstate="print"/>
-          <a:srcRect/>
-          <a:stretch>
-            <a:fillRect/>
-          </a:stretch>
-        </p:blipFill>
-        <p:spPr>
-          <a:xfrm>
-            <a:off x="685800" y="2362200"/>
-            <a:ext cx="8458200" cy="3051175"/>
-          </a:xfrm>
-          <a:noFill/>
-          <a:ln/>
-        </p:spPr>
-      </p:pic>
-      <p:sp>
-        <p:nvSpPr>
-          <p:cNvPr id="311304" name="Rectangle 8"/>
-          <p:cNvSpPr>
-            <a:spLocks noChangeArrowheads="1"/>
-          </p:cNvSpPr>
-          <p:nvPr/>
-        </p:nvSpPr>
-        <p:spPr bwMode="auto">
-          <a:xfrm>
-            <a:off x="533400" y="5410200"/>
-            <a:ext cx="7924800" cy="1447800"/>
-          </a:xfrm>
-          <a:prstGeom prst="rect">
-            <a:avLst/>
-          </a:prstGeom>
-          <a:noFill/>
-          <a:ln w="9525">
-            <a:noFill/>
-            <a:miter lim="800000"/>
-            <a:headEnd/>
-            <a:tailEnd/>
-          </a:ln>
-          <a:effectLst/>
-        </p:spPr>
-        <p:txBody>
-          <a:bodyPr/>
-          <a:lstStyle/>
-          <a:p>
-            <a:pPr marL="342900" indent="-342900" eaLnBrk="1" hangingPunct="1">
-              <a:spcBef>
-                <a:spcPct val="20000"/>
-              </a:spcBef>
-              <a:buClr>
-                <a:schemeClr val="hlink"/>
-              </a:buClr>
-              <a:buSzPct val="60000"/>
-              <a:buFont typeface="Wingdings" pitchFamily="2" charset="2"/>
-              <a:buChar char="n"/>
-            </a:pPr>
-            <a:r>
-              <a:rPr lang="en-US" sz="3200">
-                <a:effectLst>
-                  <a:outerShdw blurRad="38100" dist="38100" dir="2700000" algn="tl">
-                    <a:srgbClr val="000000"/>
-                  </a:outerShdw>
-                </a:effectLst>
-              </a:rPr>
-              <a:t>Scheme is not the only language with first-class procedures …  </a:t>
-            </a:r>
-          </a:p>
-        </p:txBody>
-      </p:sp>
-    </p:spTree>
-  </p:cSld>
-  <p:clrMapOvr>
-    <a:masterClrMapping/>
-  </p:clrMapOvr>
-  <p:timing>
-    <p:tnLst>
-      <p:par>
-        <p:cTn id="1" dur="indefinite" restart="never" nodeType="tmRoot">
-          <p:childTnLst>
-            <p:seq concurrent="1" nextAc="seek">
-              <p:cTn id="2" dur="indefinite" nodeType="mainSeq">
-                <p:childTnLst>
-                  <p:par>
-                    <p:cTn id="3" fill="hold">
-                      <p:stCondLst>
-                        <p:cond delay="indefinite"/>
-                      </p:stCondLst>
-                      <p:childTnLst>
-                        <p:par>
-                          <p:cTn id="4" fill="hold">
-                            <p:stCondLst>
-                              <p:cond delay="0"/>
-                            </p:stCondLst>
-                            <p:childTnLst>
-                              <p:par>
-                                <p:cTn id="5" presetID="9" presetClass="entr" presetSubtype="0" fill="hold" grpId="0" nodeType="clickEffect">
-                                  <p:stCondLst>
-                                    <p:cond delay="0"/>
-                                  </p:stCondLst>
-                                  <p:childTnLst>
-                                    <p:set>
-                                      <p:cBhvr>
-                                        <p:cTn id="6" dur="1" fill="hold">
-                                          <p:stCondLst>
-                                            <p:cond delay="0"/>
-                                          </p:stCondLst>
-                                        </p:cTn>
-                                        <p:tgtEl>
-                                          <p:spTgt spid="311304"/>
-                                        </p:tgtEl>
-                                        <p:attrNameLst>
-                                          <p:attrName>style.visibility</p:attrName>
-                                        </p:attrNameLst>
-                                      </p:cBhvr>
-                                      <p:to>
-                                        <p:strVal val="visible"/>
-                                      </p:to>
-                                    </p:set>
-                                    <p:animEffect transition="in" filter="dissolve">
-                                      <p:cBhvr>
-                                        <p:cTn id="7" dur="500"/>
-                                        <p:tgtEl>
-                                          <p:spTgt spid="311304"/>
-                                        </p:tgtEl>
-                                      </p:cBhvr>
-                                    </p:animEffect>
-                                  </p:childTnLst>
-                                </p:cTn>
-                              </p:par>
-                            </p:childTnLst>
-                          </p:cTn>
-                        </p:par>
-                      </p:childTnLst>
-                    </p:cTn>
-                  </p:par>
-                </p:childTnLst>
-              </p:cTn>
-              <p:prevCondLst>
-                <p:cond evt="onPrev" delay="0">
-                  <p:tgtEl>
-                    <p:sldTgt/>
-                  </p:tgtEl>
-                </p:cond>
-              </p:prevCondLst>
-              <p:nextCondLst>
-                <p:cond evt="onNext" delay="0">
-                  <p:tgtEl>
-                    <p:sldTgt/>
-                  </p:tgtEl>
-                </p:cond>
-              </p:nextCondLst>
-            </p:seq>
-          </p:childTnLst>
-        </p:cTn>
-      </p:par>
-    </p:tnLst>
-    <p:bldLst>
-      <p:bldP spid="311304" grpId="0"/>
-    </p:bldLst>
-  </p:timing>
-</p:sld>
-</file>
-
-<file path=ppt/slides/slide13.xml><?xml version="1.0" encoding="utf-8"?>
 <p:sld xmlns:a="http://schemas.openxmlformats.org/drawingml/2006/main" xmlns:r="http://schemas.openxmlformats.org/officeDocument/2006/relationships" xmlns:p="http://schemas.openxmlformats.org/presentationml/2006/main">
   <p:cSld>
     <p:spTree>
@@ -17655,13 +16600,8 @@
             </a:pPr>
             <a:r>
               <a:rPr lang="en-US" dirty="0"/>
-              <a:t>Can be passed as an argument to a </a:t>
-            </a:r>
-            <a:r>
-              <a:rPr lang="en-US" dirty="0" smtClean="0"/>
-              <a:t>procedure</a:t>
-            </a:r>
-            <a:endParaRPr lang="en-US" dirty="0"/>
+              <a:t>Can be passed as an argument to a procedure</a:t>
+            </a:r>
           </a:p>
           <a:p>
             <a:pPr>
@@ -17691,13 +16631,8 @@
             </a:r>
             <a:r>
               <a:rPr lang="en-US" dirty="0"/>
-              <a:t> are </a:t>
-            </a:r>
-            <a:r>
-              <a:rPr lang="en-US" dirty="0" smtClean="0"/>
-              <a:t>first-class</a:t>
-            </a:r>
-            <a:endParaRPr lang="en-US" dirty="0"/>
+              <a:t> are first-class</a:t>
+            </a:r>
           </a:p>
         </p:txBody>
       </p:sp>
@@ -17706,1981 +16641,10 @@
   <p:clrMapOvr>
     <a:masterClrMapping/>
   </p:clrMapOvr>
-  <p:timing>
-    <p:tnLst>
-      <p:par>
-        <p:cTn id="1" dur="indefinite" restart="never" nodeType="tmRoot"/>
-      </p:par>
-    </p:tnLst>
-  </p:timing>
-</p:sld>
-</file>
-
-<file path=ppt/slides/slide14.xml><?xml version="1.0" encoding="utf-8"?>
-<p:sld xmlns:a="http://schemas.openxmlformats.org/drawingml/2006/main" xmlns:r="http://schemas.openxmlformats.org/officeDocument/2006/relationships" xmlns:p="http://schemas.openxmlformats.org/presentationml/2006/main">
-  <p:cSld>
-    <p:spTree>
-      <p:nvGrpSpPr>
-        <p:cNvPr id="1" name=""/>
-        <p:cNvGrpSpPr/>
-        <p:nvPr/>
-      </p:nvGrpSpPr>
-      <p:grpSpPr>
-        <a:xfrm>
-          <a:off x="0" y="0"/>
-          <a:ext cx="0" cy="0"/>
-          <a:chOff x="0" y="0"/>
-          <a:chExt cx="0" cy="0"/>
-        </a:xfrm>
-      </p:grpSpPr>
-      <p:sp>
-        <p:nvSpPr>
-          <p:cNvPr id="106498" name="Rectangle 2"/>
-          <p:cNvSpPr>
-            <a:spLocks noGrp="1" noChangeArrowheads="1"/>
-          </p:cNvSpPr>
-          <p:nvPr>
-            <p:ph type="title"/>
-          </p:nvPr>
-        </p:nvSpPr>
-        <p:spPr/>
-        <p:txBody>
-          <a:bodyPr/>
-          <a:lstStyle/>
-          <a:p>
-            <a:r>
-              <a:rPr lang="en-US" dirty="0" smtClean="0"/>
-              <a:t>RECAP: "Usual</a:t>
-            </a:r>
-            <a:r>
-              <a:rPr lang="en-US" dirty="0"/>
-              <a:t>" factorial definition</a:t>
-            </a:r>
-          </a:p>
-        </p:txBody>
-      </p:sp>
-      <p:sp>
-        <p:nvSpPr>
-          <p:cNvPr id="106499" name="Rectangle 3"/>
-          <p:cNvSpPr>
-            <a:spLocks noGrp="1" noChangeArrowheads="1"/>
-          </p:cNvSpPr>
-          <p:nvPr>
-            <p:ph type="body" idx="1"/>
-          </p:nvPr>
-        </p:nvSpPr>
-        <p:spPr/>
-        <p:txBody>
-          <a:bodyPr/>
-          <a:lstStyle/>
-          <a:p>
-            <a:pPr>
-              <a:lnSpc>
-                <a:spcPct val="80000"/>
-              </a:lnSpc>
-              <a:buFontTx/>
-              <a:buNone/>
-            </a:pPr>
-            <a:r>
-              <a:rPr lang="en-US" sz="2000" dirty="0">
-                <a:latin typeface="Courier New" pitchFamily="49" charset="0"/>
-              </a:rPr>
-              <a:t>&gt; </a:t>
-            </a:r>
-            <a:r>
-              <a:rPr lang="en-US" sz="2800" b="1" dirty="0">
-                <a:latin typeface="Courier New" pitchFamily="49" charset="0"/>
-              </a:rPr>
-              <a:t>(define fact</a:t>
-            </a:r>
-          </a:p>
-          <a:p>
-            <a:pPr>
-              <a:lnSpc>
-                <a:spcPct val="80000"/>
-              </a:lnSpc>
-              <a:buFontTx/>
-              <a:buNone/>
-            </a:pPr>
-            <a:r>
-              <a:rPr lang="en-US" sz="2800" b="1" dirty="0">
-                <a:latin typeface="Courier New" pitchFamily="49" charset="0"/>
-              </a:rPr>
-              <a:t>   (lambda (n)</a:t>
-            </a:r>
-          </a:p>
-          <a:p>
-            <a:pPr>
-              <a:lnSpc>
-                <a:spcPct val="80000"/>
-              </a:lnSpc>
-              <a:buFontTx/>
-              <a:buNone/>
-            </a:pPr>
-            <a:r>
-              <a:rPr lang="en-US" sz="2800" b="1" dirty="0">
-                <a:latin typeface="Courier New" pitchFamily="49" charset="0"/>
-              </a:rPr>
-              <a:t>     (if (zero? n)</a:t>
-            </a:r>
-          </a:p>
-          <a:p>
-            <a:pPr>
-              <a:lnSpc>
-                <a:spcPct val="80000"/>
-              </a:lnSpc>
-              <a:buFontTx/>
-              <a:buNone/>
-            </a:pPr>
-            <a:r>
-              <a:rPr lang="en-US" sz="2800" b="1" dirty="0">
-                <a:latin typeface="Courier New" pitchFamily="49" charset="0"/>
-              </a:rPr>
-              <a:t>         1</a:t>
-            </a:r>
-          </a:p>
-          <a:p>
-            <a:pPr>
-              <a:lnSpc>
-                <a:spcPct val="80000"/>
-              </a:lnSpc>
-              <a:buFontTx/>
-              <a:buNone/>
-            </a:pPr>
-            <a:r>
-              <a:rPr lang="en-US" sz="2800" b="1" dirty="0">
-                <a:latin typeface="Courier New" pitchFamily="49" charset="0"/>
-              </a:rPr>
-              <a:t>         (* n (fact (- n 1))))))</a:t>
-            </a:r>
-          </a:p>
-          <a:p>
-            <a:pPr>
-              <a:lnSpc>
-                <a:spcPct val="80000"/>
-              </a:lnSpc>
-              <a:buFontTx/>
-              <a:buNone/>
-            </a:pPr>
-            <a:r>
-              <a:rPr lang="en-US" sz="2800" dirty="0">
-                <a:latin typeface="Courier New" pitchFamily="49" charset="0"/>
-              </a:rPr>
-              <a:t>&gt; </a:t>
-            </a:r>
-            <a:r>
-              <a:rPr lang="en-US" sz="2800" b="1" dirty="0">
-                <a:latin typeface="Courier New" pitchFamily="49" charset="0"/>
-              </a:rPr>
-              <a:t>(fact 5)</a:t>
-            </a:r>
-          </a:p>
-          <a:p>
-            <a:pPr>
-              <a:lnSpc>
-                <a:spcPct val="80000"/>
-              </a:lnSpc>
-              <a:buFontTx/>
-              <a:buNone/>
-            </a:pPr>
-            <a:r>
-              <a:rPr lang="en-US" sz="2800" dirty="0">
-                <a:latin typeface="Courier New" pitchFamily="49" charset="0"/>
-              </a:rPr>
-              <a:t>120</a:t>
-            </a:r>
-          </a:p>
-          <a:p>
-            <a:pPr>
-              <a:lnSpc>
-                <a:spcPct val="80000"/>
-              </a:lnSpc>
-              <a:buFontTx/>
-              <a:buNone/>
-            </a:pPr>
-            <a:r>
-              <a:rPr lang="en-US" sz="2800" dirty="0">
-                <a:latin typeface="Courier New" pitchFamily="49" charset="0"/>
-              </a:rPr>
-              <a:t>&gt; </a:t>
-            </a:r>
-            <a:r>
-              <a:rPr lang="en-US" sz="2800" b="1" dirty="0">
-                <a:latin typeface="Courier New" pitchFamily="49" charset="0"/>
-              </a:rPr>
-              <a:t>(fact 75)</a:t>
-            </a:r>
-          </a:p>
-          <a:p>
-            <a:pPr>
-              <a:lnSpc>
-                <a:spcPct val="80000"/>
-              </a:lnSpc>
-              <a:buFontTx/>
-              <a:buNone/>
-            </a:pPr>
-            <a:r>
-              <a:rPr lang="en-US" sz="2800" dirty="0" smtClean="0">
-                <a:latin typeface="Courier New" pitchFamily="49" charset="0"/>
-              </a:rPr>
-              <a:t> 24809140811395398091946477116594033660926243886570122837795894512655842677572867409443815424000000000000000000</a:t>
-            </a:r>
-            <a:endParaRPr lang="en-US" sz="2800" dirty="0">
-              <a:latin typeface="Courier New" pitchFamily="49" charset="0"/>
-            </a:endParaRPr>
-          </a:p>
-          <a:p>
-            <a:pPr>
-              <a:lnSpc>
-                <a:spcPct val="80000"/>
-              </a:lnSpc>
-              <a:buFontTx/>
-              <a:buNone/>
-            </a:pPr>
-            <a:endParaRPr lang="en-US" sz="2000" dirty="0">
-              <a:latin typeface="Courier New" pitchFamily="49" charset="0"/>
-            </a:endParaRPr>
-          </a:p>
-        </p:txBody>
-      </p:sp>
-    </p:spTree>
-    <p:extLst>
-      <p:ext uri="{BB962C8B-B14F-4D97-AF65-F5344CB8AC3E}">
-        <p14:creationId xmlns:p14="http://schemas.microsoft.com/office/powerpoint/2010/main" val="1788401200"/>
-      </p:ext>
-    </p:extLst>
-  </p:cSld>
-  <p:clrMapOvr>
-    <a:masterClrMapping/>
-  </p:clrMapOvr>
-  <p:timing>
-    <p:tnLst>
-      <p:par>
-        <p:cTn id="1" dur="indefinite" restart="never" nodeType="tmRoot"/>
-      </p:par>
-    </p:tnLst>
-  </p:timing>
-</p:sld>
-</file>
-
-<file path=ppt/slides/slide15.xml><?xml version="1.0" encoding="utf-8"?>
-<p:sld xmlns:a="http://schemas.openxmlformats.org/drawingml/2006/main" xmlns:r="http://schemas.openxmlformats.org/officeDocument/2006/relationships" xmlns:p="http://schemas.openxmlformats.org/presentationml/2006/main">
-  <p:cSld>
-    <p:spTree>
-      <p:nvGrpSpPr>
-        <p:cNvPr id="1" name=""/>
-        <p:cNvGrpSpPr/>
-        <p:nvPr/>
-      </p:nvGrpSpPr>
-      <p:grpSpPr>
-        <a:xfrm>
-          <a:off x="0" y="0"/>
-          <a:ext cx="0" cy="0"/>
-          <a:chOff x="0" y="0"/>
-          <a:chExt cx="0" cy="0"/>
-        </a:xfrm>
-      </p:grpSpPr>
-      <p:sp>
-        <p:nvSpPr>
-          <p:cNvPr id="107522" name="Rectangle 2"/>
-          <p:cNvSpPr>
-            <a:spLocks noGrp="1" noChangeArrowheads="1"/>
-          </p:cNvSpPr>
-          <p:nvPr>
-            <p:ph type="title"/>
-          </p:nvPr>
-        </p:nvSpPr>
-        <p:spPr>
-          <a:xfrm>
-            <a:off x="762000" y="304800"/>
-            <a:ext cx="6870700" cy="762000"/>
-          </a:xfrm>
-        </p:spPr>
-        <p:txBody>
-          <a:bodyPr/>
-          <a:lstStyle/>
-          <a:p>
-            <a:r>
-              <a:rPr lang="en-US"/>
-              <a:t>trace this procedure</a:t>
-            </a:r>
-          </a:p>
-        </p:txBody>
-      </p:sp>
-      <p:sp>
-        <p:nvSpPr>
-          <p:cNvPr id="107523" name="Rectangle 3"/>
-          <p:cNvSpPr>
-            <a:spLocks noGrp="1" noChangeArrowheads="1"/>
-          </p:cNvSpPr>
-          <p:nvPr>
-            <p:ph type="body" sz="half" idx="1"/>
-          </p:nvPr>
-        </p:nvSpPr>
-        <p:spPr>
-          <a:xfrm>
-            <a:off x="76200" y="1371600"/>
-            <a:ext cx="6629400" cy="4038600"/>
-          </a:xfrm>
-        </p:spPr>
-        <p:txBody>
-          <a:bodyPr/>
-          <a:lstStyle/>
-          <a:p>
-            <a:pPr>
-              <a:lnSpc>
-                <a:spcPct val="90000"/>
-              </a:lnSpc>
-              <a:buFontTx/>
-              <a:buNone/>
-            </a:pPr>
-            <a:r>
-              <a:rPr lang="en-US" sz="2400" dirty="0">
-                <a:latin typeface="Courier New" pitchFamily="49" charset="0"/>
-              </a:rPr>
-              <a:t>&gt;</a:t>
-            </a:r>
-            <a:r>
-              <a:rPr lang="en-US" sz="2400" b="1" dirty="0">
-                <a:latin typeface="Courier New" pitchFamily="49" charset="0"/>
-              </a:rPr>
-              <a:t>(define fact</a:t>
-            </a:r>
-          </a:p>
-          <a:p>
-            <a:pPr>
-              <a:lnSpc>
-                <a:spcPct val="90000"/>
-              </a:lnSpc>
-              <a:buFontTx/>
-              <a:buNone/>
-            </a:pPr>
-            <a:r>
-              <a:rPr lang="en-US" sz="2400" b="1" dirty="0">
-                <a:latin typeface="Courier New" pitchFamily="49" charset="0"/>
-              </a:rPr>
-              <a:t>   (lambda (n)</a:t>
-            </a:r>
-          </a:p>
-          <a:p>
-            <a:pPr>
-              <a:lnSpc>
-                <a:spcPct val="90000"/>
-              </a:lnSpc>
-              <a:buFontTx/>
-              <a:buNone/>
-            </a:pPr>
-            <a:r>
-              <a:rPr lang="en-US" sz="2400" b="1" dirty="0">
-                <a:latin typeface="Courier New" pitchFamily="49" charset="0"/>
-              </a:rPr>
-              <a:t>     (if (zero? n)</a:t>
-            </a:r>
-          </a:p>
-          <a:p>
-            <a:pPr>
-              <a:lnSpc>
-                <a:spcPct val="90000"/>
-              </a:lnSpc>
-              <a:buFontTx/>
-              <a:buNone/>
-            </a:pPr>
-            <a:r>
-              <a:rPr lang="en-US" sz="2400" b="1" dirty="0">
-                <a:latin typeface="Courier New" pitchFamily="49" charset="0"/>
-              </a:rPr>
-              <a:t>         1</a:t>
-            </a:r>
-          </a:p>
-          <a:p>
-            <a:pPr>
-              <a:lnSpc>
-                <a:spcPct val="90000"/>
-              </a:lnSpc>
-              <a:buFontTx/>
-              <a:buNone/>
-            </a:pPr>
-            <a:r>
-              <a:rPr lang="en-US" sz="2400" b="1" dirty="0">
-                <a:latin typeface="Courier New" pitchFamily="49" charset="0"/>
-              </a:rPr>
-              <a:t>         (* n </a:t>
-            </a:r>
-            <a:endParaRPr lang="en-US" sz="2400" b="1" dirty="0" smtClean="0">
-              <a:latin typeface="Courier New" pitchFamily="49" charset="0"/>
-            </a:endParaRPr>
-          </a:p>
-          <a:p>
-            <a:pPr>
-              <a:lnSpc>
-                <a:spcPct val="90000"/>
-              </a:lnSpc>
-              <a:buFontTx/>
-              <a:buNone/>
-            </a:pPr>
-            <a:r>
-              <a:rPr lang="en-US" sz="2400" b="1" dirty="0">
-                <a:latin typeface="Courier New" pitchFamily="49" charset="0"/>
-              </a:rPr>
-              <a:t> </a:t>
-            </a:r>
-            <a:r>
-              <a:rPr lang="en-US" sz="2400" b="1" dirty="0" smtClean="0">
-                <a:latin typeface="Courier New" pitchFamily="49" charset="0"/>
-              </a:rPr>
-              <a:t>           (</a:t>
-            </a:r>
-            <a:r>
-              <a:rPr lang="en-US" sz="2400" b="1" dirty="0">
-                <a:latin typeface="Courier New" pitchFamily="49" charset="0"/>
-              </a:rPr>
-              <a:t>fact (- n 1))))))</a:t>
-            </a:r>
-          </a:p>
-          <a:p>
-            <a:pPr>
-              <a:lnSpc>
-                <a:spcPct val="90000"/>
-              </a:lnSpc>
-              <a:buFontTx/>
-              <a:buNone/>
-            </a:pPr>
-            <a:endParaRPr lang="en-US" sz="1800" dirty="0">
-              <a:latin typeface="Courier New" pitchFamily="49" charset="0"/>
-            </a:endParaRPr>
-          </a:p>
-        </p:txBody>
-      </p:sp>
-      <p:sp>
-        <p:nvSpPr>
-          <p:cNvPr id="107524" name="Rectangle 4"/>
-          <p:cNvSpPr>
-            <a:spLocks noGrp="1" noChangeArrowheads="1"/>
-          </p:cNvSpPr>
-          <p:nvPr>
-            <p:ph type="body" sz="half" idx="2"/>
-          </p:nvPr>
-        </p:nvSpPr>
-        <p:spPr>
-          <a:xfrm>
-            <a:off x="6172200" y="1066800"/>
-            <a:ext cx="2819400" cy="5562600"/>
-          </a:xfrm>
-          <a:noFill/>
-          <a:ln w="50800">
-            <a:solidFill>
-              <a:srgbClr val="FFFF00"/>
-            </a:solidFill>
-          </a:ln>
-        </p:spPr>
-        <p:txBody>
-          <a:bodyPr/>
-          <a:lstStyle/>
-          <a:p>
-            <a:pPr>
-              <a:lnSpc>
-                <a:spcPct val="90000"/>
-              </a:lnSpc>
-              <a:buFontTx/>
-              <a:buNone/>
-            </a:pPr>
-            <a:r>
-              <a:rPr lang="en-US" sz="2400" dirty="0">
-                <a:latin typeface="Courier New" pitchFamily="49" charset="0"/>
-              </a:rPr>
-              <a:t>&gt; </a:t>
-            </a:r>
-            <a:r>
-              <a:rPr lang="en-US" sz="2400" b="1" dirty="0">
-                <a:latin typeface="Courier New" pitchFamily="49" charset="0"/>
-              </a:rPr>
-              <a:t>(trace fact)</a:t>
-            </a:r>
-          </a:p>
-          <a:p>
-            <a:pPr>
-              <a:lnSpc>
-                <a:spcPct val="90000"/>
-              </a:lnSpc>
-              <a:buFontTx/>
-              <a:buNone/>
-            </a:pPr>
-            <a:r>
-              <a:rPr lang="en-US" sz="2400" dirty="0">
-                <a:latin typeface="Courier New" pitchFamily="49" charset="0"/>
-              </a:rPr>
-              <a:t>(fact)</a:t>
-            </a:r>
-          </a:p>
-          <a:p>
-            <a:pPr>
-              <a:lnSpc>
-                <a:spcPct val="90000"/>
-              </a:lnSpc>
-              <a:buFontTx/>
-              <a:buNone/>
-            </a:pPr>
-            <a:r>
-              <a:rPr lang="en-US" sz="2400" dirty="0">
-                <a:latin typeface="Courier New" pitchFamily="49" charset="0"/>
-              </a:rPr>
-              <a:t>&gt;</a:t>
-            </a:r>
-            <a:r>
-              <a:rPr lang="en-US" sz="2400" b="1" dirty="0">
-                <a:latin typeface="Courier New" pitchFamily="49" charset="0"/>
-              </a:rPr>
-              <a:t> (fact 4)</a:t>
-            </a:r>
-          </a:p>
-          <a:p>
-            <a:pPr>
-              <a:lnSpc>
-                <a:spcPct val="90000"/>
-              </a:lnSpc>
-              <a:buFontTx/>
-              <a:buNone/>
-            </a:pPr>
-            <a:r>
-              <a:rPr lang="en-US" sz="2400" dirty="0">
-                <a:latin typeface="Courier New" pitchFamily="49" charset="0"/>
-              </a:rPr>
-              <a:t>|(fact 4)</a:t>
-            </a:r>
-          </a:p>
-          <a:p>
-            <a:pPr>
-              <a:lnSpc>
-                <a:spcPct val="90000"/>
-              </a:lnSpc>
-              <a:buFontTx/>
-              <a:buNone/>
-            </a:pPr>
-            <a:r>
-              <a:rPr lang="en-US" sz="2400" dirty="0">
-                <a:latin typeface="Courier New" pitchFamily="49" charset="0"/>
-              </a:rPr>
-              <a:t>| (fact 3)</a:t>
-            </a:r>
-          </a:p>
-          <a:p>
-            <a:pPr>
-              <a:lnSpc>
-                <a:spcPct val="90000"/>
-              </a:lnSpc>
-              <a:buFontTx/>
-              <a:buNone/>
-            </a:pPr>
-            <a:r>
-              <a:rPr lang="en-US" sz="2400" dirty="0">
-                <a:latin typeface="Courier New" pitchFamily="49" charset="0"/>
-              </a:rPr>
-              <a:t>| |(fact 2)</a:t>
-            </a:r>
-          </a:p>
-          <a:p>
-            <a:pPr>
-              <a:lnSpc>
-                <a:spcPct val="90000"/>
-              </a:lnSpc>
-              <a:buFontTx/>
-              <a:buNone/>
-            </a:pPr>
-            <a:r>
-              <a:rPr lang="en-US" sz="2400" dirty="0">
-                <a:latin typeface="Courier New" pitchFamily="49" charset="0"/>
-              </a:rPr>
-              <a:t>| | (fact 1)</a:t>
-            </a:r>
-          </a:p>
-          <a:p>
-            <a:pPr>
-              <a:lnSpc>
-                <a:spcPct val="90000"/>
-              </a:lnSpc>
-              <a:buFontTx/>
-              <a:buNone/>
-            </a:pPr>
-            <a:r>
-              <a:rPr lang="en-US" sz="2400" dirty="0">
-                <a:latin typeface="Courier New" pitchFamily="49" charset="0"/>
-              </a:rPr>
-              <a:t>| | |(fact 0)</a:t>
-            </a:r>
-          </a:p>
-          <a:p>
-            <a:pPr>
-              <a:lnSpc>
-                <a:spcPct val="90000"/>
-              </a:lnSpc>
-              <a:buFontTx/>
-              <a:buNone/>
-            </a:pPr>
-            <a:r>
-              <a:rPr lang="en-US" sz="2400" dirty="0">
-                <a:latin typeface="Courier New" pitchFamily="49" charset="0"/>
-              </a:rPr>
-              <a:t>| | |1</a:t>
-            </a:r>
-          </a:p>
-          <a:p>
-            <a:pPr>
-              <a:lnSpc>
-                <a:spcPct val="90000"/>
-              </a:lnSpc>
-              <a:buFontTx/>
-              <a:buNone/>
-            </a:pPr>
-            <a:r>
-              <a:rPr lang="en-US" sz="2400" dirty="0">
-                <a:latin typeface="Courier New" pitchFamily="49" charset="0"/>
-              </a:rPr>
-              <a:t>| | 1</a:t>
-            </a:r>
-          </a:p>
-          <a:p>
-            <a:pPr>
-              <a:lnSpc>
-                <a:spcPct val="90000"/>
-              </a:lnSpc>
-              <a:buFontTx/>
-              <a:buNone/>
-            </a:pPr>
-            <a:r>
-              <a:rPr lang="en-US" sz="2400" dirty="0">
-                <a:latin typeface="Courier New" pitchFamily="49" charset="0"/>
-              </a:rPr>
-              <a:t>| |2</a:t>
-            </a:r>
-          </a:p>
-          <a:p>
-            <a:pPr>
-              <a:lnSpc>
-                <a:spcPct val="90000"/>
-              </a:lnSpc>
-              <a:buFontTx/>
-              <a:buNone/>
-            </a:pPr>
-            <a:r>
-              <a:rPr lang="en-US" sz="2400" dirty="0">
-                <a:latin typeface="Courier New" pitchFamily="49" charset="0"/>
-              </a:rPr>
-              <a:t>| 6</a:t>
-            </a:r>
-          </a:p>
-          <a:p>
-            <a:pPr>
-              <a:lnSpc>
-                <a:spcPct val="90000"/>
-              </a:lnSpc>
-              <a:buFontTx/>
-              <a:buNone/>
-            </a:pPr>
-            <a:r>
-              <a:rPr lang="en-US" sz="2400" dirty="0">
-                <a:latin typeface="Courier New" pitchFamily="49" charset="0"/>
-              </a:rPr>
-              <a:t>|24</a:t>
-            </a:r>
-          </a:p>
-          <a:p>
-            <a:pPr>
-              <a:lnSpc>
-                <a:spcPct val="90000"/>
-              </a:lnSpc>
-              <a:buFontTx/>
-              <a:buNone/>
-            </a:pPr>
-            <a:r>
-              <a:rPr lang="en-US" sz="2400" dirty="0">
-                <a:latin typeface="Courier New" pitchFamily="49" charset="0"/>
-              </a:rPr>
-              <a:t>24</a:t>
-            </a:r>
-          </a:p>
-          <a:p>
-            <a:pPr>
-              <a:lnSpc>
-                <a:spcPct val="90000"/>
-              </a:lnSpc>
-              <a:buFontTx/>
-              <a:buNone/>
-            </a:pPr>
-            <a:endParaRPr lang="en-US" sz="2000" dirty="0">
-              <a:latin typeface="Courier New" pitchFamily="49" charset="0"/>
-            </a:endParaRPr>
-          </a:p>
-          <a:p>
-            <a:pPr>
-              <a:lnSpc>
-                <a:spcPct val="90000"/>
-              </a:lnSpc>
-            </a:pPr>
-            <a:endParaRPr lang="en-US" sz="2000" dirty="0"/>
-          </a:p>
-        </p:txBody>
-      </p:sp>
-    </p:spTree>
-    <p:extLst>
-      <p:ext uri="{BB962C8B-B14F-4D97-AF65-F5344CB8AC3E}">
-        <p14:creationId xmlns:p14="http://schemas.microsoft.com/office/powerpoint/2010/main" val="4024139240"/>
-      </p:ext>
-    </p:extLst>
-  </p:cSld>
-  <p:clrMapOvr>
-    <a:masterClrMapping/>
-  </p:clrMapOvr>
-  <p:timing>
-    <p:tnLst>
-      <p:par>
-        <p:cTn id="1" dur="indefinite" restart="never" nodeType="tmRoot"/>
-      </p:par>
-    </p:tnLst>
-  </p:timing>
-</p:sld>
-</file>
-
-<file path=ppt/slides/slide16.xml><?xml version="1.0" encoding="utf-8"?>
-<p:sld xmlns:a="http://schemas.openxmlformats.org/drawingml/2006/main" xmlns:r="http://schemas.openxmlformats.org/officeDocument/2006/relationships" xmlns:p="http://schemas.openxmlformats.org/presentationml/2006/main">
-  <p:cSld>
-    <p:spTree>
-      <p:nvGrpSpPr>
-        <p:cNvPr id="1" name=""/>
-        <p:cNvGrpSpPr/>
-        <p:nvPr/>
-      </p:nvGrpSpPr>
-      <p:grpSpPr>
-        <a:xfrm>
-          <a:off x="0" y="0"/>
-          <a:ext cx="0" cy="0"/>
-          <a:chOff x="0" y="0"/>
-          <a:chExt cx="0" cy="0"/>
-        </a:xfrm>
-      </p:grpSpPr>
-      <p:sp>
-        <p:nvSpPr>
-          <p:cNvPr id="108546" name="Rectangle 2"/>
-          <p:cNvSpPr>
-            <a:spLocks noGrp="1" noChangeArrowheads="1"/>
-          </p:cNvSpPr>
-          <p:nvPr>
-            <p:ph type="title"/>
-          </p:nvPr>
-        </p:nvSpPr>
-        <p:spPr>
-          <a:xfrm>
-            <a:off x="762000" y="533400"/>
-            <a:ext cx="6870700" cy="762000"/>
-          </a:xfrm>
-        </p:spPr>
-        <p:txBody>
-          <a:bodyPr/>
-          <a:lstStyle/>
-          <a:p>
-            <a:r>
-              <a:rPr lang="en-US" sz="4000" dirty="0" smtClean="0"/>
-              <a:t>RECAP : Factorial </a:t>
-            </a:r>
-            <a:r>
-              <a:rPr lang="en-US" sz="4000" dirty="0"/>
-              <a:t>with accumulator</a:t>
-            </a:r>
-          </a:p>
-        </p:txBody>
-      </p:sp>
-      <p:sp>
-        <p:nvSpPr>
-          <p:cNvPr id="108547" name="Rectangle 3"/>
-          <p:cNvSpPr>
-            <a:spLocks noGrp="1" noChangeArrowheads="1"/>
-          </p:cNvSpPr>
-          <p:nvPr>
-            <p:ph type="body" sz="half" idx="1"/>
-          </p:nvPr>
-        </p:nvSpPr>
-        <p:spPr>
-          <a:xfrm>
-            <a:off x="152399" y="1371600"/>
-            <a:ext cx="5918499" cy="4876800"/>
-          </a:xfrm>
-        </p:spPr>
-        <p:txBody>
-          <a:bodyPr/>
-          <a:lstStyle/>
-          <a:p>
-            <a:pPr>
-              <a:lnSpc>
-                <a:spcPct val="80000"/>
-              </a:lnSpc>
-              <a:buFontTx/>
-              <a:buNone/>
-            </a:pPr>
-            <a:r>
-              <a:rPr lang="en-US" sz="2200" dirty="0">
-                <a:latin typeface="Courier New" pitchFamily="49" charset="0"/>
-              </a:rPr>
-              <a:t>&gt;</a:t>
-            </a:r>
-            <a:r>
-              <a:rPr lang="en-US" sz="2200" b="1" dirty="0">
-                <a:latin typeface="Courier New" pitchFamily="49" charset="0"/>
-              </a:rPr>
-              <a:t> (define fact-tail     </a:t>
-            </a:r>
-            <a:br>
-              <a:rPr lang="en-US" sz="2200" b="1" dirty="0">
-                <a:latin typeface="Courier New" pitchFamily="49" charset="0"/>
-              </a:rPr>
-            </a:br>
-            <a:r>
-              <a:rPr lang="en-US" sz="2200" b="1" dirty="0">
-                <a:latin typeface="Courier New" pitchFamily="49" charset="0"/>
-              </a:rPr>
-              <a:t> </a:t>
-            </a:r>
-            <a:r>
-              <a:rPr lang="en-US" sz="2200" b="1" dirty="0" smtClean="0">
-                <a:latin typeface="Courier New" pitchFamily="49" charset="0"/>
-              </a:rPr>
-              <a:t> (</a:t>
-            </a:r>
-            <a:r>
-              <a:rPr lang="en-US" sz="2200" b="1" dirty="0">
-                <a:latin typeface="Courier New" pitchFamily="49" charset="0"/>
-              </a:rPr>
-              <a:t>lambda (n </a:t>
-            </a:r>
-            <a:r>
-              <a:rPr lang="en-US" sz="2200" b="1" dirty="0" err="1">
-                <a:latin typeface="Courier New" pitchFamily="49" charset="0"/>
-              </a:rPr>
-              <a:t>accum</a:t>
-            </a:r>
-            <a:r>
-              <a:rPr lang="en-US" sz="2200" b="1" dirty="0">
-                <a:latin typeface="Courier New" pitchFamily="49" charset="0"/>
-              </a:rPr>
-              <a:t>)</a:t>
-            </a:r>
-          </a:p>
-          <a:p>
-            <a:pPr>
-              <a:lnSpc>
-                <a:spcPct val="80000"/>
-              </a:lnSpc>
-              <a:buFontTx/>
-              <a:buNone/>
-            </a:pPr>
-            <a:r>
-              <a:rPr lang="en-US" sz="2200" b="1" dirty="0">
-                <a:latin typeface="Courier New" pitchFamily="49" charset="0"/>
-              </a:rPr>
-              <a:t>     </a:t>
-            </a:r>
-            <a:r>
-              <a:rPr lang="en-US" sz="2200" b="1" dirty="0" smtClean="0">
-                <a:latin typeface="Courier New" pitchFamily="49" charset="0"/>
-              </a:rPr>
-              <a:t> (</a:t>
-            </a:r>
-            <a:r>
-              <a:rPr lang="en-US" sz="2200" b="1" dirty="0">
-                <a:latin typeface="Courier New" pitchFamily="49" charset="0"/>
-              </a:rPr>
-              <a:t>if (zero? n)</a:t>
-            </a:r>
-          </a:p>
-          <a:p>
-            <a:pPr>
-              <a:lnSpc>
-                <a:spcPct val="80000"/>
-              </a:lnSpc>
-              <a:buFontTx/>
-              <a:buNone/>
-            </a:pPr>
-            <a:r>
-              <a:rPr lang="en-US" sz="2200" b="1" dirty="0">
-                <a:latin typeface="Courier New" pitchFamily="49" charset="0"/>
-              </a:rPr>
-              <a:t>       </a:t>
-            </a:r>
-            <a:r>
-              <a:rPr lang="en-US" sz="2200" b="1" dirty="0" smtClean="0">
-                <a:latin typeface="Courier New" pitchFamily="49" charset="0"/>
-              </a:rPr>
-              <a:t>    </a:t>
-            </a:r>
-            <a:r>
-              <a:rPr lang="en-US" sz="2200" b="1" dirty="0" err="1" smtClean="0">
-                <a:latin typeface="Courier New" pitchFamily="49" charset="0"/>
-              </a:rPr>
-              <a:t>accum</a:t>
-            </a:r>
-            <a:endParaRPr lang="en-US" sz="2200" b="1" dirty="0">
-              <a:latin typeface="Courier New" pitchFamily="49" charset="0"/>
-            </a:endParaRPr>
-          </a:p>
-          <a:p>
-            <a:pPr>
-              <a:lnSpc>
-                <a:spcPct val="80000"/>
-              </a:lnSpc>
-              <a:buFontTx/>
-              <a:buNone/>
-            </a:pPr>
-            <a:r>
-              <a:rPr lang="en-US" sz="2200" b="1" dirty="0">
-                <a:latin typeface="Courier New" pitchFamily="49" charset="0"/>
-              </a:rPr>
-              <a:t>     </a:t>
-            </a:r>
-            <a:r>
-              <a:rPr lang="en-US" sz="2200" b="1" dirty="0" smtClean="0">
-                <a:latin typeface="Courier New" pitchFamily="49" charset="0"/>
-              </a:rPr>
-              <a:t>     </a:t>
-            </a:r>
-            <a:r>
-              <a:rPr lang="en-US" sz="2200" b="1" dirty="0">
-                <a:latin typeface="Courier New" pitchFamily="49" charset="0"/>
-              </a:rPr>
-              <a:t>(fact-tail (- n 1) </a:t>
-            </a:r>
-            <a:br>
-              <a:rPr lang="en-US" sz="2200" b="1" dirty="0">
-                <a:latin typeface="Courier New" pitchFamily="49" charset="0"/>
-              </a:rPr>
-            </a:br>
-            <a:r>
-              <a:rPr lang="en-US" sz="2200" b="1" dirty="0">
-                <a:latin typeface="Courier New" pitchFamily="49" charset="0"/>
-              </a:rPr>
-              <a:t>              </a:t>
-            </a:r>
-            <a:r>
-              <a:rPr lang="en-US" sz="2200" b="1" dirty="0" smtClean="0">
-                <a:latin typeface="Courier New" pitchFamily="49" charset="0"/>
-              </a:rPr>
-              <a:t>    </a:t>
-            </a:r>
-            <a:r>
-              <a:rPr lang="en-US" sz="2200" b="1" dirty="0" smtClean="0">
-                <a:latin typeface="Courier New" pitchFamily="49" charset="0"/>
-              </a:rPr>
-              <a:t> (* </a:t>
-            </a:r>
-            <a:r>
-              <a:rPr lang="en-US" sz="2200" b="1" dirty="0">
-                <a:latin typeface="Courier New" pitchFamily="49" charset="0"/>
-              </a:rPr>
-              <a:t>n </a:t>
-            </a:r>
-            <a:r>
-              <a:rPr lang="en-US" sz="2200" b="1" dirty="0" smtClean="0">
-                <a:latin typeface="Courier New" pitchFamily="49" charset="0"/>
-              </a:rPr>
-              <a:t/>
-            </a:r>
-            <a:br>
-              <a:rPr lang="en-US" sz="2200" b="1" dirty="0" smtClean="0">
-                <a:latin typeface="Courier New" pitchFamily="49" charset="0"/>
-              </a:rPr>
-            </a:br>
-            <a:r>
-              <a:rPr lang="en-US" sz="2200" b="1" dirty="0" smtClean="0">
-                <a:latin typeface="Courier New" pitchFamily="49" charset="0"/>
-              </a:rPr>
-              <a:t>                      </a:t>
-            </a:r>
-            <a:r>
-              <a:rPr lang="en-US" sz="2200" b="1" dirty="0" err="1" smtClean="0">
-                <a:latin typeface="Courier New" pitchFamily="49" charset="0"/>
-              </a:rPr>
-              <a:t>accum</a:t>
-            </a:r>
-            <a:r>
-              <a:rPr lang="en-US" sz="2200" b="1" dirty="0">
-                <a:latin typeface="Courier New" pitchFamily="49" charset="0"/>
-              </a:rPr>
-              <a:t>)))))</a:t>
-            </a:r>
-          </a:p>
-          <a:p>
-            <a:pPr>
-              <a:lnSpc>
-                <a:spcPct val="80000"/>
-              </a:lnSpc>
-              <a:buFontTx/>
-              <a:buNone/>
-            </a:pPr>
-            <a:r>
-              <a:rPr lang="en-US" sz="2200" dirty="0">
-                <a:latin typeface="Courier New" pitchFamily="49" charset="0"/>
-              </a:rPr>
-              <a:t>&gt;</a:t>
-            </a:r>
-            <a:r>
-              <a:rPr lang="en-US" sz="2200" b="1" dirty="0">
-                <a:latin typeface="Courier New" pitchFamily="49" charset="0"/>
-              </a:rPr>
-              <a:t> (define factorial</a:t>
-            </a:r>
-          </a:p>
-          <a:p>
-            <a:pPr>
-              <a:lnSpc>
-                <a:spcPct val="80000"/>
-              </a:lnSpc>
-              <a:buFontTx/>
-              <a:buNone/>
-            </a:pPr>
-            <a:r>
-              <a:rPr lang="en-US" sz="2200" b="1" dirty="0">
-                <a:latin typeface="Courier New" pitchFamily="49" charset="0"/>
-              </a:rPr>
-              <a:t>  </a:t>
-            </a:r>
-            <a:r>
-              <a:rPr lang="en-US" sz="2200" b="1" dirty="0" smtClean="0">
-                <a:latin typeface="Courier New" pitchFamily="49" charset="0"/>
-              </a:rPr>
-              <a:t>  (</a:t>
-            </a:r>
-            <a:r>
-              <a:rPr lang="en-US" sz="2200" b="1" dirty="0">
-                <a:latin typeface="Courier New" pitchFamily="49" charset="0"/>
-              </a:rPr>
-              <a:t>lambda (n)</a:t>
-            </a:r>
-          </a:p>
-          <a:p>
-            <a:pPr>
-              <a:lnSpc>
-                <a:spcPct val="80000"/>
-              </a:lnSpc>
-              <a:buFontTx/>
-              <a:buNone/>
-            </a:pPr>
-            <a:r>
-              <a:rPr lang="en-US" sz="2200" b="1" dirty="0">
-                <a:latin typeface="Courier New" pitchFamily="49" charset="0"/>
-              </a:rPr>
-              <a:t>    (fact-tail n 1)))</a:t>
-            </a:r>
-          </a:p>
-          <a:p>
-            <a:pPr>
-              <a:lnSpc>
-                <a:spcPct val="80000"/>
-              </a:lnSpc>
-              <a:buFontTx/>
-              <a:buNone/>
-            </a:pPr>
-            <a:r>
-              <a:rPr lang="en-US" sz="2200" dirty="0">
-                <a:latin typeface="Courier New" pitchFamily="49" charset="0"/>
-              </a:rPr>
-              <a:t>&gt;</a:t>
-            </a:r>
-            <a:r>
-              <a:rPr lang="en-US" sz="2200" b="1" dirty="0">
-                <a:latin typeface="Courier New" pitchFamily="49" charset="0"/>
-              </a:rPr>
-              <a:t> (trace fact-tail)</a:t>
-            </a:r>
-          </a:p>
-          <a:p>
-            <a:pPr>
-              <a:lnSpc>
-                <a:spcPct val="80000"/>
-              </a:lnSpc>
-              <a:buFontTx/>
-              <a:buNone/>
-            </a:pPr>
-            <a:r>
-              <a:rPr lang="en-US" sz="2200" dirty="0">
-                <a:latin typeface="Courier New" pitchFamily="49" charset="0"/>
-              </a:rPr>
-              <a:t>(fact-tail)</a:t>
-            </a:r>
-          </a:p>
-          <a:p>
-            <a:pPr>
-              <a:lnSpc>
-                <a:spcPct val="80000"/>
-              </a:lnSpc>
-              <a:buFontTx/>
-              <a:buNone/>
-            </a:pPr>
-            <a:r>
-              <a:rPr lang="en-US" sz="2200" dirty="0">
-                <a:latin typeface="Courier New" pitchFamily="49" charset="0"/>
-              </a:rPr>
-              <a:t>&gt; </a:t>
-            </a:r>
-            <a:r>
-              <a:rPr lang="en-US" sz="2200" b="1" dirty="0">
-                <a:latin typeface="Courier New" pitchFamily="49" charset="0"/>
-              </a:rPr>
-              <a:t>(trace factorial)</a:t>
-            </a:r>
-          </a:p>
-          <a:p>
-            <a:pPr>
-              <a:lnSpc>
-                <a:spcPct val="80000"/>
-              </a:lnSpc>
-              <a:buFontTx/>
-              <a:buNone/>
-            </a:pPr>
-            <a:r>
-              <a:rPr lang="en-US" sz="2200" dirty="0">
-                <a:latin typeface="Courier New" pitchFamily="49" charset="0"/>
-              </a:rPr>
-              <a:t>(factorial)</a:t>
-            </a:r>
-          </a:p>
-          <a:p>
-            <a:pPr>
-              <a:lnSpc>
-                <a:spcPct val="80000"/>
-              </a:lnSpc>
-              <a:buFontTx/>
-              <a:buNone/>
-            </a:pPr>
-            <a:endParaRPr lang="en-US" sz="2200" dirty="0">
-              <a:latin typeface="Courier New" pitchFamily="49" charset="0"/>
-            </a:endParaRPr>
-          </a:p>
-        </p:txBody>
-      </p:sp>
-      <p:sp>
-        <p:nvSpPr>
-          <p:cNvPr id="108548" name="Rectangle 4"/>
-          <p:cNvSpPr>
-            <a:spLocks noGrp="1" noChangeArrowheads="1"/>
-          </p:cNvSpPr>
-          <p:nvPr>
-            <p:ph type="body" sz="half" idx="2"/>
-          </p:nvPr>
-        </p:nvSpPr>
-        <p:spPr>
-          <a:xfrm>
-            <a:off x="6070899" y="1524000"/>
-            <a:ext cx="3048000" cy="5105400"/>
-          </a:xfrm>
-          <a:solidFill>
-            <a:srgbClr val="F7F7F7"/>
-          </a:solidFill>
-          <a:ln w="25400">
-            <a:solidFill>
-              <a:schemeClr val="tx2"/>
-            </a:solidFill>
-          </a:ln>
-        </p:spPr>
-        <p:txBody>
-          <a:bodyPr/>
-          <a:lstStyle/>
-          <a:p>
-            <a:pPr>
-              <a:lnSpc>
-                <a:spcPct val="80000"/>
-              </a:lnSpc>
-              <a:buFont typeface="Wingdings" panose="05000000000000000000" pitchFamily="2" charset="2"/>
-              <a:buChar char="Ø"/>
-            </a:pPr>
-            <a:r>
-              <a:rPr lang="en-US" sz="2000" b="1" dirty="0" smtClean="0">
-                <a:solidFill>
-                  <a:schemeClr val="accent4">
-                    <a:lumMod val="10000"/>
-                  </a:schemeClr>
-                </a:solidFill>
-                <a:effectLst/>
-                <a:latin typeface="Consolas" panose="020B0609020204030204" pitchFamily="49" charset="0"/>
-                <a:cs typeface="Consolas" panose="020B0609020204030204" pitchFamily="49" charset="0"/>
-              </a:rPr>
-              <a:t>&gt; (</a:t>
-            </a:r>
-            <a:r>
-              <a:rPr lang="en-US" sz="2000" b="1" dirty="0">
-                <a:solidFill>
-                  <a:schemeClr val="accent4">
-                    <a:lumMod val="10000"/>
-                  </a:schemeClr>
-                </a:solidFill>
-                <a:effectLst/>
-                <a:latin typeface="Consolas" panose="020B0609020204030204" pitchFamily="49" charset="0"/>
-                <a:cs typeface="Consolas" panose="020B0609020204030204" pitchFamily="49" charset="0"/>
-              </a:rPr>
-              <a:t>factorial 4)  </a:t>
-            </a:r>
-            <a:r>
-              <a:rPr lang="en-US" sz="2000" dirty="0" smtClean="0">
-                <a:solidFill>
-                  <a:schemeClr val="accent4">
-                    <a:lumMod val="10000"/>
-                  </a:schemeClr>
-                </a:solidFill>
-                <a:effectLst/>
-                <a:latin typeface="Consolas" panose="020B0609020204030204" pitchFamily="49" charset="0"/>
-                <a:cs typeface="Consolas" panose="020B0609020204030204" pitchFamily="49" charset="0"/>
-              </a:rPr>
-              <a:t> </a:t>
-            </a:r>
-            <a:endParaRPr lang="en-US" sz="2000" dirty="0" smtClean="0">
-              <a:solidFill>
-                <a:schemeClr val="accent4">
-                  <a:lumMod val="10000"/>
-                </a:schemeClr>
-              </a:solidFill>
-              <a:effectLst/>
-              <a:latin typeface="Consolas" panose="020B0609020204030204" pitchFamily="49" charset="0"/>
-              <a:cs typeface="Consolas" panose="020B0609020204030204" pitchFamily="49" charset="0"/>
-            </a:endParaRPr>
-          </a:p>
-          <a:p>
-            <a:pPr marL="0" indent="0">
-              <a:lnSpc>
-                <a:spcPct val="80000"/>
-              </a:lnSpc>
-              <a:buNone/>
-            </a:pPr>
-            <a:r>
-              <a:rPr lang="en-US" sz="2000" dirty="0" smtClean="0">
-                <a:solidFill>
-                  <a:schemeClr val="bg1"/>
-                </a:solidFill>
-                <a:effectLst/>
-                <a:latin typeface="Consolas" panose="020B0609020204030204" pitchFamily="49" charset="0"/>
-                <a:cs typeface="Consolas" panose="020B0609020204030204" pitchFamily="49" charset="0"/>
-              </a:rPr>
-              <a:t>; </a:t>
-            </a:r>
-            <a:r>
-              <a:rPr lang="en-US" sz="2000" dirty="0" smtClean="0">
-                <a:solidFill>
-                  <a:schemeClr val="bg1"/>
-                </a:solidFill>
-                <a:effectLst/>
-                <a:latin typeface="Consolas" panose="020B0609020204030204" pitchFamily="49" charset="0"/>
-                <a:cs typeface="Consolas" panose="020B0609020204030204" pitchFamily="49" charset="0"/>
-              </a:rPr>
-              <a:t>fact-tail </a:t>
-            </a:r>
-            <a:r>
-              <a:rPr lang="en-US" sz="2000" dirty="0">
-                <a:solidFill>
-                  <a:schemeClr val="bg1"/>
-                </a:solidFill>
-                <a:effectLst/>
-                <a:latin typeface="Consolas" panose="020B0609020204030204" pitchFamily="49" charset="0"/>
-                <a:cs typeface="Consolas" panose="020B0609020204030204" pitchFamily="49" charset="0"/>
-              </a:rPr>
-              <a:t>is </a:t>
-            </a:r>
-            <a:br>
-              <a:rPr lang="en-US" sz="2000" dirty="0">
-                <a:solidFill>
-                  <a:schemeClr val="bg1"/>
-                </a:solidFill>
-                <a:effectLst/>
-                <a:latin typeface="Consolas" panose="020B0609020204030204" pitchFamily="49" charset="0"/>
-                <a:cs typeface="Consolas" panose="020B0609020204030204" pitchFamily="49" charset="0"/>
-              </a:rPr>
-            </a:br>
-            <a:r>
-              <a:rPr lang="en-US" sz="2000" dirty="0">
-                <a:solidFill>
-                  <a:schemeClr val="bg1"/>
-                </a:solidFill>
-                <a:effectLst/>
-                <a:latin typeface="Consolas" panose="020B0609020204030204" pitchFamily="49" charset="0"/>
-                <a:cs typeface="Consolas" panose="020B0609020204030204" pitchFamily="49" charset="0"/>
-              </a:rPr>
-              <a:t>; "tail-</a:t>
-            </a:r>
-            <a:br>
-              <a:rPr lang="en-US" sz="2000" dirty="0">
-                <a:solidFill>
-                  <a:schemeClr val="bg1"/>
-                </a:solidFill>
-                <a:effectLst/>
-                <a:latin typeface="Consolas" panose="020B0609020204030204" pitchFamily="49" charset="0"/>
-                <a:cs typeface="Consolas" panose="020B0609020204030204" pitchFamily="49" charset="0"/>
-              </a:rPr>
-            </a:br>
-            <a:r>
-              <a:rPr lang="en-US" sz="2000" dirty="0">
-                <a:solidFill>
-                  <a:schemeClr val="bg1"/>
-                </a:solidFill>
-                <a:effectLst/>
-                <a:latin typeface="Consolas" panose="020B0609020204030204" pitchFamily="49" charset="0"/>
-                <a:cs typeface="Consolas" panose="020B0609020204030204" pitchFamily="49" charset="0"/>
-              </a:rPr>
-              <a:t>; recursive".  </a:t>
-            </a:r>
-            <a:br>
-              <a:rPr lang="en-US" sz="2000" dirty="0">
-                <a:solidFill>
-                  <a:schemeClr val="bg1"/>
-                </a:solidFill>
-                <a:effectLst/>
-                <a:latin typeface="Consolas" panose="020B0609020204030204" pitchFamily="49" charset="0"/>
-                <a:cs typeface="Consolas" panose="020B0609020204030204" pitchFamily="49" charset="0"/>
-              </a:rPr>
-            </a:br>
-            <a:r>
-              <a:rPr lang="en-US" sz="2000" dirty="0">
-                <a:solidFill>
-                  <a:schemeClr val="bg1"/>
-                </a:solidFill>
-                <a:effectLst/>
-                <a:latin typeface="Consolas" panose="020B0609020204030204" pitchFamily="49" charset="0"/>
-                <a:cs typeface="Consolas" panose="020B0609020204030204" pitchFamily="49" charset="0"/>
-              </a:rPr>
-              <a:t>; Scheme </a:t>
-            </a:r>
-            <a:br>
-              <a:rPr lang="en-US" sz="2000" dirty="0">
-                <a:solidFill>
-                  <a:schemeClr val="bg1"/>
-                </a:solidFill>
-                <a:effectLst/>
-                <a:latin typeface="Consolas" panose="020B0609020204030204" pitchFamily="49" charset="0"/>
-                <a:cs typeface="Consolas" panose="020B0609020204030204" pitchFamily="49" charset="0"/>
-              </a:rPr>
-            </a:br>
-            <a:r>
-              <a:rPr lang="en-US" sz="2000" dirty="0">
-                <a:solidFill>
-                  <a:schemeClr val="bg1"/>
-                </a:solidFill>
-                <a:effectLst/>
-                <a:latin typeface="Consolas" panose="020B0609020204030204" pitchFamily="49" charset="0"/>
-                <a:cs typeface="Consolas" panose="020B0609020204030204" pitchFamily="49" charset="0"/>
-              </a:rPr>
-              <a:t>; doesn't grow </a:t>
-            </a:r>
-            <a:br>
-              <a:rPr lang="en-US" sz="2000" dirty="0">
-                <a:solidFill>
-                  <a:schemeClr val="bg1"/>
-                </a:solidFill>
-                <a:effectLst/>
-                <a:latin typeface="Consolas" panose="020B0609020204030204" pitchFamily="49" charset="0"/>
-                <a:cs typeface="Consolas" panose="020B0609020204030204" pitchFamily="49" charset="0"/>
-              </a:rPr>
-            </a:br>
-            <a:r>
-              <a:rPr lang="en-US" sz="2000" dirty="0">
-                <a:solidFill>
-                  <a:schemeClr val="bg1"/>
-                </a:solidFill>
-                <a:effectLst/>
-                <a:latin typeface="Consolas" panose="020B0609020204030204" pitchFamily="49" charset="0"/>
-                <a:cs typeface="Consolas" panose="020B0609020204030204" pitchFamily="49" charset="0"/>
-              </a:rPr>
-              <a:t>; the stack.</a:t>
-            </a:r>
-          </a:p>
-          <a:p>
-            <a:pPr>
-              <a:lnSpc>
-                <a:spcPct val="80000"/>
-              </a:lnSpc>
-              <a:buFontTx/>
-              <a:buNone/>
-            </a:pPr>
-            <a:r>
-              <a:rPr lang="en-US" sz="2000" dirty="0">
-                <a:solidFill>
-                  <a:schemeClr val="accent4">
-                    <a:lumMod val="10000"/>
-                  </a:schemeClr>
-                </a:solidFill>
-                <a:effectLst/>
-                <a:latin typeface="Consolas" panose="020B0609020204030204" pitchFamily="49" charset="0"/>
-                <a:cs typeface="Consolas" panose="020B0609020204030204" pitchFamily="49" charset="0"/>
-              </a:rPr>
-              <a:t>|(factorial 4)</a:t>
-            </a:r>
-          </a:p>
-          <a:p>
-            <a:pPr>
-              <a:lnSpc>
-                <a:spcPct val="80000"/>
-              </a:lnSpc>
-              <a:buFontTx/>
-              <a:buNone/>
-            </a:pPr>
-            <a:r>
-              <a:rPr lang="en-US" sz="2000" dirty="0">
-                <a:solidFill>
-                  <a:schemeClr val="accent4">
-                    <a:lumMod val="10000"/>
-                  </a:schemeClr>
-                </a:solidFill>
-                <a:effectLst/>
-                <a:latin typeface="Consolas" panose="020B0609020204030204" pitchFamily="49" charset="0"/>
-                <a:cs typeface="Consolas" panose="020B0609020204030204" pitchFamily="49" charset="0"/>
-              </a:rPr>
-              <a:t>|(fact-tail 4 1)</a:t>
-            </a:r>
-          </a:p>
-          <a:p>
-            <a:pPr>
-              <a:lnSpc>
-                <a:spcPct val="80000"/>
-              </a:lnSpc>
-              <a:buFontTx/>
-              <a:buNone/>
-            </a:pPr>
-            <a:r>
-              <a:rPr lang="en-US" sz="2000" dirty="0">
-                <a:solidFill>
-                  <a:schemeClr val="accent4">
-                    <a:lumMod val="10000"/>
-                  </a:schemeClr>
-                </a:solidFill>
-                <a:effectLst/>
-                <a:latin typeface="Consolas" panose="020B0609020204030204" pitchFamily="49" charset="0"/>
-                <a:cs typeface="Consolas" panose="020B0609020204030204" pitchFamily="49" charset="0"/>
-              </a:rPr>
-              <a:t>|(fact-tail 3 4)</a:t>
-            </a:r>
-          </a:p>
-          <a:p>
-            <a:pPr>
-              <a:lnSpc>
-                <a:spcPct val="80000"/>
-              </a:lnSpc>
-              <a:buFontTx/>
-              <a:buNone/>
-            </a:pPr>
-            <a:r>
-              <a:rPr lang="en-US" sz="2000" dirty="0">
-                <a:solidFill>
-                  <a:schemeClr val="accent4">
-                    <a:lumMod val="10000"/>
-                  </a:schemeClr>
-                </a:solidFill>
-                <a:effectLst/>
-                <a:latin typeface="Consolas" panose="020B0609020204030204" pitchFamily="49" charset="0"/>
-                <a:cs typeface="Consolas" panose="020B0609020204030204" pitchFamily="49" charset="0"/>
-              </a:rPr>
-              <a:t>|(fact-tail 2 12)</a:t>
-            </a:r>
-          </a:p>
-          <a:p>
-            <a:pPr>
-              <a:lnSpc>
-                <a:spcPct val="80000"/>
-              </a:lnSpc>
-              <a:buFontTx/>
-              <a:buNone/>
-            </a:pPr>
-            <a:r>
-              <a:rPr lang="en-US" sz="2000" dirty="0">
-                <a:solidFill>
-                  <a:schemeClr val="accent4">
-                    <a:lumMod val="10000"/>
-                  </a:schemeClr>
-                </a:solidFill>
-                <a:effectLst/>
-                <a:latin typeface="Consolas" panose="020B0609020204030204" pitchFamily="49" charset="0"/>
-                <a:cs typeface="Consolas" panose="020B0609020204030204" pitchFamily="49" charset="0"/>
-              </a:rPr>
-              <a:t>|(fact-tail 1 24)</a:t>
-            </a:r>
-          </a:p>
-          <a:p>
-            <a:pPr>
-              <a:lnSpc>
-                <a:spcPct val="80000"/>
-              </a:lnSpc>
-              <a:buFontTx/>
-              <a:buNone/>
-            </a:pPr>
-            <a:r>
-              <a:rPr lang="en-US" sz="2000" dirty="0">
-                <a:solidFill>
-                  <a:schemeClr val="accent4">
-                    <a:lumMod val="10000"/>
-                  </a:schemeClr>
-                </a:solidFill>
-                <a:effectLst/>
-                <a:latin typeface="Consolas" panose="020B0609020204030204" pitchFamily="49" charset="0"/>
-                <a:cs typeface="Consolas" panose="020B0609020204030204" pitchFamily="49" charset="0"/>
-              </a:rPr>
-              <a:t>|(fact-tail 0 24)</a:t>
-            </a:r>
-          </a:p>
-          <a:p>
-            <a:pPr>
-              <a:lnSpc>
-                <a:spcPct val="80000"/>
-              </a:lnSpc>
-              <a:buFontTx/>
-              <a:buNone/>
-            </a:pPr>
-            <a:r>
-              <a:rPr lang="en-US" sz="2000" dirty="0">
-                <a:solidFill>
-                  <a:schemeClr val="accent4">
-                    <a:lumMod val="10000"/>
-                  </a:schemeClr>
-                </a:solidFill>
-                <a:effectLst/>
-                <a:latin typeface="Consolas" panose="020B0609020204030204" pitchFamily="49" charset="0"/>
-                <a:cs typeface="Consolas" panose="020B0609020204030204" pitchFamily="49" charset="0"/>
-              </a:rPr>
-              <a:t>|24</a:t>
-            </a:r>
-          </a:p>
-          <a:p>
-            <a:pPr>
-              <a:lnSpc>
-                <a:spcPct val="80000"/>
-              </a:lnSpc>
-              <a:buFontTx/>
-              <a:buNone/>
-            </a:pPr>
-            <a:r>
-              <a:rPr lang="en-US" sz="2000" dirty="0">
-                <a:solidFill>
-                  <a:schemeClr val="accent4">
-                    <a:lumMod val="10000"/>
-                  </a:schemeClr>
-                </a:solidFill>
-                <a:effectLst/>
-                <a:latin typeface="Consolas" panose="020B0609020204030204" pitchFamily="49" charset="0"/>
-                <a:cs typeface="Consolas" panose="020B0609020204030204" pitchFamily="49" charset="0"/>
-              </a:rPr>
-              <a:t>24</a:t>
-            </a:r>
-          </a:p>
-          <a:p>
-            <a:pPr>
-              <a:lnSpc>
-                <a:spcPct val="80000"/>
-              </a:lnSpc>
-              <a:buFontTx/>
-              <a:buNone/>
-            </a:pPr>
-            <a:r>
-              <a:rPr lang="en-US" sz="2000" dirty="0">
-                <a:solidFill>
-                  <a:schemeClr val="accent4">
-                    <a:lumMod val="10000"/>
-                  </a:schemeClr>
-                </a:solidFill>
-                <a:effectLst/>
-                <a:latin typeface="Consolas" panose="020B0609020204030204" pitchFamily="49" charset="0"/>
-                <a:cs typeface="Consolas" panose="020B0609020204030204" pitchFamily="49" charset="0"/>
-              </a:rPr>
-              <a:t>&gt;</a:t>
-            </a:r>
-            <a:r>
-              <a:rPr lang="en-US" sz="2000" b="1" dirty="0">
-                <a:solidFill>
-                  <a:schemeClr val="accent4">
-                    <a:lumMod val="10000"/>
-                  </a:schemeClr>
-                </a:solidFill>
-                <a:effectLst/>
-                <a:latin typeface="Consolas" panose="020B0609020204030204" pitchFamily="49" charset="0"/>
-                <a:cs typeface="Consolas" panose="020B0609020204030204" pitchFamily="49" charset="0"/>
-              </a:rPr>
-              <a:t> (</a:t>
-            </a:r>
-            <a:r>
-              <a:rPr lang="en-US" sz="2000" b="1" dirty="0" err="1">
-                <a:solidFill>
-                  <a:schemeClr val="accent4">
-                    <a:lumMod val="10000"/>
-                  </a:schemeClr>
-                </a:solidFill>
-                <a:effectLst/>
-                <a:latin typeface="Consolas" panose="020B0609020204030204" pitchFamily="49" charset="0"/>
-                <a:cs typeface="Consolas" panose="020B0609020204030204" pitchFamily="49" charset="0"/>
-              </a:rPr>
-              <a:t>untrace</a:t>
-            </a:r>
-            <a:r>
-              <a:rPr lang="en-US" sz="2000" b="1" dirty="0">
-                <a:solidFill>
-                  <a:schemeClr val="accent4">
-                    <a:lumMod val="10000"/>
-                  </a:schemeClr>
-                </a:solidFill>
-                <a:effectLst/>
-                <a:latin typeface="Consolas" panose="020B0609020204030204" pitchFamily="49" charset="0"/>
-                <a:cs typeface="Consolas" panose="020B0609020204030204" pitchFamily="49" charset="0"/>
-              </a:rPr>
-              <a:t>)</a:t>
-            </a:r>
-          </a:p>
-          <a:p>
-            <a:pPr>
-              <a:lnSpc>
-                <a:spcPct val="80000"/>
-              </a:lnSpc>
-            </a:pPr>
-            <a:endParaRPr lang="en-US" sz="2000" dirty="0"/>
-          </a:p>
-        </p:txBody>
-      </p:sp>
-    </p:spTree>
-    <p:extLst>
-      <p:ext uri="{BB962C8B-B14F-4D97-AF65-F5344CB8AC3E}">
-        <p14:creationId xmlns:p14="http://schemas.microsoft.com/office/powerpoint/2010/main" val="22509610"/>
-      </p:ext>
-    </p:extLst>
-  </p:cSld>
-  <p:clrMapOvr>
-    <a:masterClrMapping/>
-  </p:clrMapOvr>
-  <p:timing>
-    <p:tnLst>
-      <p:par>
-        <p:cTn id="1" dur="indefinite" restart="never" nodeType="tmRoot"/>
-      </p:par>
-    </p:tnLst>
-  </p:timing>
 </p:sld>
 </file>
 
 <file path=ppt/slides/slide2.xml><?xml version="1.0" encoding="utf-8"?>
-<p:sld xmlns:a="http://schemas.openxmlformats.org/drawingml/2006/main" xmlns:r="http://schemas.openxmlformats.org/officeDocument/2006/relationships" xmlns:p="http://schemas.openxmlformats.org/presentationml/2006/main">
-  <p:cSld>
-    <p:spTree>
-      <p:nvGrpSpPr>
-        <p:cNvPr id="1" name=""/>
-        <p:cNvGrpSpPr/>
-        <p:nvPr/>
-      </p:nvGrpSpPr>
-      <p:grpSpPr>
-        <a:xfrm>
-          <a:off x="0" y="0"/>
-          <a:ext cx="0" cy="0"/>
-          <a:chOff x="0" y="0"/>
-          <a:chExt cx="0" cy="0"/>
-        </a:xfrm>
-      </p:grpSpPr>
-      <p:sp>
-        <p:nvSpPr>
-          <p:cNvPr id="2" name="Title 1"/>
-          <p:cNvSpPr>
-            <a:spLocks noGrp="1"/>
-          </p:cNvSpPr>
-          <p:nvPr>
-            <p:ph type="title"/>
-          </p:nvPr>
-        </p:nvSpPr>
-        <p:spPr/>
-        <p:txBody>
-          <a:bodyPr/>
-          <a:lstStyle/>
-          <a:p>
-            <a:r>
-              <a:rPr lang="en-US" dirty="0" smtClean="0"/>
-              <a:t>Solutions to two A1 problems</a:t>
-            </a:r>
-            <a:endParaRPr lang="en-US" dirty="0"/>
-          </a:p>
-        </p:txBody>
-      </p:sp>
-      <p:sp>
-        <p:nvSpPr>
-          <p:cNvPr id="3" name="Content Placeholder 2"/>
-          <p:cNvSpPr>
-            <a:spLocks noGrp="1"/>
-          </p:cNvSpPr>
-          <p:nvPr>
-            <p:ph idx="1"/>
-          </p:nvPr>
-        </p:nvSpPr>
-        <p:spPr/>
-        <p:txBody>
-          <a:bodyPr/>
-          <a:lstStyle/>
-          <a:p>
-            <a:endParaRPr lang="en-US"/>
-          </a:p>
-        </p:txBody>
-      </p:sp>
-      <p:pic>
-        <p:nvPicPr>
-          <p:cNvPr id="4" name="Picture 3"/>
-          <p:cNvPicPr>
-            <a:picLocks noChangeAspect="1"/>
-          </p:cNvPicPr>
-          <p:nvPr/>
-        </p:nvPicPr>
-        <p:blipFill>
-          <a:blip r:embed="rId2"/>
-          <a:stretch>
-            <a:fillRect/>
-          </a:stretch>
-        </p:blipFill>
-        <p:spPr>
-          <a:xfrm>
-            <a:off x="423134" y="1375140"/>
-            <a:ext cx="8339866" cy="5292607"/>
-          </a:xfrm>
-          <a:prstGeom prst="rect">
-            <a:avLst/>
-          </a:prstGeom>
-        </p:spPr>
-      </p:pic>
-    </p:spTree>
-    <p:extLst>
-      <p:ext uri="{BB962C8B-B14F-4D97-AF65-F5344CB8AC3E}">
-        <p14:creationId xmlns:p14="http://schemas.microsoft.com/office/powerpoint/2010/main" val="3840673228"/>
-      </p:ext>
-    </p:extLst>
-  </p:cSld>
-  <p:clrMapOvr>
-    <a:masterClrMapping/>
-  </p:clrMapOvr>
-</p:sld>
-</file>
-
-<file path=ppt/slides/slide3.xml><?xml version="1.0" encoding="utf-8"?>
-<p:sld xmlns:a="http://schemas.openxmlformats.org/drawingml/2006/main" xmlns:r="http://schemas.openxmlformats.org/officeDocument/2006/relationships" xmlns:p="http://schemas.openxmlformats.org/presentationml/2006/main">
-  <p:cSld>
-    <p:spTree>
-      <p:nvGrpSpPr>
-        <p:cNvPr id="1" name=""/>
-        <p:cNvGrpSpPr/>
-        <p:nvPr/>
-      </p:nvGrpSpPr>
-      <p:grpSpPr>
-        <a:xfrm>
-          <a:off x="0" y="0"/>
-          <a:ext cx="0" cy="0"/>
-          <a:chOff x="0" y="0"/>
-          <a:chExt cx="0" cy="0"/>
-        </a:xfrm>
-      </p:grpSpPr>
-      <p:sp>
-        <p:nvSpPr>
-          <p:cNvPr id="319490" name="Rectangle 2"/>
-          <p:cNvSpPr>
-            <a:spLocks noGrp="1" noChangeArrowheads="1"/>
-          </p:cNvSpPr>
-          <p:nvPr>
-            <p:ph type="title"/>
-          </p:nvPr>
-        </p:nvSpPr>
-        <p:spPr>
-          <a:xfrm>
-            <a:off x="457200" y="152400"/>
-            <a:ext cx="7467600" cy="609600"/>
-          </a:xfrm>
-        </p:spPr>
-        <p:txBody>
-          <a:bodyPr/>
-          <a:lstStyle/>
-          <a:p>
-            <a:r>
-              <a:rPr lang="en-US" sz="4000" dirty="0" smtClean="0">
-                <a:solidFill>
-                  <a:srgbClr val="FFFF00"/>
-                </a:solidFill>
-              </a:rPr>
-              <a:t>cons</a:t>
-            </a:r>
-            <a:r>
-              <a:rPr lang="en-US" sz="4000" dirty="0" smtClean="0"/>
-              <a:t> vs. </a:t>
-            </a:r>
-            <a:r>
-              <a:rPr lang="en-US" sz="4000" dirty="0" smtClean="0">
-                <a:solidFill>
-                  <a:srgbClr val="FFFF00"/>
-                </a:solidFill>
-              </a:rPr>
-              <a:t>list</a:t>
-            </a:r>
-            <a:r>
-              <a:rPr lang="en-US" sz="4000" dirty="0" smtClean="0"/>
-              <a:t> vs. </a:t>
-            </a:r>
-            <a:r>
-              <a:rPr lang="en-US" sz="4000" dirty="0" smtClean="0">
-                <a:solidFill>
-                  <a:srgbClr val="FFFF00"/>
-                </a:solidFill>
-              </a:rPr>
-              <a:t>append</a:t>
-            </a:r>
-            <a:endParaRPr lang="en-US" sz="4000" dirty="0">
-              <a:solidFill>
-                <a:srgbClr val="FFFF00"/>
-              </a:solidFill>
-            </a:endParaRPr>
-          </a:p>
-        </p:txBody>
-      </p:sp>
-      <p:sp>
-        <p:nvSpPr>
-          <p:cNvPr id="319491" name="Rectangle 3"/>
-          <p:cNvSpPr>
-            <a:spLocks noGrp="1" noChangeArrowheads="1"/>
-          </p:cNvSpPr>
-          <p:nvPr>
-            <p:ph type="body" idx="1"/>
-          </p:nvPr>
-        </p:nvSpPr>
-        <p:spPr>
-          <a:xfrm>
-            <a:off x="304800" y="838200"/>
-            <a:ext cx="8382000" cy="4876800"/>
-          </a:xfrm>
-        </p:spPr>
-        <p:txBody>
-          <a:bodyPr/>
-          <a:lstStyle/>
-          <a:p>
-            <a:pPr lvl="1"/>
-            <a:endParaRPr lang="en-US" b="1" dirty="0">
-              <a:sym typeface="Wingdings" pitchFamily="2" charset="2"/>
-            </a:endParaRPr>
-          </a:p>
-          <a:p>
-            <a:r>
-              <a:rPr lang="en-US" sz="2800" b="1" dirty="0" smtClean="0">
-                <a:sym typeface="Wingdings" pitchFamily="2" charset="2"/>
-              </a:rPr>
-              <a:t>box-and-pointer diagrams</a:t>
-            </a:r>
-          </a:p>
-          <a:p>
-            <a:pPr lvl="1"/>
-            <a:r>
-              <a:rPr lang="en-US" b="1" dirty="0" smtClean="0">
-                <a:latin typeface="Consolas" panose="020B0609020204030204" pitchFamily="49" charset="0"/>
-                <a:cs typeface="Consolas" panose="020B0609020204030204" pitchFamily="49" charset="0"/>
-                <a:sym typeface="Wingdings" pitchFamily="2" charset="2"/>
-              </a:rPr>
-              <a:t>(define x '(1 </a:t>
-            </a:r>
-            <a:r>
-              <a:rPr lang="en-US" b="1" dirty="0" smtClean="0">
-                <a:latin typeface="Consolas" panose="020B0609020204030204" pitchFamily="49" charset="0"/>
-                <a:cs typeface="Consolas" panose="020B0609020204030204" pitchFamily="49" charset="0"/>
-                <a:sym typeface="Wingdings" pitchFamily="2" charset="2"/>
-              </a:rPr>
-              <a:t>2 3)) </a:t>
-            </a:r>
-            <a:endParaRPr lang="en-US" b="1" dirty="0" smtClean="0">
-              <a:latin typeface="Consolas" panose="020B0609020204030204" pitchFamily="49" charset="0"/>
-              <a:cs typeface="Consolas" panose="020B0609020204030204" pitchFamily="49" charset="0"/>
-              <a:sym typeface="Wingdings" pitchFamily="2" charset="2"/>
-            </a:endParaRPr>
-          </a:p>
-          <a:p>
-            <a:pPr lvl="1"/>
-            <a:r>
-              <a:rPr lang="en-US" b="1" dirty="0" smtClean="0">
-                <a:latin typeface="Consolas" panose="020B0609020204030204" pitchFamily="49" charset="0"/>
-                <a:cs typeface="Consolas" panose="020B0609020204030204" pitchFamily="49" charset="0"/>
-                <a:sym typeface="Wingdings" pitchFamily="2" charset="2"/>
-              </a:rPr>
-              <a:t>(define y </a:t>
-            </a:r>
-            <a:r>
-              <a:rPr lang="en-US" b="1" dirty="0" smtClean="0">
-                <a:latin typeface="Consolas" panose="020B0609020204030204" pitchFamily="49" charset="0"/>
-                <a:cs typeface="Consolas" panose="020B0609020204030204" pitchFamily="49" charset="0"/>
-                <a:sym typeface="Wingdings" pitchFamily="2" charset="2"/>
-              </a:rPr>
-              <a:t>'(4 5))</a:t>
-            </a:r>
-            <a:endParaRPr lang="en-US" b="1" dirty="0" smtClean="0">
-              <a:latin typeface="Consolas" panose="020B0609020204030204" pitchFamily="49" charset="0"/>
-              <a:cs typeface="Consolas" panose="020B0609020204030204" pitchFamily="49" charset="0"/>
-              <a:sym typeface="Wingdings" pitchFamily="2" charset="2"/>
-            </a:endParaRPr>
-          </a:p>
-          <a:p>
-            <a:pPr lvl="1"/>
-            <a:r>
-              <a:rPr lang="en-US" b="1" dirty="0" smtClean="0">
-                <a:latin typeface="Consolas" panose="020B0609020204030204" pitchFamily="49" charset="0"/>
-                <a:cs typeface="Consolas" panose="020B0609020204030204" pitchFamily="49" charset="0"/>
-                <a:sym typeface="Wingdings" pitchFamily="2" charset="2"/>
-              </a:rPr>
-              <a:t>(cons x y)   (list x y)   (append x y)</a:t>
-            </a:r>
-          </a:p>
-          <a:p>
-            <a:pPr lvl="1"/>
-            <a:endParaRPr lang="en-US" b="1" dirty="0" smtClean="0">
-              <a:latin typeface="Consolas" panose="020B0609020204030204" pitchFamily="49" charset="0"/>
-              <a:cs typeface="Consolas" panose="020B0609020204030204" pitchFamily="49" charset="0"/>
-              <a:sym typeface="Wingdings" pitchFamily="2" charset="2"/>
-            </a:endParaRPr>
-          </a:p>
-          <a:p>
-            <a:endParaRPr lang="en-US" b="1" dirty="0" smtClean="0">
-              <a:latin typeface="Consolas" panose="020B0609020204030204" pitchFamily="49" charset="0"/>
-              <a:cs typeface="Consolas" panose="020B0609020204030204" pitchFamily="49" charset="0"/>
-              <a:sym typeface="Wingdings" pitchFamily="2" charset="2"/>
-            </a:endParaRPr>
-          </a:p>
-        </p:txBody>
-      </p:sp>
-      <p:sp>
-        <p:nvSpPr>
-          <p:cNvPr id="4" name="TextBox 3"/>
-          <p:cNvSpPr txBox="1"/>
-          <p:nvPr/>
-        </p:nvSpPr>
-        <p:spPr>
-          <a:xfrm>
-            <a:off x="3505200" y="6172200"/>
-            <a:ext cx="5181600" cy="369332"/>
-          </a:xfrm>
-          <a:prstGeom prst="rect">
-            <a:avLst/>
-          </a:prstGeom>
-          <a:noFill/>
-        </p:spPr>
-        <p:txBody>
-          <a:bodyPr wrap="square" rtlCol="0">
-            <a:spAutoFit/>
-          </a:bodyPr>
-          <a:lstStyle/>
-          <a:p>
-            <a:endParaRPr lang="en-US" dirty="0"/>
-          </a:p>
-        </p:txBody>
-      </p:sp>
-    </p:spTree>
-    <p:extLst>
-      <p:ext uri="{BB962C8B-B14F-4D97-AF65-F5344CB8AC3E}">
-        <p14:creationId xmlns:p14="http://schemas.microsoft.com/office/powerpoint/2010/main" val="3668023334"/>
-      </p:ext>
-    </p:extLst>
-  </p:cSld>
-  <p:clrMapOvr>
-    <a:masterClrMapping/>
-  </p:clrMapOvr>
-  <p:timing>
-    <p:tnLst>
-      <p:par>
-        <p:cTn id="1" dur="indefinite" restart="never" nodeType="tmRoot"/>
-      </p:par>
-    </p:tnLst>
-  </p:timing>
-</p:sld>
-</file>
-
-<file path=ppt/slides/slide4.xml><?xml version="1.0" encoding="utf-8"?>
 <p:sld xmlns:a="http://schemas.openxmlformats.org/drawingml/2006/main" xmlns:r="http://schemas.openxmlformats.org/officeDocument/2006/relationships" xmlns:p="http://schemas.openxmlformats.org/presentationml/2006/main">
   <p:cSld>
     <p:spTree>
@@ -19718,14 +16682,11 @@
           <a:lstStyle/>
           <a:p>
             <a:r>
-              <a:rPr lang="en-US" sz="4000" b="1" dirty="0" smtClean="0">
+              <a:rPr lang="en-US" sz="4000" b="1" dirty="0">
                 <a:sym typeface="Wingdings" pitchFamily="2" charset="2"/>
               </a:rPr>
               <a:t>Recursive procedures</a:t>
             </a:r>
-            <a:endParaRPr lang="en-US" sz="4000" b="1" dirty="0">
-              <a:sym typeface="Wingdings" pitchFamily="2" charset="2"/>
-            </a:endParaRPr>
           </a:p>
         </p:txBody>
       </p:sp>
@@ -19755,156 +16716,38 @@
                   <a:srgbClr val="FFFF00"/>
                 </a:solidFill>
               </a:rPr>
-              <a:t>(</a:t>
-            </a:r>
+              <a:t>(firsts ′((a b) (c d) (e f))) </a:t>
+            </a:r>
+            <a:r>
+              <a:rPr lang="en-US" sz="2800" b="1" dirty="0"/>
+              <a:t>  </a:t>
+            </a:r>
+            <a:r>
+              <a:rPr lang="en-US" sz="2800" dirty="0">
+                <a:sym typeface="Wingdings" pitchFamily="2" charset="2"/>
+              </a:rPr>
+              <a:t> (a c e)</a:t>
+            </a:r>
+          </a:p>
+          <a:p>
+            <a:pPr lvl="2"/>
+            <a:r>
+              <a:rPr lang="en-US" sz="2000" dirty="0"/>
+              <a:t>Do it "from scratch".</a:t>
+            </a:r>
+            <a:br>
+              <a:rPr lang="en-US" sz="2000" dirty="0"/>
+            </a:br>
+            <a:endParaRPr lang="en-US" sz="2000" dirty="0"/>
+          </a:p>
+          <a:p>
             <a:r>
               <a:rPr lang="en-US" sz="2800" b="1" dirty="0">
                 <a:solidFill>
                   <a:srgbClr val="FFFF00"/>
                 </a:solidFill>
               </a:rPr>
-              <a:t>make-list n </a:t>
-            </a:r>
-            <a:r>
-              <a:rPr lang="en-US" sz="2800" b="1" dirty="0" err="1">
-                <a:solidFill>
-                  <a:srgbClr val="FFFF00"/>
-                </a:solidFill>
-              </a:rPr>
-              <a:t>obj</a:t>
-            </a:r>
-            <a:r>
-              <a:rPr lang="en-US" sz="2800" b="1" dirty="0">
-                <a:solidFill>
-                  <a:srgbClr val="FFFF00"/>
-                </a:solidFill>
-              </a:rPr>
-              <a:t>) </a:t>
-            </a:r>
-            <a:r>
-              <a:rPr lang="en-US" sz="2800" dirty="0"/>
-              <a:t>returns a list of </a:t>
-            </a:r>
-            <a:r>
-              <a:rPr lang="en-US" sz="2800" b="1" dirty="0"/>
-              <a:t>n</a:t>
-            </a:r>
-            <a:r>
-              <a:rPr lang="en-US" sz="2800" dirty="0"/>
-              <a:t> "copies" of </a:t>
-            </a:r>
-            <a:r>
-              <a:rPr lang="en-US" sz="2800" b="1" dirty="0"/>
-              <a:t>obj</a:t>
-            </a:r>
-            <a:r>
-              <a:rPr lang="en-US" sz="2800" dirty="0"/>
-              <a:t>. </a:t>
-            </a:r>
-            <a:r>
-              <a:rPr lang="en-US" sz="2800" dirty="0">
-                <a:solidFill>
-                  <a:schemeClr val="tx2"/>
-                </a:solidFill>
-              </a:rPr>
-              <a:t>[If </a:t>
-            </a:r>
-            <a:r>
-              <a:rPr lang="en-US" sz="2800" b="1" dirty="0" err="1"/>
-              <a:t>obj</a:t>
-            </a:r>
-            <a:r>
-              <a:rPr lang="en-US" sz="2800" dirty="0">
-                <a:solidFill>
-                  <a:schemeClr val="tx2"/>
-                </a:solidFill>
-              </a:rPr>
-              <a:t> is a 'by-reference" object, such as a list, it makes </a:t>
-            </a:r>
-            <a:r>
-              <a:rPr lang="en-US" sz="2800" b="1" dirty="0"/>
-              <a:t>n</a:t>
-            </a:r>
-            <a:r>
-              <a:rPr lang="en-US" sz="2800" dirty="0">
-                <a:solidFill>
-                  <a:schemeClr val="tx2"/>
-                </a:solidFill>
-              </a:rPr>
-              <a:t> copies of the reference</a:t>
-            </a:r>
-            <a:r>
-              <a:rPr lang="en-US" sz="2800" dirty="0" smtClean="0">
-                <a:solidFill>
-                  <a:schemeClr val="tx2"/>
-                </a:solidFill>
-              </a:rPr>
-              <a:t>].</a:t>
-            </a:r>
-          </a:p>
-          <a:p>
-            <a:r>
-              <a:rPr lang="en-US" sz="2800" b="1" dirty="0">
-                <a:solidFill>
-                  <a:srgbClr val="FFFF00"/>
-                </a:solidFill>
-              </a:rPr>
-              <a:t>(firsts ′((a b) (c d) (e f))) </a:t>
-            </a:r>
-            <a:r>
-              <a:rPr lang="en-US" sz="2800" b="1" dirty="0" smtClean="0"/>
-              <a:t>  </a:t>
-            </a:r>
-            <a:r>
-              <a:rPr lang="en-US" sz="2800" dirty="0">
-                <a:sym typeface="Wingdings" pitchFamily="2" charset="2"/>
-              </a:rPr>
-              <a:t> (a c e)</a:t>
-            </a:r>
-          </a:p>
-          <a:p>
-            <a:pPr lvl="2"/>
-            <a:r>
-              <a:rPr lang="en-US" sz="2000" dirty="0"/>
-              <a:t>Do it "from scratch".</a:t>
-            </a:r>
-            <a:br>
-              <a:rPr lang="en-US" sz="2000" dirty="0"/>
-            </a:br>
-            <a:endParaRPr lang="en-US" sz="2000" dirty="0"/>
-          </a:p>
-          <a:p>
-            <a:r>
-              <a:rPr lang="en-US" sz="2800" b="1" dirty="0" smtClean="0">
-                <a:solidFill>
-                  <a:srgbClr val="FFFF00"/>
-                </a:solidFill>
-              </a:rPr>
-              <a:t>(</a:t>
-            </a:r>
-            <a:r>
-              <a:rPr lang="en-US" sz="2800" b="1" dirty="0" smtClean="0">
-                <a:solidFill>
-                  <a:srgbClr val="FFFF00"/>
-                </a:solidFill>
-              </a:rPr>
-              <a:t>unary-</a:t>
-            </a:r>
-            <a:r>
-              <a:rPr lang="en-US" sz="2800" b="1" dirty="0" smtClean="0">
-                <a:solidFill>
-                  <a:srgbClr val="FFFF00"/>
-                </a:solidFill>
-              </a:rPr>
-              <a:t>map </a:t>
-            </a:r>
-            <a:r>
-              <a:rPr lang="en-US" sz="2800" b="1" dirty="0">
-                <a:solidFill>
-                  <a:srgbClr val="FFFF00"/>
-                </a:solidFill>
-              </a:rPr>
-              <a:t>f ls)</a:t>
+              <a:t>(unary-map f ls)</a:t>
             </a:r>
             <a:r>
               <a:rPr lang="en-US" sz="2800" b="1" dirty="0"/>
@@ -19928,15 +16771,7 @@
             </a:r>
             <a:r>
               <a:rPr lang="en-US" sz="2800" dirty="0"/>
-              <a:t>, </a:t>
-            </a:r>
-            <a:r>
-              <a:rPr lang="en-US" sz="2800" dirty="0" smtClean="0"/>
-              <a:t>and </a:t>
-            </a:r>
-            <a:r>
-              <a:rPr lang="en-US" sz="2800" dirty="0"/>
-              <a:t>returns the list of the results.</a:t>
+              <a:t>, and returns the list of the results.</a:t>
             </a:r>
           </a:p>
           <a:p>
@@ -19946,39 +16781,21 @@
               </a:buClr>
             </a:pPr>
             <a:r>
-              <a:rPr lang="en-US" dirty="0" smtClean="0"/>
-              <a:t>(unary-map </a:t>
-            </a:r>
-            <a:r>
               <a:rPr lang="en-US" dirty="0"/>
-              <a:t>(lambda (x) (+ x 2)) </a:t>
+              <a:t>(unary-map (lambda (x) (+ x 2)) </a:t>
             </a:r>
             <a:br>
               <a:rPr lang="en-US" dirty="0"/>
             </a:br>
             <a:r>
               <a:rPr lang="en-US" dirty="0"/>
-              <a:t>         '(3 5 9))                    </a:t>
-            </a:r>
-            <a:r>
-              <a:rPr lang="en-US" dirty="0" smtClean="0"/>
-              <a:t>         </a:t>
-            </a:r>
-            <a:r>
-              <a:rPr lang="en-US" dirty="0" smtClean="0">
-                <a:sym typeface="Wingdings" pitchFamily="2" charset="2"/>
-              </a:rPr>
-              <a:t>  (</a:t>
+              <a:t>         '(3 5 9))                             </a:t>
             </a:r>
             <a:r>
               <a:rPr lang="en-US" dirty="0">
                 <a:sym typeface="Wingdings" pitchFamily="2" charset="2"/>
               </a:rPr>
-              <a:t>5 7 11)</a:t>
-            </a:r>
-            <a:r>
-              <a:rPr lang="en-US" dirty="0"/>
-              <a:t/>
+              <a:t>  (5 7 11)</a:t>
             </a:r>
             <a:br>
               <a:rPr lang="en-US" dirty="0"/>
@@ -19999,15 +16816,11 @@
               <a:t>unary-map </a:t>
             </a:r>
             <a:r>
-              <a:rPr lang="en-US" sz="2800" dirty="0" smtClean="0"/>
-              <a:t>to </a:t>
-            </a:r>
-            <a:r>
               <a:rPr lang="en-US" sz="2800" dirty="0"/>
-              <a:t>write </a:t>
-            </a:r>
-            <a:r>
-              <a:rPr lang="en-US" sz="2800" b="1" dirty="0" smtClean="0">
+              <a:t>to write </a:t>
+            </a:r>
+            <a:r>
+              <a:rPr lang="en-US" sz="2800" b="1" dirty="0">
                 <a:solidFill>
                   <a:srgbClr val="FFFF00"/>
                 </a:solidFill>
@@ -20015,22 +16828,21 @@
               <a:t>firsts</a:t>
             </a:r>
             <a:r>
-              <a:rPr lang="en-US" sz="2800" dirty="0" smtClean="0"/>
+              <a:rPr lang="en-US" sz="2800" dirty="0"/>
               <a:t>?</a:t>
             </a:r>
             <a:r>
-              <a:rPr lang="en-US" sz="2800" b="1" dirty="0" smtClean="0"/>
+              <a:rPr lang="en-US" sz="2800" b="1" dirty="0"/>
               <a:t> </a:t>
             </a:r>
-            <a:endParaRPr lang="en-US" sz="2800" b="1" dirty="0" smtClean="0"/>
-          </a:p>
-          <a:p>
-            <a:r>
-              <a:rPr lang="en-US" sz="2400" dirty="0" smtClean="0"/>
+          </a:p>
+          <a:p>
+            <a:r>
+              <a:rPr lang="en-US" sz="2400" dirty="0"/>
               <a:t>Note that </a:t>
             </a:r>
             <a:r>
-              <a:rPr lang="en-US" sz="2400" dirty="0" smtClean="0">
+              <a:rPr lang="en-US" sz="2400" dirty="0">
                 <a:solidFill>
                   <a:srgbClr val="FFFF00"/>
                 </a:solidFill>
@@ -20038,11 +16850,11 @@
               <a:t>unary-map</a:t>
             </a:r>
             <a:r>
-              <a:rPr lang="en-US" sz="2400" dirty="0" smtClean="0"/>
+              <a:rPr lang="en-US" sz="2400" dirty="0"/>
               <a:t> is a special case of Scheme's </a:t>
             </a:r>
             <a:r>
-              <a:rPr lang="en-US" sz="2400" dirty="0" smtClean="0">
+              <a:rPr lang="en-US" sz="2400" dirty="0">
                 <a:solidFill>
                   <a:srgbClr val="FFFF00"/>
                 </a:solidFill>
@@ -20050,11 +16862,11 @@
               <a:t>map</a:t>
             </a:r>
             <a:r>
-              <a:rPr lang="en-US" sz="2400" dirty="0" smtClean="0"/>
+              <a:rPr lang="en-US" sz="2400" dirty="0"/>
               <a:t>, so we'll just write </a:t>
             </a:r>
             <a:r>
-              <a:rPr lang="en-US" sz="2400" dirty="0" smtClean="0">
+              <a:rPr lang="en-US" sz="2400" dirty="0">
                 <a:solidFill>
                   <a:srgbClr val="FFFF00"/>
                 </a:solidFill>
@@ -20062,10 +16874,9 @@
               <a:t>map</a:t>
             </a:r>
             <a:r>
-              <a:rPr lang="en-US" sz="2400" dirty="0" smtClean="0"/>
+              <a:rPr lang="en-US" sz="2400" dirty="0"/>
               <a:t> from now on.</a:t>
             </a:r>
-            <a:endParaRPr lang="en-US" sz="2400" dirty="0"/>
           </a:p>
           <a:p>
             <a:endParaRPr lang="en-US" sz="2800" dirty="0">
@@ -20076,14 +16887,14 @@
           </a:p>
           <a:p>
             <a:pPr lvl="1"/>
-            <a:endParaRPr lang="en-US" sz="2400" b="1" dirty="0" smtClean="0">
+            <a:endParaRPr lang="en-US" sz="2400" b="1" dirty="0">
               <a:latin typeface="Consolas" panose="020B0609020204030204" pitchFamily="49" charset="0"/>
               <a:cs typeface="Consolas" panose="020B0609020204030204" pitchFamily="49" charset="0"/>
               <a:sym typeface="Wingdings" pitchFamily="2" charset="2"/>
             </a:endParaRPr>
           </a:p>
           <a:p>
-            <a:endParaRPr lang="en-US" sz="2800" b="1" dirty="0" smtClean="0">
+            <a:endParaRPr lang="en-US" sz="2800" b="1" dirty="0">
               <a:latin typeface="Consolas" panose="020B0609020204030204" pitchFamily="49" charset="0"/>
               <a:cs typeface="Consolas" panose="020B0609020204030204" pitchFamily="49" charset="0"/>
               <a:sym typeface="Wingdings" pitchFamily="2" charset="2"/>
@@ -20101,17 +16912,10 @@
   <p:clrMapOvr>
     <a:masterClrMapping/>
   </p:clrMapOvr>
-  <p:timing>
-    <p:tnLst>
-      <p:par>
-        <p:cTn id="1" dur="indefinite" restart="never" nodeType="tmRoot"/>
-      </p:par>
-    </p:tnLst>
-  </p:timing>
 </p:sld>
 </file>
 
-<file path=ppt/slides/slide5.xml><?xml version="1.0" encoding="utf-8"?>
+<file path=ppt/slides/slide3.xml><?xml version="1.0" encoding="utf-8"?>
 <p:sld xmlns:a="http://schemas.openxmlformats.org/drawingml/2006/main" xmlns:r="http://schemas.openxmlformats.org/officeDocument/2006/relationships" xmlns:p="http://schemas.openxmlformats.org/presentationml/2006/main">
   <p:cSld>
     <p:spTree>
@@ -20130,452 +16934,74 @@
       </p:grpSpPr>
       <p:sp>
         <p:nvSpPr>
-          <p:cNvPr id="319490" name="Rectangle 2"/>
+          <p:cNvPr id="2" name="Title 1">
+            <a:extLst>
+              <a:ext uri="{FF2B5EF4-FFF2-40B4-BE49-F238E27FC236}">
+                <a16:creationId xmlns:a16="http://schemas.microsoft.com/office/drawing/2014/main" id="{56DFEC2D-869D-4B8D-912E-66E92191CDD4}"/>
+              </a:ext>
+            </a:extLst>
+          </p:cNvPr>
           <p:cNvSpPr>
-            <a:spLocks noGrp="1" noChangeArrowheads="1"/>
+            <a:spLocks noGrp="1"/>
           </p:cNvSpPr>
           <p:nvPr>
             <p:ph type="title"/>
           </p:nvPr>
         </p:nvSpPr>
-        <p:spPr>
-          <a:xfrm>
-            <a:off x="457200" y="152400"/>
-            <a:ext cx="7467600" cy="609600"/>
-          </a:xfrm>
-        </p:spPr>
+        <p:spPr/>
         <p:txBody>
           <a:bodyPr/>
           <a:lstStyle/>
           <a:p>
             <a:r>
-              <a:rPr lang="en-US" sz="4000" dirty="0" smtClean="0"/>
-              <a:t>More </a:t>
-            </a:r>
-            <a:r>
-              <a:rPr lang="en-US" sz="4000" dirty="0"/>
-              <a:t>recursive procedures</a:t>
+              <a:rPr lang="en-US" dirty="0"/>
+              <a:t>Why don’t you try</a:t>
             </a:r>
           </a:p>
         </p:txBody>
       </p:sp>
       <p:sp>
         <p:nvSpPr>
-          <p:cNvPr id="319491" name="Rectangle 3"/>
+          <p:cNvPr id="3" name="Content Placeholder 2">
+            <a:extLst>
+              <a:ext uri="{FF2B5EF4-FFF2-40B4-BE49-F238E27FC236}">
+                <a16:creationId xmlns:a16="http://schemas.microsoft.com/office/drawing/2014/main" id="{2CE0E90F-CED2-46FA-964E-257B5302A0E4}"/>
+              </a:ext>
+            </a:extLst>
+          </p:cNvPr>
           <p:cNvSpPr>
-            <a:spLocks noGrp="1" noChangeArrowheads="1"/>
+            <a:spLocks noGrp="1"/>
           </p:cNvSpPr>
           <p:nvPr>
-            <p:ph type="body" idx="1"/>
+            <p:ph idx="1"/>
           </p:nvPr>
         </p:nvSpPr>
-        <p:spPr>
-          <a:xfrm>
-            <a:off x="0" y="762000"/>
-            <a:ext cx="8665723" cy="4876800"/>
-          </a:xfrm>
-        </p:spPr>
+        <p:spPr/>
         <p:txBody>
           <a:bodyPr/>
           <a:lstStyle/>
           <a:p>
             <a:r>
-              <a:rPr lang="en-US" b="1" dirty="0" smtClean="0"/>
-              <a:t>positives</a:t>
-            </a:r>
-            <a:endParaRPr lang="en-US" b="1" dirty="0"/>
-          </a:p>
-          <a:p>
-            <a:pPr lvl="1"/>
-            <a:r>
               <a:rPr lang="en-US" dirty="0"/>
-              <a:t>(positives ′(1 -3 6 0 2 -1 7) </a:t>
-            </a:r>
-            <a:r>
-              <a:rPr lang="en-US" dirty="0" smtClean="0"/>
-              <a:t>)</a:t>
-            </a:r>
-            <a:r>
-              <a:rPr lang="en-US" dirty="0" smtClean="0">
-                <a:sym typeface="Wingdings" pitchFamily="2" charset="2"/>
-              </a:rPr>
-              <a:t> </a:t>
-            </a:r>
-            <a:r>
-              <a:rPr lang="en-US" dirty="0">
-                <a:sym typeface="Wingdings" pitchFamily="2" charset="2"/>
-              </a:rPr>
-              <a:t>(1 6 2 7</a:t>
-            </a:r>
-            <a:r>
-              <a:rPr lang="en-US" dirty="0" smtClean="0">
-                <a:sym typeface="Wingdings" pitchFamily="2" charset="2"/>
-              </a:rPr>
-              <a:t>)</a:t>
-            </a:r>
-          </a:p>
-          <a:p>
-            <a:pPr lvl="1"/>
-            <a:r>
-              <a:rPr lang="en-US" dirty="0" smtClean="0">
-                <a:sym typeface="Wingdings" pitchFamily="2" charset="2"/>
-              </a:rPr>
-              <a:t>Write and use </a:t>
-            </a:r>
-            <a:r>
-              <a:rPr lang="en-US" sz="3200" b="1" dirty="0">
-                <a:ea typeface="+mn-ea"/>
-                <a:cs typeface="+mn-cs"/>
-                <a:sym typeface="Wingdings" pitchFamily="2" charset="2"/>
-              </a:rPr>
-              <a:t>filter-in</a:t>
-            </a:r>
-          </a:p>
-          <a:p>
-            <a:r>
-              <a:rPr lang="en-US" b="1" dirty="0" smtClean="0">
-                <a:sym typeface="Wingdings" pitchFamily="2" charset="2"/>
-              </a:rPr>
-              <a:t>sorted</a:t>
-            </a:r>
-            <a:r>
-              <a:rPr lang="en-US" b="1" dirty="0">
-                <a:sym typeface="Wingdings" pitchFamily="2" charset="2"/>
-              </a:rPr>
-              <a:t>?</a:t>
-            </a:r>
-          </a:p>
-          <a:p>
-            <a:pPr lvl="1"/>
-            <a:r>
-              <a:rPr lang="en-US" dirty="0">
-                <a:sym typeface="Wingdings" pitchFamily="2" charset="2"/>
-              </a:rPr>
-              <a:t>(sorted? </a:t>
-            </a:r>
-            <a:r>
-              <a:rPr lang="en-US" dirty="0" smtClean="0">
-                <a:sym typeface="Wingdings" pitchFamily="2" charset="2"/>
-              </a:rPr>
-              <a:t>&lt;= </a:t>
-            </a:r>
-            <a:r>
-              <a:rPr lang="en-US" dirty="0">
-                <a:sym typeface="Wingdings" pitchFamily="2" charset="2"/>
-              </a:rPr>
-              <a:t>'(3 4 2 6))  #f </a:t>
-            </a:r>
-          </a:p>
-          <a:p>
-            <a:pPr lvl="1"/>
-            <a:r>
-              <a:rPr lang="en-US" dirty="0">
-                <a:sym typeface="Wingdings" pitchFamily="2" charset="2"/>
-              </a:rPr>
-              <a:t>(sorted? </a:t>
-            </a:r>
-            <a:r>
-              <a:rPr lang="en-US" dirty="0" smtClean="0">
-                <a:sym typeface="Wingdings" pitchFamily="2" charset="2"/>
-              </a:rPr>
-              <a:t>&gt;= '(4 3 2 1)) </a:t>
-            </a:r>
-            <a:r>
-              <a:rPr lang="en-US" dirty="0">
-                <a:sym typeface="Wingdings" pitchFamily="2" charset="2"/>
-              </a:rPr>
-              <a:t> #</a:t>
-            </a:r>
-            <a:r>
-              <a:rPr lang="en-US" dirty="0" smtClean="0">
-                <a:sym typeface="Wingdings" pitchFamily="2" charset="2"/>
-              </a:rPr>
-              <a:t>t</a:t>
-            </a:r>
-            <a:endParaRPr lang="en-US" dirty="0">
-              <a:sym typeface="Wingdings" pitchFamily="2" charset="2"/>
-            </a:endParaRPr>
-          </a:p>
-        </p:txBody>
-      </p:sp>
-      <p:sp>
-        <p:nvSpPr>
-          <p:cNvPr id="4" name="TextBox 3"/>
-          <p:cNvSpPr txBox="1"/>
-          <p:nvPr/>
-        </p:nvSpPr>
-        <p:spPr>
-          <a:xfrm>
-            <a:off x="3505200" y="6172200"/>
-            <a:ext cx="5181600" cy="369332"/>
-          </a:xfrm>
-          <a:prstGeom prst="rect">
-            <a:avLst/>
-          </a:prstGeom>
-          <a:noFill/>
-        </p:spPr>
-        <p:txBody>
-          <a:bodyPr wrap="square" rtlCol="0">
-            <a:spAutoFit/>
-          </a:bodyPr>
-          <a:lstStyle/>
-          <a:p>
-            <a:endParaRPr lang="en-US" dirty="0"/>
+              <a:t>Lets go to today’s code</a:t>
+            </a:r>
           </a:p>
         </p:txBody>
       </p:sp>
     </p:spTree>
     <p:extLst>
       <p:ext uri="{BB962C8B-B14F-4D97-AF65-F5344CB8AC3E}">
-        <p14:creationId xmlns:p14="http://schemas.microsoft.com/office/powerpoint/2010/main" val="4057573925"/>
+        <p14:creationId xmlns:p14="http://schemas.microsoft.com/office/powerpoint/2010/main" val="1344803739"/>
       </p:ext>
     </p:extLst>
   </p:cSld>
   <p:clrMapOvr>
     <a:masterClrMapping/>
   </p:clrMapOvr>
-  <p:timing>
-    <p:tnLst>
-      <p:par>
-        <p:cTn id="1" dur="indefinite" restart="never" nodeType="tmRoot"/>
-      </p:par>
-    </p:tnLst>
-  </p:timing>
 </p:sld>
 </file>
 
-<file path=ppt/slides/slide6.xml><?xml version="1.0" encoding="utf-8"?>
-<p:sld xmlns:a="http://schemas.openxmlformats.org/drawingml/2006/main" xmlns:r="http://schemas.openxmlformats.org/officeDocument/2006/relationships" xmlns:p="http://schemas.openxmlformats.org/presentationml/2006/main" show="0">
-  <p:cSld>
-    <p:spTree>
-      <p:nvGrpSpPr>
-        <p:cNvPr id="1" name=""/>
-        <p:cNvGrpSpPr/>
-        <p:nvPr/>
-      </p:nvGrpSpPr>
-      <p:grpSpPr>
-        <a:xfrm>
-          <a:off x="0" y="0"/>
-          <a:ext cx="0" cy="0"/>
-          <a:chOff x="0" y="0"/>
-          <a:chExt cx="0" cy="0"/>
-        </a:xfrm>
-      </p:grpSpPr>
-      <p:sp>
-        <p:nvSpPr>
-          <p:cNvPr id="13314" name="Text Box 5"/>
-          <p:cNvSpPr txBox="1">
-            <a:spLocks noChangeArrowheads="1"/>
-          </p:cNvSpPr>
-          <p:nvPr/>
-        </p:nvSpPr>
-        <p:spPr bwMode="auto">
-          <a:xfrm>
-            <a:off x="304800" y="457200"/>
-            <a:ext cx="7391400" cy="366713"/>
-          </a:xfrm>
-          <a:prstGeom prst="rect">
-            <a:avLst/>
-          </a:prstGeom>
-          <a:noFill/>
-          <a:ln w="9525">
-            <a:noFill/>
-            <a:miter lim="800000"/>
-            <a:headEnd/>
-            <a:tailEnd/>
-          </a:ln>
-        </p:spPr>
-        <p:txBody>
-          <a:bodyPr>
-            <a:spAutoFit/>
-          </a:bodyPr>
-          <a:lstStyle/>
-          <a:p>
-            <a:pPr>
-              <a:spcBef>
-                <a:spcPct val="50000"/>
-              </a:spcBef>
-            </a:pPr>
-            <a:endParaRPr lang="en-US"/>
-          </a:p>
-        </p:txBody>
-      </p:sp>
-      <p:sp>
-        <p:nvSpPr>
-          <p:cNvPr id="13315" name="Text Box 6"/>
-          <p:cNvSpPr txBox="1">
-            <a:spLocks noChangeArrowheads="1"/>
-          </p:cNvSpPr>
-          <p:nvPr/>
-        </p:nvSpPr>
-        <p:spPr bwMode="auto">
-          <a:xfrm>
-            <a:off x="990600" y="1219200"/>
-            <a:ext cx="8153400" cy="2308324"/>
-          </a:xfrm>
-          <a:prstGeom prst="rect">
-            <a:avLst/>
-          </a:prstGeom>
-          <a:noFill/>
-          <a:ln w="9525">
-            <a:noFill/>
-            <a:miter lim="800000"/>
-            <a:headEnd/>
-            <a:tailEnd/>
-          </a:ln>
-        </p:spPr>
-        <p:txBody>
-          <a:bodyPr>
-            <a:spAutoFit/>
-          </a:bodyPr>
-          <a:lstStyle/>
-          <a:p>
-            <a:r>
-              <a:rPr lang="en-US" sz="2400" b="1" dirty="0" smtClean="0">
-                <a:latin typeface="Courier New" pitchFamily="49" charset="0"/>
-              </a:rPr>
-              <a:t>(define sorted</a:t>
-            </a:r>
-            <a:r>
-              <a:rPr lang="en-US" sz="2400" b="1" dirty="0">
-                <a:latin typeface="Courier New" pitchFamily="49" charset="0"/>
-              </a:rPr>
-              <a:t>? </a:t>
-            </a:r>
-          </a:p>
-          <a:p>
-            <a:r>
-              <a:rPr lang="en-US" sz="2400" b="1" dirty="0">
-                <a:latin typeface="Courier New" pitchFamily="49" charset="0"/>
-              </a:rPr>
-              <a:t>  (lambda (numbers) </a:t>
-            </a:r>
-          </a:p>
-          <a:p>
-            <a:r>
-              <a:rPr lang="en-US" sz="2400" b="1" dirty="0">
-                <a:latin typeface="Courier New" pitchFamily="49" charset="0"/>
-              </a:rPr>
-              <a:t>   (or (&lt; (length numbers) 2) </a:t>
-            </a:r>
-            <a:endParaRPr lang="en-US" sz="2400" b="1" dirty="0" smtClean="0">
-              <a:latin typeface="Courier New" pitchFamily="49" charset="0"/>
-            </a:endParaRPr>
-          </a:p>
-          <a:p>
-            <a:r>
-              <a:rPr lang="en-US" sz="2400" b="1" dirty="0">
-                <a:latin typeface="Courier New" pitchFamily="49" charset="0"/>
-              </a:rPr>
-              <a:t> </a:t>
-            </a:r>
-            <a:r>
-              <a:rPr lang="en-US" sz="2400" b="1" dirty="0" smtClean="0">
-                <a:latin typeface="Courier New" pitchFamily="49" charset="0"/>
-              </a:rPr>
-              <a:t>     </a:t>
-            </a:r>
-            <a:r>
-              <a:rPr lang="en-US" sz="2400" b="1" dirty="0" smtClean="0">
-                <a:solidFill>
-                  <a:srgbClr val="FFFF00"/>
-                </a:solidFill>
-                <a:latin typeface="Courier New" pitchFamily="49" charset="0"/>
-              </a:rPr>
-              <a:t>; </a:t>
-            </a:r>
-            <a:r>
-              <a:rPr lang="en-US" sz="2400" b="1" dirty="0">
-                <a:solidFill>
-                  <a:srgbClr val="FFFF00"/>
-                </a:solidFill>
-                <a:latin typeface="Courier New" pitchFamily="49" charset="0"/>
-              </a:rPr>
-              <a:t>why is </a:t>
-            </a:r>
-            <a:r>
-              <a:rPr lang="en-US" sz="2400" b="1" dirty="0" smtClean="0">
-                <a:solidFill>
-                  <a:srgbClr val="FFFF00"/>
-                </a:solidFill>
-                <a:latin typeface="Courier New" pitchFamily="49" charset="0"/>
-              </a:rPr>
-              <a:t>the above </a:t>
-            </a:r>
-            <a:r>
-              <a:rPr lang="en-US" sz="2400" b="1" dirty="0">
-                <a:solidFill>
-                  <a:srgbClr val="FFFF00"/>
-                </a:solidFill>
-                <a:latin typeface="Courier New" pitchFamily="49" charset="0"/>
-              </a:rPr>
-              <a:t>a bad idea?</a:t>
-            </a:r>
-          </a:p>
-          <a:p>
-            <a:r>
-              <a:rPr lang="en-US" sz="2400" b="1" dirty="0">
-                <a:latin typeface="Courier New" pitchFamily="49" charset="0"/>
-              </a:rPr>
-              <a:t>     (and (&lt;= (car numbers) (</a:t>
-            </a:r>
-            <a:r>
-              <a:rPr lang="en-US" sz="2400" b="1" dirty="0" err="1">
-                <a:latin typeface="Courier New" pitchFamily="49" charset="0"/>
-              </a:rPr>
-              <a:t>cadr</a:t>
-            </a:r>
-            <a:r>
-              <a:rPr lang="en-US" sz="2400" b="1" dirty="0">
-                <a:latin typeface="Courier New" pitchFamily="49" charset="0"/>
-              </a:rPr>
-              <a:t> numbers)) </a:t>
-            </a:r>
-          </a:p>
-          <a:p>
-            <a:r>
-              <a:rPr lang="en-US" sz="2400" b="1" dirty="0">
-                <a:latin typeface="Courier New" pitchFamily="49" charset="0"/>
-              </a:rPr>
-              <a:t>          (sorted? (</a:t>
-            </a:r>
-            <a:r>
-              <a:rPr lang="en-US" sz="2400" b="1" dirty="0" err="1">
-                <a:latin typeface="Courier New" pitchFamily="49" charset="0"/>
-              </a:rPr>
-              <a:t>cdr</a:t>
-            </a:r>
-            <a:r>
-              <a:rPr lang="en-US" sz="2400" b="1" dirty="0">
-                <a:latin typeface="Courier New" pitchFamily="49" charset="0"/>
-              </a:rPr>
-              <a:t> numbers))))))</a:t>
-            </a:r>
-          </a:p>
-        </p:txBody>
-      </p:sp>
-    </p:spTree>
-    <p:extLst>
-      <p:ext uri="{BB962C8B-B14F-4D97-AF65-F5344CB8AC3E}">
-        <p14:creationId xmlns:p14="http://schemas.microsoft.com/office/powerpoint/2010/main" val="673631348"/>
-      </p:ext>
-    </p:extLst>
-  </p:cSld>
-  <p:clrMapOvr>
-    <a:masterClrMapping/>
-  </p:clrMapOvr>
-  <p:transition/>
-  <p:timing>
-    <p:tnLst>
-      <p:par>
-        <p:cTn id="1" dur="indefinite" restart="never" nodeType="tmRoot"/>
-      </p:par>
-    </p:tnLst>
-  </p:timing>
-</p:sld>
-</file>
-
-<file path=ppt/slides/slide7.xml><?xml version="1.0" encoding="utf-8"?>
+<file path=ppt/slides/slide4.xml><?xml version="1.0" encoding="utf-8"?>
 <p:sld xmlns:a="http://schemas.openxmlformats.org/drawingml/2006/main" xmlns:r="http://schemas.openxmlformats.org/officeDocument/2006/relationships" xmlns:p="http://schemas.openxmlformats.org/presentationml/2006/main" showMasterPhAnim="0">
   <p:cSld>
     <p:spTree>
@@ -20614,10 +17040,10 @@
           <a:p>
             <a:pPr eaLnBrk="1" hangingPunct="1"/>
             <a:r>
-              <a:rPr lang="en-US" sz="4000" b="1" smtClean="0"/>
+              <a:rPr lang="en-US" sz="4000" b="1"/>
               <a:t>apply</a:t>
             </a:r>
-            <a:endParaRPr lang="en-US" sz="4000" smtClean="0"/>
+            <a:endParaRPr lang="en-US" sz="4000"/>
           </a:p>
         </p:txBody>
       </p:sp>
@@ -20649,11 +17075,11 @@
               <a:buNone/>
             </a:pPr>
             <a:r>
-              <a:rPr lang="en-US" dirty="0" smtClean="0"/>
+              <a:rPr lang="en-US" dirty="0"/>
               <a:t>What if a procedure expects a number of </a:t>
             </a:r>
             <a:r>
-              <a:rPr lang="en-US" dirty="0" smtClean="0">
+              <a:rPr lang="en-US" dirty="0">
                 <a:solidFill>
                   <a:srgbClr val="FFFF00"/>
                 </a:solidFill>
@@ -20661,11 +17087,11 @@
               <a:t>individual arguments</a:t>
             </a:r>
             <a:r>
-              <a:rPr lang="en-US" dirty="0" smtClean="0"/>
+              <a:rPr lang="en-US" dirty="0"/>
               <a:t>, but we actually have the things that should be its arguments in a </a:t>
             </a:r>
             <a:r>
-              <a:rPr lang="en-US" dirty="0" smtClean="0">
+              <a:rPr lang="en-US" dirty="0">
                 <a:solidFill>
                   <a:srgbClr val="FFFF00"/>
                 </a:solidFill>
@@ -20673,7 +17099,7 @@
               <a:t>list</a:t>
             </a:r>
             <a:r>
-              <a:rPr lang="en-US" dirty="0" smtClean="0"/>
+              <a:rPr lang="en-US" dirty="0"/>
               <a:t>?</a:t>
             </a:r>
           </a:p>
@@ -20686,7 +17112,7 @@
               <a:buNone/>
             </a:pPr>
             <a:r>
-              <a:rPr lang="en-US" dirty="0" smtClean="0"/>
+              <a:rPr lang="en-US" dirty="0"/>
               <a:t>We’d like to write </a:t>
             </a:r>
           </a:p>
@@ -20699,11 +17125,11 @@
               <a:buNone/>
             </a:pPr>
             <a:r>
-              <a:rPr lang="en-US" dirty="0" smtClean="0"/>
+              <a:rPr lang="en-US" dirty="0"/>
               <a:t>  </a:t>
             </a:r>
             <a:r>
-              <a:rPr lang="en-US" sz="2800" b="1" dirty="0" smtClean="0">
+              <a:rPr lang="en-US" sz="2800" b="1" dirty="0">
                 <a:solidFill>
                   <a:srgbClr val="FFFF00"/>
                 </a:solidFill>
@@ -20721,7 +17147,7 @@
               <a:buNone/>
             </a:pPr>
             <a:r>
-              <a:rPr lang="en-US" dirty="0" smtClean="0"/>
+              <a:rPr lang="en-US" dirty="0"/>
               <a:t>but + doesn’t expect a list of arguments.  </a:t>
             </a:r>
           </a:p>
@@ -20734,7 +17160,7 @@
               <a:buNone/>
             </a:pPr>
             <a:r>
-              <a:rPr lang="en-US" dirty="0" smtClean="0"/>
+              <a:rPr lang="en-US" dirty="0"/>
               <a:t>So we write</a:t>
             </a:r>
           </a:p>
@@ -20747,7 +17173,7 @@
               <a:buNone/>
             </a:pPr>
             <a:r>
-              <a:rPr lang="en-US" sz="2800" b="1" dirty="0" smtClean="0">
+              <a:rPr lang="en-US" sz="2800" b="1" dirty="0">
                 <a:solidFill>
                   <a:srgbClr val="FFFF00"/>
                 </a:solidFill>
@@ -20765,65 +17191,65 @@
               <a:buNone/>
             </a:pPr>
             <a:r>
-              <a:rPr lang="en-US" sz="2400" b="1" dirty="0" smtClean="0">
+              <a:rPr lang="en-US" sz="2400" b="1" dirty="0">
                 <a:latin typeface="Courier New" pitchFamily="49" charset="0"/>
               </a:rPr>
               <a:t>     </a:t>
             </a:r>
             <a:r>
-              <a:rPr lang="en-US" sz="2400" b="1" dirty="0" smtClean="0"/>
+              <a:rPr lang="en-US" sz="2400" b="1" dirty="0"/>
               <a:t>Application of </a:t>
             </a:r>
             <a:r>
-              <a:rPr lang="en-US" sz="2400" dirty="0" smtClean="0">
+              <a:rPr lang="en-US" sz="2400" dirty="0">
                 <a:latin typeface="Courier New" pitchFamily="49" charset="0"/>
               </a:rPr>
               <a:t>apply</a:t>
             </a:r>
             <a:r>
-              <a:rPr lang="en-US" sz="2400" b="1" dirty="0" smtClean="0"/>
+              <a:rPr lang="en-US" sz="2400" b="1" dirty="0"/>
               <a:t> is like </a:t>
             </a:r>
             <a:r>
-              <a:rPr lang="en-US" sz="2400" b="1" dirty="0" err="1" smtClean="0">
+              <a:rPr lang="en-US" sz="2400" b="1" dirty="0" err="1">
                 <a:latin typeface="Courier New" pitchFamily="49" charset="0"/>
               </a:rPr>
               <a:t>cons</a:t>
             </a:r>
             <a:r>
-              <a:rPr lang="en-US" sz="2400" b="1" dirty="0" err="1" smtClean="0"/>
+              <a:rPr lang="en-US" sz="2400" b="1" dirty="0" err="1"/>
               <a:t>ing</a:t>
             </a:r>
             <a:r>
-              <a:rPr lang="en-US" sz="2400" b="1" dirty="0" smtClean="0"/>
+              <a:rPr lang="en-US" sz="2400" b="1" dirty="0"/>
               <a:t> </a:t>
             </a:r>
             <a:r>
-              <a:rPr lang="en-US" sz="2000" b="1" dirty="0" err="1" smtClean="0">
+              <a:rPr lang="en-US" sz="2000" b="1" dirty="0" err="1">
                 <a:latin typeface="Courier New" pitchFamily="49" charset="0"/>
               </a:rPr>
               <a:t>apply</a:t>
             </a:r>
             <a:r>
-              <a:rPr lang="en-US" sz="2400" b="1" dirty="0" err="1" smtClean="0"/>
+              <a:rPr lang="en-US" sz="2400" b="1" dirty="0" err="1"/>
               <a:t>’s</a:t>
             </a:r>
             <a:r>
-              <a:rPr lang="en-US" sz="2400" b="1" dirty="0" smtClean="0"/>
+              <a:rPr lang="en-US" sz="2400" b="1" dirty="0"/>
               <a:t> </a:t>
             </a:r>
             <a:br>
-              <a:rPr lang="en-US" sz="2400" b="1" dirty="0" smtClean="0"/>
+              <a:rPr lang="en-US" sz="2400" b="1" dirty="0"/>
             </a:br>
             <a:r>
-              <a:rPr lang="en-US" sz="2400" b="1" dirty="0" smtClean="0"/>
+              <a:rPr lang="en-US" sz="2400" b="1" dirty="0"/>
               <a:t>      first argument onto the list that is its</a:t>
             </a:r>
             <a:br>
-              <a:rPr lang="en-US" sz="2400" b="1" dirty="0" smtClean="0"/>
+              <a:rPr lang="en-US" sz="2400" b="1" dirty="0"/>
             </a:br>
             <a:r>
-              <a:rPr lang="en-US" sz="2400" b="1" dirty="0" smtClean="0"/>
+              <a:rPr lang="en-US" sz="2400" b="1" dirty="0"/>
               <a:t>      second argument, and then evaluating.</a:t>
             </a:r>
           </a:p>
@@ -20867,33 +17293,8 @@
                 </a:effectLst>
                 <a:latin typeface="+mn-lt"/>
               </a:rPr>
-              <a:t>More on map and apply </a:t>
-            </a:r>
-            <a:r>
-              <a:rPr lang="en-US" sz="2400" dirty="0" smtClean="0">
-                <a:solidFill>
-                  <a:srgbClr val="FFFF00"/>
-                </a:solidFill>
-                <a:effectLst>
-                  <a:outerShdw blurRad="38100" dist="38100" dir="2700000" algn="tl">
-                    <a:srgbClr val="000000"/>
-                  </a:outerShdw>
-                </a:effectLst>
-                <a:latin typeface="+mn-lt"/>
-              </a:rPr>
-              <a:t>soon</a:t>
-            </a:r>
-            <a:endParaRPr lang="en-US" sz="2400" dirty="0">
-              <a:solidFill>
-                <a:srgbClr val="FFFF00"/>
-              </a:solidFill>
-              <a:effectLst>
-                <a:outerShdw blurRad="38100" dist="38100" dir="2700000" algn="tl">
-                  <a:srgbClr val="000000"/>
-                </a:outerShdw>
-              </a:effectLst>
-              <a:latin typeface="+mn-lt"/>
-            </a:endParaRPr>
+              <a:t>More on map and apply soon</a:t>
+            </a:r>
           </a:p>
         </p:txBody>
       </p:sp>
@@ -21289,7 +17690,7 @@
 </p:sld>
 </file>
 
-<file path=ppt/slides/slide8.xml><?xml version="1.0" encoding="utf-8"?>
+<file path=ppt/slides/slide5.xml><?xml version="1.0" encoding="utf-8"?>
 <p:sld xmlns:a="http://schemas.openxmlformats.org/drawingml/2006/main" xmlns:r="http://schemas.openxmlformats.org/officeDocument/2006/relationships" xmlns:p="http://schemas.openxmlformats.org/presentationml/2006/main">
   <p:cSld>
     <p:spTree>
@@ -21328,11 +17729,11 @@
           <a:p>
             <a:pPr eaLnBrk="1" hangingPunct="1"/>
             <a:r>
-              <a:rPr lang="en-US" sz="4000" b="1" dirty="0" smtClean="0"/>
+              <a:rPr lang="en-US" sz="4000" b="1" dirty="0"/>
               <a:t>lambda</a:t>
             </a:r>
             <a:r>
-              <a:rPr lang="en-US" sz="4000" dirty="0" smtClean="0"/>
+              <a:rPr lang="en-US" sz="4000" dirty="0"/>
               <a:t> with an improper list of arguments</a:t>
             </a:r>
           </a:p>
@@ -21360,14 +17761,14 @@
           <a:p>
             <a:pPr eaLnBrk="1" hangingPunct="1"/>
             <a:r>
-              <a:rPr lang="en-US" sz="2800" dirty="0" smtClean="0"/>
+              <a:rPr lang="en-US" sz="2800" dirty="0"/>
               <a:t>Used when procedure expects a variable number of arguments.</a:t>
             </a:r>
           </a:p>
           <a:p>
             <a:pPr lvl="1" eaLnBrk="1" hangingPunct="1"/>
             <a:r>
-              <a:rPr lang="en-US" b="1" dirty="0" smtClean="0">
+              <a:rPr lang="en-US" b="1" dirty="0">
                 <a:solidFill>
                   <a:srgbClr val="FFFF00"/>
                 </a:solidFill>
@@ -21375,7 +17776,7 @@
               <a:t>(lambda x </a:t>
             </a:r>
             <a:r>
-              <a:rPr lang="en-US" b="1" i="1" dirty="0" smtClean="0">
+              <a:rPr lang="en-US" b="1" i="1" dirty="0">
                 <a:solidFill>
                   <a:srgbClr val="FFFF00"/>
                 </a:solidFill>
@@ -21386,29 +17787,29 @@
           <a:p>
             <a:pPr lvl="2" eaLnBrk="1" hangingPunct="1"/>
             <a:r>
-              <a:rPr lang="en-US" dirty="0" smtClean="0"/>
+              <a:rPr lang="en-US" dirty="0"/>
               <a:t>when the resulting procedure is applied, all of the arguments are placed into a list and bound to x.</a:t>
             </a:r>
             <a:br>
-              <a:rPr lang="en-US" dirty="0" smtClean="0"/>
+              <a:rPr lang="en-US" dirty="0"/>
             </a:br>
             <a:r>
-              <a:rPr lang="en-US" dirty="0" smtClean="0"/>
+              <a:rPr lang="en-US" dirty="0"/>
               <a:t>Then </a:t>
             </a:r>
             <a:r>
-              <a:rPr lang="en-US" b="1" dirty="0" smtClean="0"/>
+              <a:rPr lang="en-US" b="1" dirty="0"/>
               <a:t>body</a:t>
             </a:r>
             <a:r>
-              <a:rPr lang="en-US" dirty="0" smtClean="0"/>
+              <a:rPr lang="en-US" dirty="0"/>
               <a:t> is evaluated. </a:t>
             </a:r>
           </a:p>
           <a:p>
             <a:pPr lvl="1" eaLnBrk="1" hangingPunct="1"/>
             <a:r>
-              <a:rPr lang="en-US" b="1" dirty="0" smtClean="0">
+              <a:rPr lang="en-US" b="1" dirty="0">
                 <a:solidFill>
                   <a:srgbClr val="FFFF00"/>
                 </a:solidFill>
@@ -21416,7 +17817,7 @@
               <a:t>(lambda (x y . z) </a:t>
             </a:r>
             <a:r>
-              <a:rPr lang="en-US" b="1" i="1" dirty="0" smtClean="0">
+              <a:rPr lang="en-US" b="1" i="1" dirty="0">
                 <a:solidFill>
                   <a:srgbClr val="FFFF00"/>
                 </a:solidFill>
@@ -21427,26 +17828,26 @@
           <a:p>
             <a:pPr lvl="3" eaLnBrk="1" hangingPunct="1"/>
             <a:r>
-              <a:rPr lang="en-US" sz="2400" dirty="0" smtClean="0"/>
+              <a:rPr lang="en-US" sz="2400" dirty="0"/>
               <a:t>when the resulting procedure is applied, the first two arguments are bound to x and y, </a:t>
             </a:r>
           </a:p>
           <a:p>
             <a:pPr lvl="3" eaLnBrk="1" hangingPunct="1"/>
             <a:r>
-              <a:rPr lang="en-US" sz="2400" dirty="0" smtClean="0"/>
+              <a:rPr lang="en-US" sz="2400" dirty="0"/>
               <a:t>any remaining  arguments are placed into a list and bound to z. Then </a:t>
             </a:r>
             <a:r>
-              <a:rPr lang="en-US" sz="2400" b="1" dirty="0" smtClean="0"/>
+              <a:rPr lang="en-US" sz="2400" b="1" dirty="0"/>
               <a:t>body</a:t>
             </a:r>
             <a:r>
-              <a:rPr lang="en-US" sz="2400" dirty="0" smtClean="0"/>
+              <a:rPr lang="en-US" sz="2400" dirty="0"/>
               <a:t> is evaluated.</a:t>
             </a:r>
             <a:r>
-              <a:rPr lang="en-US" dirty="0" smtClean="0"/>
+              <a:rPr lang="en-US" dirty="0"/>
               <a:t> </a:t>
             </a:r>
           </a:p>
@@ -21475,10 +17876,9 @@
           <a:lstStyle/>
           <a:p>
             <a:r>
-              <a:rPr lang="en-US" dirty="0" smtClean="0"/>
+              <a:rPr lang="en-US" dirty="0"/>
               <a:t>Q1</a:t>
             </a:r>
-            <a:endParaRPr lang="en-US" dirty="0"/>
           </a:p>
         </p:txBody>
       </p:sp>
@@ -21981,7 +18381,7 @@
 </p:sld>
 </file>
 
-<file path=ppt/slides/slide9.xml><?xml version="1.0" encoding="utf-8"?>
+<file path=ppt/slides/slide6.xml><?xml version="1.0" encoding="utf-8"?>
 <p:sld xmlns:a="http://schemas.openxmlformats.org/drawingml/2006/main" xmlns:r="http://schemas.openxmlformats.org/officeDocument/2006/relationships" xmlns:p="http://schemas.openxmlformats.org/presentationml/2006/main">
   <p:cSld>
     <p:spTree>
@@ -22106,12 +18506,529 @@
   <p:clrMapOvr>
     <a:masterClrMapping/>
   </p:clrMapOvr>
+</p:sld>
+</file>
+
+<file path=ppt/slides/slide7.xml><?xml version="1.0" encoding="utf-8"?>
+<p:sld xmlns:a="http://schemas.openxmlformats.org/drawingml/2006/main" xmlns:r="http://schemas.openxmlformats.org/officeDocument/2006/relationships" xmlns:p="http://schemas.openxmlformats.org/presentationml/2006/main">
+  <p:cSld>
+    <p:spTree>
+      <p:nvGrpSpPr>
+        <p:cNvPr id="1" name=""/>
+        <p:cNvGrpSpPr/>
+        <p:nvPr/>
+      </p:nvGrpSpPr>
+      <p:grpSpPr>
+        <a:xfrm>
+          <a:off x="0" y="0"/>
+          <a:ext cx="0" cy="0"/>
+          <a:chOff x="0" y="0"/>
+          <a:chExt cx="0" cy="0"/>
+        </a:xfrm>
+      </p:grpSpPr>
+      <p:sp>
+        <p:nvSpPr>
+          <p:cNvPr id="297986" name="Rectangle 2"/>
+          <p:cNvSpPr>
+            <a:spLocks noGrp="1" noChangeArrowheads="1"/>
+          </p:cNvSpPr>
+          <p:nvPr>
+            <p:ph type="title"/>
+          </p:nvPr>
+        </p:nvSpPr>
+        <p:spPr/>
+        <p:txBody>
+          <a:bodyPr/>
+          <a:lstStyle/>
+          <a:p>
+            <a:r>
+              <a:rPr lang="en-US" b="1" dirty="0"/>
+              <a:t>lambda</a:t>
+            </a:r>
+            <a:r>
+              <a:rPr lang="en-US" dirty="0"/>
+              <a:t> the magnificent</a:t>
+            </a:r>
+            <a:br>
+              <a:rPr lang="en-US" dirty="0"/>
+            </a:br>
+            <a:r>
+              <a:rPr lang="en-US" dirty="0"/>
+              <a:t>review and summary</a:t>
+            </a:r>
+          </a:p>
+        </p:txBody>
+      </p:sp>
+      <p:sp>
+        <p:nvSpPr>
+          <p:cNvPr id="297987" name="Rectangle 3"/>
+          <p:cNvSpPr>
+            <a:spLocks noGrp="1" noChangeArrowheads="1"/>
+          </p:cNvSpPr>
+          <p:nvPr>
+            <p:ph type="body" sz="half" idx="1"/>
+          </p:nvPr>
+        </p:nvSpPr>
+        <p:spPr>
+          <a:xfrm>
+            <a:off x="457200" y="1600200"/>
+            <a:ext cx="8534400" cy="2438400"/>
+          </a:xfrm>
+        </p:spPr>
+        <p:txBody>
+          <a:bodyPr/>
+          <a:lstStyle/>
+          <a:p>
+            <a:pPr>
+              <a:lnSpc>
+                <a:spcPct val="80000"/>
+              </a:lnSpc>
+            </a:pPr>
+            <a:r>
+              <a:rPr lang="en-US" sz="2400" b="1"/>
+              <a:t>Lambda</a:t>
+            </a:r>
+            <a:r>
+              <a:rPr lang="en-US" sz="2400"/>
+              <a:t> is the “function-maker”.  </a:t>
+            </a:r>
+            <a:r>
+              <a:rPr lang="en-US" sz="2400" b="1"/>
+              <a:t>define</a:t>
+            </a:r>
+            <a:r>
+              <a:rPr lang="en-US" sz="2400"/>
+              <a:t> is the “variable-assigner”.  There is no special connection between the two:</a:t>
+            </a:r>
+            <a:br>
+              <a:rPr lang="en-US" sz="2400"/>
+            </a:br>
+            <a:endParaRPr lang="en-US" sz="2400"/>
+          </a:p>
+          <a:p>
+            <a:pPr>
+              <a:lnSpc>
+                <a:spcPct val="80000"/>
+              </a:lnSpc>
+            </a:pPr>
+            <a:endParaRPr lang="en-US" sz="2400"/>
+          </a:p>
+          <a:p>
+            <a:pPr lvl="1">
+              <a:lnSpc>
+                <a:spcPct val="80000"/>
+              </a:lnSpc>
+            </a:pPr>
+            <a:r>
+              <a:rPr lang="en-US" sz="2400"/>
+              <a:t>We can store procedures in a data structure without naming them:</a:t>
+            </a:r>
+          </a:p>
+        </p:txBody>
+      </p:sp>
+      <p:pic>
+        <p:nvPicPr>
+          <p:cNvPr id="297989" name="Picture 5"/>
+          <p:cNvPicPr>
+            <a:picLocks noGrp="1" noChangeAspect="1" noChangeArrowheads="1"/>
+          </p:cNvPicPr>
+          <p:nvPr>
+            <p:ph sz="quarter" idx="2"/>
+          </p:nvPr>
+        </p:nvPicPr>
+        <p:blipFill>
+          <a:blip r:embed="rId3" cstate="print"/>
+          <a:srcRect/>
+          <a:stretch>
+            <a:fillRect/>
+          </a:stretch>
+        </p:blipFill>
+        <p:spPr>
+          <a:xfrm>
+            <a:off x="1066800" y="2590800"/>
+            <a:ext cx="6096000" cy="647700"/>
+          </a:xfrm>
+          <a:noFill/>
+          <a:ln/>
+        </p:spPr>
+      </p:pic>
+      <p:pic>
+        <p:nvPicPr>
+          <p:cNvPr id="297991" name="Picture 7"/>
+          <p:cNvPicPr>
+            <a:picLocks noGrp="1" noChangeAspect="1" noChangeArrowheads="1"/>
+          </p:cNvPicPr>
+          <p:nvPr>
+            <p:ph sz="quarter" idx="3"/>
+          </p:nvPr>
+        </p:nvPicPr>
+        <p:blipFill>
+          <a:blip r:embed="rId4" cstate="print"/>
+          <a:srcRect/>
+          <a:stretch>
+            <a:fillRect/>
+          </a:stretch>
+        </p:blipFill>
+        <p:spPr>
+          <a:xfrm>
+            <a:off x="838200" y="4038600"/>
+            <a:ext cx="7467600" cy="2603500"/>
+          </a:xfrm>
+          <a:noFill/>
+          <a:ln/>
+        </p:spPr>
+      </p:pic>
+    </p:spTree>
+  </p:cSld>
+  <p:clrMapOvr>
+    <a:masterClrMapping/>
+  </p:clrMapOvr>
+</p:sld>
+</file>
+
+<file path=ppt/slides/slide8.xml><?xml version="1.0" encoding="utf-8"?>
+<p:sld xmlns:a="http://schemas.openxmlformats.org/drawingml/2006/main" xmlns:r="http://schemas.openxmlformats.org/officeDocument/2006/relationships" xmlns:p="http://schemas.openxmlformats.org/presentationml/2006/main">
+  <p:cSld>
+    <p:spTree>
+      <p:nvGrpSpPr>
+        <p:cNvPr id="1" name=""/>
+        <p:cNvGrpSpPr/>
+        <p:nvPr/>
+      </p:nvGrpSpPr>
+      <p:grpSpPr>
+        <a:xfrm>
+          <a:off x="0" y="0"/>
+          <a:ext cx="0" cy="0"/>
+          <a:chOff x="0" y="0"/>
+          <a:chExt cx="0" cy="0"/>
+        </a:xfrm>
+      </p:grpSpPr>
+      <p:sp>
+        <p:nvSpPr>
+          <p:cNvPr id="310274" name="Rectangle 2"/>
+          <p:cNvSpPr>
+            <a:spLocks noGrp="1" noChangeArrowheads="1"/>
+          </p:cNvSpPr>
+          <p:nvPr>
+            <p:ph type="title"/>
+          </p:nvPr>
+        </p:nvSpPr>
+        <p:spPr/>
+        <p:txBody>
+          <a:bodyPr/>
+          <a:lstStyle/>
+          <a:p>
+            <a:r>
+              <a:rPr lang="en-US" b="1"/>
+              <a:t>lambda</a:t>
+            </a:r>
+            <a:r>
+              <a:rPr lang="en-US"/>
+              <a:t> the magnificent</a:t>
+            </a:r>
+          </a:p>
+        </p:txBody>
+      </p:sp>
+      <p:sp>
+        <p:nvSpPr>
+          <p:cNvPr id="310275" name="Rectangle 3"/>
+          <p:cNvSpPr>
+            <a:spLocks noGrp="1" noChangeArrowheads="1"/>
+          </p:cNvSpPr>
+          <p:nvPr>
+            <p:ph type="body" sz="half" idx="1"/>
+          </p:nvPr>
+        </p:nvSpPr>
+        <p:spPr>
+          <a:xfrm>
+            <a:off x="228600" y="1828800"/>
+            <a:ext cx="8382000" cy="2057400"/>
+          </a:xfrm>
+        </p:spPr>
+        <p:txBody>
+          <a:bodyPr/>
+          <a:lstStyle/>
+          <a:p>
+            <a:r>
+              <a:rPr lang="en-US" dirty="0"/>
+              <a:t>We can pass a procedure as an argument to another procedure:</a:t>
+            </a:r>
+          </a:p>
+        </p:txBody>
+      </p:sp>
+      <p:pic>
+        <p:nvPicPr>
+          <p:cNvPr id="310280" name="Picture 8"/>
+          <p:cNvPicPr>
+            <a:picLocks noGrp="1" noChangeAspect="1" noChangeArrowheads="1"/>
+          </p:cNvPicPr>
+          <p:nvPr>
+            <p:ph sz="half" idx="2"/>
+          </p:nvPr>
+        </p:nvPicPr>
+        <p:blipFill>
+          <a:blip r:embed="rId3" cstate="print"/>
+          <a:srcRect/>
+          <a:stretch>
+            <a:fillRect/>
+          </a:stretch>
+        </p:blipFill>
+        <p:spPr>
+          <a:xfrm>
+            <a:off x="457200" y="3657600"/>
+            <a:ext cx="7543800" cy="849313"/>
+          </a:xfrm>
+          <a:noFill/>
+          <a:ln/>
+        </p:spPr>
+      </p:pic>
+    </p:spTree>
+  </p:cSld>
+  <p:clrMapOvr>
+    <a:masterClrMapping/>
+  </p:clrMapOvr>
+</p:sld>
+</file>
+
+<file path=ppt/slides/slide9.xml><?xml version="1.0" encoding="utf-8"?>
+<p:sld xmlns:a="http://schemas.openxmlformats.org/drawingml/2006/main" xmlns:r="http://schemas.openxmlformats.org/officeDocument/2006/relationships" xmlns:p="http://schemas.openxmlformats.org/presentationml/2006/main">
+  <p:cSld>
+    <p:spTree>
+      <p:nvGrpSpPr>
+        <p:cNvPr id="1" name=""/>
+        <p:cNvGrpSpPr/>
+        <p:nvPr/>
+      </p:nvGrpSpPr>
+      <p:grpSpPr>
+        <a:xfrm>
+          <a:off x="0" y="0"/>
+          <a:ext cx="0" cy="0"/>
+          <a:chOff x="0" y="0"/>
+          <a:chExt cx="0" cy="0"/>
+        </a:xfrm>
+      </p:grpSpPr>
+      <p:sp>
+        <p:nvSpPr>
+          <p:cNvPr id="311298" name="Rectangle 2"/>
+          <p:cNvSpPr>
+            <a:spLocks noGrp="1" noChangeArrowheads="1"/>
+          </p:cNvSpPr>
+          <p:nvPr>
+            <p:ph type="title"/>
+          </p:nvPr>
+        </p:nvSpPr>
+        <p:spPr/>
+        <p:txBody>
+          <a:bodyPr/>
+          <a:lstStyle/>
+          <a:p>
+            <a:r>
+              <a:rPr lang="en-US" b="1"/>
+              <a:t>lambda</a:t>
+            </a:r>
+            <a:r>
+              <a:rPr lang="en-US"/>
+              <a:t> the magnificent</a:t>
+            </a:r>
+          </a:p>
+        </p:txBody>
+      </p:sp>
+      <p:sp>
+        <p:nvSpPr>
+          <p:cNvPr id="311299" name="Rectangle 3"/>
+          <p:cNvSpPr>
+            <a:spLocks noGrp="1" noChangeArrowheads="1"/>
+          </p:cNvSpPr>
+          <p:nvPr>
+            <p:ph type="body" sz="half" idx="1"/>
+          </p:nvPr>
+        </p:nvSpPr>
+        <p:spPr>
+          <a:xfrm>
+            <a:off x="457200" y="1219200"/>
+            <a:ext cx="7924800" cy="1447800"/>
+          </a:xfrm>
+        </p:spPr>
+        <p:txBody>
+          <a:bodyPr/>
+          <a:lstStyle/>
+          <a:p>
+            <a:r>
+              <a:rPr lang="en-US" dirty="0"/>
+              <a:t>We can create a new procedure and return it. </a:t>
+            </a:r>
+          </a:p>
+        </p:txBody>
+      </p:sp>
+      <p:pic>
+        <p:nvPicPr>
+          <p:cNvPr id="311302" name="Picture 6"/>
+          <p:cNvPicPr>
+            <a:picLocks noGrp="1" noChangeAspect="1" noChangeArrowheads="1"/>
+          </p:cNvPicPr>
+          <p:nvPr>
+            <p:ph sz="half" idx="2"/>
+          </p:nvPr>
+        </p:nvPicPr>
+        <p:blipFill>
+          <a:blip r:embed="rId3" cstate="print"/>
+          <a:srcRect/>
+          <a:stretch>
+            <a:fillRect/>
+          </a:stretch>
+        </p:blipFill>
+        <p:spPr>
+          <a:xfrm>
+            <a:off x="685800" y="2362200"/>
+            <a:ext cx="8458200" cy="3051175"/>
+          </a:xfrm>
+          <a:noFill/>
+          <a:ln/>
+        </p:spPr>
+      </p:pic>
+      <p:sp>
+        <p:nvSpPr>
+          <p:cNvPr id="311304" name="Rectangle 8"/>
+          <p:cNvSpPr>
+            <a:spLocks noChangeArrowheads="1"/>
+          </p:cNvSpPr>
+          <p:nvPr/>
+        </p:nvSpPr>
+        <p:spPr bwMode="auto">
+          <a:xfrm>
+            <a:off x="533400" y="5410200"/>
+            <a:ext cx="7924800" cy="1447800"/>
+          </a:xfrm>
+          <a:prstGeom prst="rect">
+            <a:avLst/>
+          </a:prstGeom>
+          <a:noFill/>
+          <a:ln w="9525">
+            <a:noFill/>
+            <a:miter lim="800000"/>
+            <a:headEnd/>
+            <a:tailEnd/>
+          </a:ln>
+          <a:effectLst/>
+        </p:spPr>
+        <p:txBody>
+          <a:bodyPr/>
+          <a:lstStyle/>
+          <a:p>
+            <a:pPr marL="342900" indent="-342900" eaLnBrk="1" hangingPunct="1">
+              <a:spcBef>
+                <a:spcPct val="20000"/>
+              </a:spcBef>
+              <a:buClr>
+                <a:schemeClr val="hlink"/>
+              </a:buClr>
+              <a:buSzPct val="60000"/>
+              <a:buFont typeface="Wingdings" pitchFamily="2" charset="2"/>
+              <a:buChar char="n"/>
+            </a:pPr>
+            <a:r>
+              <a:rPr lang="en-US" sz="3200">
+                <a:effectLst>
+                  <a:outerShdw blurRad="38100" dist="38100" dir="2700000" algn="tl">
+                    <a:srgbClr val="000000"/>
+                  </a:outerShdw>
+                </a:effectLst>
+              </a:rPr>
+              <a:t>Scheme is not the only language with first-class procedures …  </a:t>
+            </a:r>
+          </a:p>
+        </p:txBody>
+      </p:sp>
+    </p:spTree>
+  </p:cSld>
+  <p:clrMapOvr>
+    <a:masterClrMapping/>
+  </p:clrMapOvr>
   <p:timing>
     <p:tnLst>
       <p:par>
-        <p:cTn id="1" dur="indefinite" restart="never" nodeType="tmRoot"/>
+        <p:cTn id="1" dur="indefinite" restart="never" nodeType="tmRoot">
+          <p:childTnLst>
+            <p:seq concurrent="1" nextAc="seek">
+              <p:cTn id="2" dur="indefinite" nodeType="mainSeq">
+                <p:childTnLst>
+                  <p:par>
+                    <p:cTn id="3" fill="hold">
+                      <p:stCondLst>
+                        <p:cond delay="indefinite"/>
+                      </p:stCondLst>
+                      <p:childTnLst>
+                        <p:par>
+                          <p:cTn id="4" fill="hold">
+                            <p:stCondLst>
+                              <p:cond delay="0"/>
+                            </p:stCondLst>
+                            <p:childTnLst>
+                              <p:par>
+                                <p:cTn id="5" presetID="9" presetClass="entr" presetSubtype="0" fill="hold" grpId="0" nodeType="clickEffect">
+                                  <p:stCondLst>
+                                    <p:cond delay="0"/>
+                                  </p:stCondLst>
+                                  <p:childTnLst>
+                                    <p:set>
+                                      <p:cBhvr>
+                                        <p:cTn id="6" dur="1" fill="hold">
+                                          <p:stCondLst>
+                                            <p:cond delay="0"/>
+                                          </p:stCondLst>
+                                        </p:cTn>
+                                        <p:tgtEl>
+                                          <p:spTgt spid="311304"/>
+                                        </p:tgtEl>
+                                        <p:attrNameLst>
+                                          <p:attrName>style.visibility</p:attrName>
+                                        </p:attrNameLst>
+                                      </p:cBhvr>
+                                      <p:to>
+                                        <p:strVal val="visible"/>
+                                      </p:to>
+                                    </p:set>
+                                    <p:animEffect transition="in" filter="dissolve">
+                                      <p:cBhvr>
+                                        <p:cTn id="7" dur="500"/>
+                                        <p:tgtEl>
+                                          <p:spTgt spid="311304"/>
+                                        </p:tgtEl>
+                                      </p:cBhvr>
+                                    </p:animEffect>
+                                  </p:childTnLst>
+                                </p:cTn>
+                              </p:par>
+                            </p:childTnLst>
+                          </p:cTn>
+                        </p:par>
+                      </p:childTnLst>
+                    </p:cTn>
+                  </p:par>
+                </p:childTnLst>
+              </p:cTn>
+              <p:prevCondLst>
+                <p:cond evt="onPrev" delay="0">
+                  <p:tgtEl>
+                    <p:sldTgt/>
+                  </p:tgtEl>
+                </p:cond>
+              </p:prevCondLst>
+              <p:nextCondLst>
+                <p:cond evt="onNext" delay="0">
+                  <p:tgtEl>
+                    <p:sldTgt/>
+                  </p:tgtEl>
+                </p:cond>
+              </p:nextCondLst>
+            </p:seq>
+          </p:childTnLst>
+        </p:cTn>
       </p:par>
     </p:tnLst>
+    <p:bldLst>
+      <p:bldP spid="311304" grpId="0"/>
+    </p:bldLst>
   </p:timing>
 </p:sld>
 </file>

--- a/ClassMaterials/MapApply/RecursionMapApplyLambdaLet.pptx
+++ b/ClassMaterials/MapApply/RecursionMapApplyLambdaLet.pptx
@@ -173,18 +173,18 @@
   <pc:docChgLst>
     <pc:chgData name="Hewner, Mike" userId="7f3f83dd-6dfb-4127-a87f-c1714bd4fac9" providerId="ADAL" clId="{FEE3980C-739A-4CDF-8748-E558D412C728}"/>
     <pc:docChg chg="custSel addSld delSld modSld">
-      <pc:chgData name="Hewner, Mike" userId="7f3f83dd-6dfb-4127-a87f-c1714bd4fac9" providerId="ADAL" clId="{FEE3980C-739A-4CDF-8748-E558D412C728}" dt="2021-09-09T14:38:57.947" v="291" actId="14100"/>
+      <pc:chgData name="Hewner, Mike" userId="7f3f83dd-6dfb-4127-a87f-c1714bd4fac9" providerId="ADAL" clId="{FEE3980C-739A-4CDF-8748-E558D412C728}" dt="2021-09-09T14:58:38.391" v="296" actId="20577"/>
       <pc:docMkLst>
         <pc:docMk/>
       </pc:docMkLst>
       <pc:sldChg chg="modSp mod">
-        <pc:chgData name="Hewner, Mike" userId="7f3f83dd-6dfb-4127-a87f-c1714bd4fac9" providerId="ADAL" clId="{FEE3980C-739A-4CDF-8748-E558D412C728}" dt="2021-09-09T14:38:57.947" v="291" actId="14100"/>
+        <pc:chgData name="Hewner, Mike" userId="7f3f83dd-6dfb-4127-a87f-c1714bd4fac9" providerId="ADAL" clId="{FEE3980C-739A-4CDF-8748-E558D412C728}" dt="2021-09-09T14:58:38.391" v="296" actId="20577"/>
         <pc:sldMkLst>
           <pc:docMk/>
           <pc:sldMk cId="0" sldId="256"/>
         </pc:sldMkLst>
         <pc:spChg chg="mod">
-          <ac:chgData name="Hewner, Mike" userId="7f3f83dd-6dfb-4127-a87f-c1714bd4fac9" providerId="ADAL" clId="{FEE3980C-739A-4CDF-8748-E558D412C728}" dt="2021-09-09T14:38:57.947" v="291" actId="14100"/>
+          <ac:chgData name="Hewner, Mike" userId="7f3f83dd-6dfb-4127-a87f-c1714bd4fac9" providerId="ADAL" clId="{FEE3980C-739A-4CDF-8748-E558D412C728}" dt="2021-09-09T14:58:38.391" v="296" actId="20577"/>
           <ac:spMkLst>
             <pc:docMk/>
             <pc:sldMk cId="0" sldId="256"/>
@@ -16504,7 +16504,7 @@
           <a:p>
             <a:r>
               <a:rPr lang="en-US" dirty="0"/>
-              <a:t>map filter append</a:t>
+              <a:t>map filter apply</a:t>
             </a:r>
           </a:p>
           <a:p>

--- a/ClassMaterials/MapApply/RecursionMapApplyLambdaLet.pptx
+++ b/ClassMaterials/MapApply/RecursionMapApplyLambdaLet.pptx
@@ -5,22 +5,23 @@
     <p:sldMasterId id="2147483685" r:id="rId1"/>
   </p:sldMasterIdLst>
   <p:notesMasterIdLst>
-    <p:notesMasterId r:id="rId12"/>
+    <p:notesMasterId r:id="rId13"/>
   </p:notesMasterIdLst>
   <p:handoutMasterIdLst>
-    <p:handoutMasterId r:id="rId13"/>
+    <p:handoutMasterId r:id="rId14"/>
   </p:handoutMasterIdLst>
   <p:sldIdLst>
-    <p:sldId id="256" r:id="rId2"/>
-    <p:sldId id="337" r:id="rId3"/>
-    <p:sldId id="356" r:id="rId4"/>
-    <p:sldId id="343" r:id="rId5"/>
-    <p:sldId id="329" r:id="rId6"/>
-    <p:sldId id="318" r:id="rId7"/>
-    <p:sldId id="276" r:id="rId8"/>
-    <p:sldId id="285" r:id="rId9"/>
-    <p:sldId id="286" r:id="rId10"/>
-    <p:sldId id="289" r:id="rId11"/>
+    <p:sldId id="357" r:id="rId2"/>
+    <p:sldId id="256" r:id="rId3"/>
+    <p:sldId id="337" r:id="rId4"/>
+    <p:sldId id="356" r:id="rId5"/>
+    <p:sldId id="343" r:id="rId6"/>
+    <p:sldId id="329" r:id="rId7"/>
+    <p:sldId id="318" r:id="rId8"/>
+    <p:sldId id="276" r:id="rId9"/>
+    <p:sldId id="285" r:id="rId10"/>
+    <p:sldId id="286" r:id="rId11"/>
+    <p:sldId id="289" r:id="rId12"/>
   </p:sldIdLst>
   <p:sldSz cx="9144000" cy="6858000" type="screen4x3"/>
   <p:notesSz cx="6881813" cy="9296400"/>
@@ -367,7 +368,7 @@
             <a:fld id="{03077007-3A73-4E7D-991C-75440D09B976}" type="datetimeFigureOut">
               <a:rPr lang="en-US" smtClean="0"/>
               <a:pPr/>
-              <a:t>9/9/2021</a:t>
+              <a:t>12/5/2022</a:t>
             </a:fld>
             <a:endParaRPr lang="en-US"/>
           </a:p>
@@ -534,7 +535,7 @@
             <a:fld id="{0C12807D-967C-46EC-93C3-FE16C931482B}" type="datetimeFigureOut">
               <a:rPr lang="en-US" smtClean="0"/>
               <a:pPr/>
-              <a:t>9/9/2021</a:t>
+              <a:t>12/5/2022</a:t>
             </a:fld>
             <a:endParaRPr lang="en-US"/>
           </a:p>
@@ -875,7 +876,7 @@
             <a:fld id="{E772BBEE-0ED0-4AF6-8D22-ECE7454DC3FC}" type="slidenum">
               <a:rPr lang="en-US" smtClean="0"/>
               <a:pPr/>
-              <a:t>1</a:t>
+              <a:t>2</a:t>
             </a:fld>
             <a:endParaRPr lang="en-US"/>
           </a:p>
@@ -1101,7 +1102,7 @@
             <a:fld id="{F352D5B2-AE34-4C55-AB6F-517E1ACFB39F}" type="slidenum">
               <a:rPr lang="en-US" smtClean="0"/>
               <a:pPr/>
-              <a:t>2</a:t>
+              <a:t>3</a:t>
             </a:fld>
             <a:endParaRPr lang="en-US"/>
           </a:p>
@@ -1240,7 +1241,7 @@
             <a:fld id="{F352D5B2-AE34-4C55-AB6F-517E1ACFB39F}" type="slidenum">
               <a:rPr lang="en-US" smtClean="0"/>
               <a:pPr/>
-              <a:t>4</a:t>
+              <a:t>5</a:t>
             </a:fld>
             <a:endParaRPr lang="en-US"/>
           </a:p>
@@ -1325,7 +1326,7 @@
             <a:fld id="{E772BBEE-0ED0-4AF6-8D22-ECE7454DC3FC}" type="slidenum">
               <a:rPr lang="en-US" smtClean="0"/>
               <a:pPr/>
-              <a:t>5</a:t>
+              <a:t>6</a:t>
             </a:fld>
             <a:endParaRPr lang="en-US"/>
           </a:p>
@@ -1410,7 +1411,7 @@
             <a:fld id="{E772BBEE-0ED0-4AF6-8D22-ECE7454DC3FC}" type="slidenum">
               <a:rPr lang="en-US" smtClean="0"/>
               <a:pPr/>
-              <a:t>6</a:t>
+              <a:t>7</a:t>
             </a:fld>
             <a:endParaRPr lang="en-US"/>
           </a:p>
@@ -1495,7 +1496,7 @@
             <a:fld id="{E772BBEE-0ED0-4AF6-8D22-ECE7454DC3FC}" type="slidenum">
               <a:rPr lang="en-US" smtClean="0"/>
               <a:pPr/>
-              <a:t>7</a:t>
+              <a:t>8</a:t>
             </a:fld>
             <a:endParaRPr lang="en-US"/>
           </a:p>
@@ -1580,7 +1581,7 @@
             <a:fld id="{E772BBEE-0ED0-4AF6-8D22-ECE7454DC3FC}" type="slidenum">
               <a:rPr lang="en-US" smtClean="0"/>
               <a:pPr/>
-              <a:t>8</a:t>
+              <a:t>9</a:t>
             </a:fld>
             <a:endParaRPr lang="en-US"/>
           </a:p>
@@ -1665,7 +1666,7 @@
             <a:fld id="{E772BBEE-0ED0-4AF6-8D22-ECE7454DC3FC}" type="slidenum">
               <a:rPr lang="en-US" smtClean="0"/>
               <a:pPr/>
-              <a:t>9</a:t>
+              <a:t>10</a:t>
             </a:fld>
             <a:endParaRPr lang="en-US"/>
           </a:p>
@@ -1750,7 +1751,7 @@
             <a:fld id="{E772BBEE-0ED0-4AF6-8D22-ECE7454DC3FC}" type="slidenum">
               <a:rPr lang="en-US" smtClean="0"/>
               <a:pPr/>
-              <a:t>10</a:t>
+              <a:t>11</a:t>
             </a:fld>
             <a:endParaRPr lang="en-US"/>
           </a:p>
@@ -16457,18 +16458,59 @@
       </p:grpSpPr>
       <p:sp>
         <p:nvSpPr>
-          <p:cNvPr id="273410" name="Rectangle 2"/>
+          <p:cNvPr id="2" name="Title 1">
+            <a:extLst>
+              <a:ext uri="{FF2B5EF4-FFF2-40B4-BE49-F238E27FC236}">
+                <a16:creationId xmlns:a16="http://schemas.microsoft.com/office/drawing/2014/main" id="{1B4216AF-4423-F636-A680-808E2FFAC5FE}"/>
+              </a:ext>
+            </a:extLst>
+          </p:cNvPr>
           <p:cNvSpPr>
-            <a:spLocks noGrp="1" noChangeArrowheads="1"/>
+            <a:spLocks noGrp="1"/>
           </p:cNvSpPr>
           <p:nvPr>
-            <p:ph type="ctrTitle"/>
+            <p:ph type="ctrTitle" sz="quarter"/>
+          </p:nvPr>
+        </p:nvSpPr>
+        <p:spPr/>
+        <p:txBody>
+          <a:bodyPr/>
+          <a:lstStyle/>
+          <a:p>
+            <a:r>
+              <a:rPr lang="en-US" dirty="0"/>
+              <a:t>Consider procedure</a:t>
+            </a:r>
+            <a:br>
+              <a:rPr lang="en-US" dirty="0"/>
+            </a:br>
+            <a:r>
+              <a:rPr lang="en-US" dirty="0"/>
+              <a:t>one-even?</a:t>
+            </a:r>
+          </a:p>
+        </p:txBody>
+      </p:sp>
+      <p:sp>
+        <p:nvSpPr>
+          <p:cNvPr id="3" name="Subtitle 2">
+            <a:extLst>
+              <a:ext uri="{FF2B5EF4-FFF2-40B4-BE49-F238E27FC236}">
+                <a16:creationId xmlns:a16="http://schemas.microsoft.com/office/drawing/2014/main" id="{2582DE2A-74D3-C1AB-16B8-46CFB20384AB}"/>
+              </a:ext>
+            </a:extLst>
+          </p:cNvPr>
+          <p:cNvSpPr>
+            <a:spLocks noGrp="1"/>
+          </p:cNvSpPr>
+          <p:nvPr>
+            <p:ph type="subTitle" sz="quarter" idx="1"/>
           </p:nvPr>
         </p:nvSpPr>
         <p:spPr>
           <a:xfrm>
-            <a:off x="457200" y="1692275"/>
-            <a:ext cx="8305800" cy="1736725"/>
+            <a:off x="457200" y="3886200"/>
+            <a:ext cx="8382000" cy="1752600"/>
           </a:xfrm>
         </p:spPr>
         <p:txBody>
@@ -16477,50 +16519,34 @@
           <a:p>
             <a:r>
               <a:rPr lang="en-US" dirty="0"/>
-              <a:t>CSSE 304 Day 4</a:t>
-            </a:r>
-          </a:p>
-        </p:txBody>
-      </p:sp>
-      <p:sp>
-        <p:nvSpPr>
-          <p:cNvPr id="273411" name="Rectangle 3"/>
-          <p:cNvSpPr>
-            <a:spLocks noGrp="1" noChangeArrowheads="1"/>
-          </p:cNvSpPr>
-          <p:nvPr>
-            <p:ph type="subTitle" idx="1"/>
-          </p:nvPr>
-        </p:nvSpPr>
-        <p:spPr>
-          <a:xfrm>
-            <a:off x="152400" y="3886200"/>
-            <a:ext cx="8991600" cy="1752600"/>
-          </a:xfrm>
-        </p:spPr>
-        <p:txBody>
-          <a:bodyPr/>
-          <a:lstStyle/>
-          <a:p>
+              <a:t>Returns true if a list has </a:t>
+            </a:r>
+            <a:r>
+              <a:rPr lang="en-US" i="1" dirty="0"/>
+              <a:t>exactly </a:t>
+            </a:r>
             <a:r>
               <a:rPr lang="en-US" dirty="0"/>
-              <a:t>map filter apply</a:t>
-            </a:r>
+              <a:t>1 even number</a:t>
+            </a:r>
+          </a:p>
+          <a:p>
+            <a:endParaRPr lang="en-US" dirty="0"/>
           </a:p>
           <a:p>
             <a:r>
               <a:rPr lang="en-US" dirty="0"/>
-              <a:t>Functions with variable numbers of </a:t>
-            </a:r>
-            <a:r>
-              <a:rPr lang="en-US" dirty="0" err="1"/>
-              <a:t>args</a:t>
-            </a:r>
-            <a:endParaRPr lang="en-US" dirty="0"/>
+              <a:t>Could you solve this with named let?</a:t>
+            </a:r>
           </a:p>
         </p:txBody>
       </p:sp>
     </p:spTree>
+    <p:extLst>
+      <p:ext uri="{BB962C8B-B14F-4D97-AF65-F5344CB8AC3E}">
+        <p14:creationId xmlns:p14="http://schemas.microsoft.com/office/powerpoint/2010/main" val="2916695169"/>
+      </p:ext>
+    </p:extLst>
   </p:cSld>
   <p:clrMapOvr>
     <a:masterClrMapping/>
@@ -16529,6 +16555,249 @@
 </file>
 
 <file path=ppt/slides/slide10.xml><?xml version="1.0" encoding="utf-8"?>
+<p:sld xmlns:a="http://schemas.openxmlformats.org/drawingml/2006/main" xmlns:r="http://schemas.openxmlformats.org/officeDocument/2006/relationships" xmlns:p="http://schemas.openxmlformats.org/presentationml/2006/main">
+  <p:cSld>
+    <p:spTree>
+      <p:nvGrpSpPr>
+        <p:cNvPr id="1" name=""/>
+        <p:cNvGrpSpPr/>
+        <p:nvPr/>
+      </p:nvGrpSpPr>
+      <p:grpSpPr>
+        <a:xfrm>
+          <a:off x="0" y="0"/>
+          <a:ext cx="0" cy="0"/>
+          <a:chOff x="0" y="0"/>
+          <a:chExt cx="0" cy="0"/>
+        </a:xfrm>
+      </p:grpSpPr>
+      <p:sp>
+        <p:nvSpPr>
+          <p:cNvPr id="311298" name="Rectangle 2"/>
+          <p:cNvSpPr>
+            <a:spLocks noGrp="1" noChangeArrowheads="1"/>
+          </p:cNvSpPr>
+          <p:nvPr>
+            <p:ph type="title"/>
+          </p:nvPr>
+        </p:nvSpPr>
+        <p:spPr/>
+        <p:txBody>
+          <a:bodyPr/>
+          <a:lstStyle/>
+          <a:p>
+            <a:r>
+              <a:rPr lang="en-US" b="1"/>
+              <a:t>lambda</a:t>
+            </a:r>
+            <a:r>
+              <a:rPr lang="en-US"/>
+              <a:t> the magnificent</a:t>
+            </a:r>
+          </a:p>
+        </p:txBody>
+      </p:sp>
+      <p:sp>
+        <p:nvSpPr>
+          <p:cNvPr id="311299" name="Rectangle 3"/>
+          <p:cNvSpPr>
+            <a:spLocks noGrp="1" noChangeArrowheads="1"/>
+          </p:cNvSpPr>
+          <p:nvPr>
+            <p:ph type="body" sz="half" idx="1"/>
+          </p:nvPr>
+        </p:nvSpPr>
+        <p:spPr>
+          <a:xfrm>
+            <a:off x="457200" y="1219200"/>
+            <a:ext cx="7924800" cy="1447800"/>
+          </a:xfrm>
+        </p:spPr>
+        <p:txBody>
+          <a:bodyPr/>
+          <a:lstStyle/>
+          <a:p>
+            <a:r>
+              <a:rPr lang="en-US" dirty="0"/>
+              <a:t>We can create a new procedure and return it. </a:t>
+            </a:r>
+          </a:p>
+        </p:txBody>
+      </p:sp>
+      <p:pic>
+        <p:nvPicPr>
+          <p:cNvPr id="311302" name="Picture 6"/>
+          <p:cNvPicPr>
+            <a:picLocks noGrp="1" noChangeAspect="1" noChangeArrowheads="1"/>
+          </p:cNvPicPr>
+          <p:nvPr>
+            <p:ph sz="half" idx="2"/>
+          </p:nvPr>
+        </p:nvPicPr>
+        <p:blipFill>
+          <a:blip r:embed="rId3" cstate="print"/>
+          <a:srcRect/>
+          <a:stretch>
+            <a:fillRect/>
+          </a:stretch>
+        </p:blipFill>
+        <p:spPr>
+          <a:xfrm>
+            <a:off x="685800" y="2362200"/>
+            <a:ext cx="8458200" cy="3051175"/>
+          </a:xfrm>
+          <a:noFill/>
+          <a:ln/>
+        </p:spPr>
+      </p:pic>
+      <p:sp>
+        <p:nvSpPr>
+          <p:cNvPr id="311304" name="Rectangle 8"/>
+          <p:cNvSpPr>
+            <a:spLocks noChangeArrowheads="1"/>
+          </p:cNvSpPr>
+          <p:nvPr/>
+        </p:nvSpPr>
+        <p:spPr bwMode="auto">
+          <a:xfrm>
+            <a:off x="533400" y="5410200"/>
+            <a:ext cx="7924800" cy="1447800"/>
+          </a:xfrm>
+          <a:prstGeom prst="rect">
+            <a:avLst/>
+          </a:prstGeom>
+          <a:noFill/>
+          <a:ln w="9525">
+            <a:noFill/>
+            <a:miter lim="800000"/>
+            <a:headEnd/>
+            <a:tailEnd/>
+          </a:ln>
+          <a:effectLst/>
+        </p:spPr>
+        <p:txBody>
+          <a:bodyPr/>
+          <a:lstStyle/>
+          <a:p>
+            <a:pPr marL="342900" indent="-342900" eaLnBrk="1" hangingPunct="1">
+              <a:spcBef>
+                <a:spcPct val="20000"/>
+              </a:spcBef>
+              <a:buClr>
+                <a:schemeClr val="hlink"/>
+              </a:buClr>
+              <a:buSzPct val="60000"/>
+              <a:buFont typeface="Wingdings" pitchFamily="2" charset="2"/>
+              <a:buChar char="n"/>
+            </a:pPr>
+            <a:r>
+              <a:rPr lang="en-US" sz="3200">
+                <a:effectLst>
+                  <a:outerShdw blurRad="38100" dist="38100" dir="2700000" algn="tl">
+                    <a:srgbClr val="000000"/>
+                  </a:outerShdw>
+                </a:effectLst>
+              </a:rPr>
+              <a:t>Scheme is not the only language with first-class procedures …  </a:t>
+            </a:r>
+          </a:p>
+        </p:txBody>
+      </p:sp>
+    </p:spTree>
+  </p:cSld>
+  <p:clrMapOvr>
+    <a:masterClrMapping/>
+  </p:clrMapOvr>
+  <p:timing>
+    <p:tnLst>
+      <p:par>
+        <p:cTn id="1" dur="indefinite" restart="never" nodeType="tmRoot">
+          <p:childTnLst>
+            <p:seq concurrent="1" nextAc="seek">
+              <p:cTn id="2" dur="indefinite" nodeType="mainSeq">
+                <p:childTnLst>
+                  <p:par>
+                    <p:cTn id="3" fill="hold">
+                      <p:stCondLst>
+                        <p:cond delay="indefinite"/>
+                      </p:stCondLst>
+                      <p:childTnLst>
+                        <p:par>
+                          <p:cTn id="4" fill="hold">
+                            <p:stCondLst>
+                              <p:cond delay="0"/>
+                            </p:stCondLst>
+                            <p:childTnLst>
+                              <p:par>
+                                <p:cTn id="5" presetID="9" presetClass="entr" presetSubtype="0" fill="hold" grpId="0" nodeType="clickEffect">
+                                  <p:stCondLst>
+                                    <p:cond delay="0"/>
+                                  </p:stCondLst>
+                                  <p:childTnLst>
+                                    <p:set>
+                                      <p:cBhvr>
+                                        <p:cTn id="6" dur="1" fill="hold">
+                                          <p:stCondLst>
+                                            <p:cond delay="0"/>
+                                          </p:stCondLst>
+                                        </p:cTn>
+                                        <p:tgtEl>
+                                          <p:spTgt spid="311304"/>
+                                        </p:tgtEl>
+                                        <p:attrNameLst>
+                                          <p:attrName>style.visibility</p:attrName>
+                                        </p:attrNameLst>
+                                      </p:cBhvr>
+                                      <p:to>
+                                        <p:strVal val="visible"/>
+                                      </p:to>
+                                    </p:set>
+                                    <p:animEffect transition="in" filter="dissolve">
+                                      <p:cBhvr>
+                                        <p:cTn id="7" dur="500"/>
+                                        <p:tgtEl>
+                                          <p:spTgt spid="311304"/>
+                                        </p:tgtEl>
+                                      </p:cBhvr>
+                                    </p:animEffect>
+                                  </p:childTnLst>
+                                </p:cTn>
+                              </p:par>
+                            </p:childTnLst>
+                          </p:cTn>
+                        </p:par>
+                      </p:childTnLst>
+                    </p:cTn>
+                  </p:par>
+                </p:childTnLst>
+              </p:cTn>
+              <p:prevCondLst>
+                <p:cond evt="onPrev" delay="0">
+                  <p:tgtEl>
+                    <p:sldTgt/>
+                  </p:tgtEl>
+                </p:cond>
+              </p:prevCondLst>
+              <p:nextCondLst>
+                <p:cond evt="onNext" delay="0">
+                  <p:tgtEl>
+                    <p:sldTgt/>
+                  </p:tgtEl>
+                </p:cond>
+              </p:nextCondLst>
+            </p:seq>
+          </p:childTnLst>
+        </p:cTn>
+      </p:par>
+    </p:tnLst>
+    <p:bldLst>
+      <p:bldP spid="311304" grpId="0"/>
+    </p:bldLst>
+  </p:timing>
+</p:sld>
+</file>
+
+<file path=ppt/slides/slide11.xml><?xml version="1.0" encoding="utf-8"?>
 <p:sld xmlns:a="http://schemas.openxmlformats.org/drawingml/2006/main" xmlns:r="http://schemas.openxmlformats.org/officeDocument/2006/relationships" xmlns:p="http://schemas.openxmlformats.org/presentationml/2006/main">
   <p:cSld>
     <p:spTree>
@@ -16645,6 +16914,96 @@
 </file>
 
 <file path=ppt/slides/slide2.xml><?xml version="1.0" encoding="utf-8"?>
+<p:sld xmlns:a="http://schemas.openxmlformats.org/drawingml/2006/main" xmlns:r="http://schemas.openxmlformats.org/officeDocument/2006/relationships" xmlns:p="http://schemas.openxmlformats.org/presentationml/2006/main">
+  <p:cSld>
+    <p:spTree>
+      <p:nvGrpSpPr>
+        <p:cNvPr id="1" name=""/>
+        <p:cNvGrpSpPr/>
+        <p:nvPr/>
+      </p:nvGrpSpPr>
+      <p:grpSpPr>
+        <a:xfrm>
+          <a:off x="0" y="0"/>
+          <a:ext cx="0" cy="0"/>
+          <a:chOff x="0" y="0"/>
+          <a:chExt cx="0" cy="0"/>
+        </a:xfrm>
+      </p:grpSpPr>
+      <p:sp>
+        <p:nvSpPr>
+          <p:cNvPr id="273410" name="Rectangle 2"/>
+          <p:cNvSpPr>
+            <a:spLocks noGrp="1" noChangeArrowheads="1"/>
+          </p:cNvSpPr>
+          <p:nvPr>
+            <p:ph type="ctrTitle"/>
+          </p:nvPr>
+        </p:nvSpPr>
+        <p:spPr>
+          <a:xfrm>
+            <a:off x="457200" y="1692275"/>
+            <a:ext cx="8305800" cy="1736725"/>
+          </a:xfrm>
+        </p:spPr>
+        <p:txBody>
+          <a:bodyPr/>
+          <a:lstStyle/>
+          <a:p>
+            <a:r>
+              <a:rPr lang="en-US" dirty="0"/>
+              <a:t>CSSE 304 Day 4</a:t>
+            </a:r>
+          </a:p>
+        </p:txBody>
+      </p:sp>
+      <p:sp>
+        <p:nvSpPr>
+          <p:cNvPr id="273411" name="Rectangle 3"/>
+          <p:cNvSpPr>
+            <a:spLocks noGrp="1" noChangeArrowheads="1"/>
+          </p:cNvSpPr>
+          <p:nvPr>
+            <p:ph type="subTitle" idx="1"/>
+          </p:nvPr>
+        </p:nvSpPr>
+        <p:spPr>
+          <a:xfrm>
+            <a:off x="152400" y="3886200"/>
+            <a:ext cx="8991600" cy="1752600"/>
+          </a:xfrm>
+        </p:spPr>
+        <p:txBody>
+          <a:bodyPr/>
+          <a:lstStyle/>
+          <a:p>
+            <a:r>
+              <a:rPr lang="en-US" dirty="0"/>
+              <a:t>map filter apply</a:t>
+            </a:r>
+          </a:p>
+          <a:p>
+            <a:r>
+              <a:rPr lang="en-US" dirty="0"/>
+              <a:t>Functions with variable numbers of </a:t>
+            </a:r>
+            <a:r>
+              <a:rPr lang="en-US" dirty="0" err="1"/>
+              <a:t>args</a:t>
+            </a:r>
+            <a:endParaRPr lang="en-US" dirty="0"/>
+          </a:p>
+        </p:txBody>
+      </p:sp>
+    </p:spTree>
+  </p:cSld>
+  <p:clrMapOvr>
+    <a:masterClrMapping/>
+  </p:clrMapOvr>
+</p:sld>
+</file>
+
+<file path=ppt/slides/slide3.xml><?xml version="1.0" encoding="utf-8"?>
 <p:sld xmlns:a="http://schemas.openxmlformats.org/drawingml/2006/main" xmlns:r="http://schemas.openxmlformats.org/officeDocument/2006/relationships" xmlns:p="http://schemas.openxmlformats.org/presentationml/2006/main">
   <p:cSld>
     <p:spTree>
@@ -16915,7 +17274,7 @@
 </p:sld>
 </file>
 
-<file path=ppt/slides/slide3.xml><?xml version="1.0" encoding="utf-8"?>
+<file path=ppt/slides/slide4.xml><?xml version="1.0" encoding="utf-8"?>
 <p:sld xmlns:a="http://schemas.openxmlformats.org/drawingml/2006/main" xmlns:r="http://schemas.openxmlformats.org/officeDocument/2006/relationships" xmlns:p="http://schemas.openxmlformats.org/presentationml/2006/main">
   <p:cSld>
     <p:spTree>
@@ -17001,7 +17360,7 @@
 </p:sld>
 </file>
 
-<file path=ppt/slides/slide4.xml><?xml version="1.0" encoding="utf-8"?>
+<file path=ppt/slides/slide5.xml><?xml version="1.0" encoding="utf-8"?>
 <p:sld xmlns:a="http://schemas.openxmlformats.org/drawingml/2006/main" xmlns:r="http://schemas.openxmlformats.org/officeDocument/2006/relationships" xmlns:p="http://schemas.openxmlformats.org/presentationml/2006/main" showMasterPhAnim="0">
   <p:cSld>
     <p:spTree>
@@ -17690,7 +18049,7 @@
 </p:sld>
 </file>
 
-<file path=ppt/slides/slide5.xml><?xml version="1.0" encoding="utf-8"?>
+<file path=ppt/slides/slide6.xml><?xml version="1.0" encoding="utf-8"?>
 <p:sld xmlns:a="http://schemas.openxmlformats.org/drawingml/2006/main" xmlns:r="http://schemas.openxmlformats.org/officeDocument/2006/relationships" xmlns:p="http://schemas.openxmlformats.org/presentationml/2006/main">
   <p:cSld>
     <p:spTree>
@@ -18381,7 +18740,7 @@
 </p:sld>
 </file>
 
-<file path=ppt/slides/slide6.xml><?xml version="1.0" encoding="utf-8"?>
+<file path=ppt/slides/slide7.xml><?xml version="1.0" encoding="utf-8"?>
 <p:sld xmlns:a="http://schemas.openxmlformats.org/drawingml/2006/main" xmlns:r="http://schemas.openxmlformats.org/officeDocument/2006/relationships" xmlns:p="http://schemas.openxmlformats.org/presentationml/2006/main">
   <p:cSld>
     <p:spTree>
@@ -18509,7 +18868,7 @@
 </p:sld>
 </file>
 
-<file path=ppt/slides/slide7.xml><?xml version="1.0" encoding="utf-8"?>
+<file path=ppt/slides/slide8.xml><?xml version="1.0" encoding="utf-8"?>
 <p:sld xmlns:a="http://schemas.openxmlformats.org/drawingml/2006/main" xmlns:r="http://schemas.openxmlformats.org/officeDocument/2006/relationships" xmlns:p="http://schemas.openxmlformats.org/presentationml/2006/main">
   <p:cSld>
     <p:spTree>
@@ -18686,7 +19045,7 @@
 </p:sld>
 </file>
 
-<file path=ppt/slides/slide8.xml><?xml version="1.0" encoding="utf-8"?>
+<file path=ppt/slides/slide9.xml><?xml version="1.0" encoding="utf-8"?>
 <p:sld xmlns:a="http://schemas.openxmlformats.org/drawingml/2006/main" xmlns:r="http://schemas.openxmlformats.org/officeDocument/2006/relationships" xmlns:p="http://schemas.openxmlformats.org/presentationml/2006/main">
   <p:cSld>
     <p:spTree>
@@ -18787,249 +19146,6 @@
   <p:clrMapOvr>
     <a:masterClrMapping/>
   </p:clrMapOvr>
-</p:sld>
-</file>
-
-<file path=ppt/slides/slide9.xml><?xml version="1.0" encoding="utf-8"?>
-<p:sld xmlns:a="http://schemas.openxmlformats.org/drawingml/2006/main" xmlns:r="http://schemas.openxmlformats.org/officeDocument/2006/relationships" xmlns:p="http://schemas.openxmlformats.org/presentationml/2006/main">
-  <p:cSld>
-    <p:spTree>
-      <p:nvGrpSpPr>
-        <p:cNvPr id="1" name=""/>
-        <p:cNvGrpSpPr/>
-        <p:nvPr/>
-      </p:nvGrpSpPr>
-      <p:grpSpPr>
-        <a:xfrm>
-          <a:off x="0" y="0"/>
-          <a:ext cx="0" cy="0"/>
-          <a:chOff x="0" y="0"/>
-          <a:chExt cx="0" cy="0"/>
-        </a:xfrm>
-      </p:grpSpPr>
-      <p:sp>
-        <p:nvSpPr>
-          <p:cNvPr id="311298" name="Rectangle 2"/>
-          <p:cNvSpPr>
-            <a:spLocks noGrp="1" noChangeArrowheads="1"/>
-          </p:cNvSpPr>
-          <p:nvPr>
-            <p:ph type="title"/>
-          </p:nvPr>
-        </p:nvSpPr>
-        <p:spPr/>
-        <p:txBody>
-          <a:bodyPr/>
-          <a:lstStyle/>
-          <a:p>
-            <a:r>
-              <a:rPr lang="en-US" b="1"/>
-              <a:t>lambda</a:t>
-            </a:r>
-            <a:r>
-              <a:rPr lang="en-US"/>
-              <a:t> the magnificent</a:t>
-            </a:r>
-          </a:p>
-        </p:txBody>
-      </p:sp>
-      <p:sp>
-        <p:nvSpPr>
-          <p:cNvPr id="311299" name="Rectangle 3"/>
-          <p:cNvSpPr>
-            <a:spLocks noGrp="1" noChangeArrowheads="1"/>
-          </p:cNvSpPr>
-          <p:nvPr>
-            <p:ph type="body" sz="half" idx="1"/>
-          </p:nvPr>
-        </p:nvSpPr>
-        <p:spPr>
-          <a:xfrm>
-            <a:off x="457200" y="1219200"/>
-            <a:ext cx="7924800" cy="1447800"/>
-          </a:xfrm>
-        </p:spPr>
-        <p:txBody>
-          <a:bodyPr/>
-          <a:lstStyle/>
-          <a:p>
-            <a:r>
-              <a:rPr lang="en-US" dirty="0"/>
-              <a:t>We can create a new procedure and return it. </a:t>
-            </a:r>
-          </a:p>
-        </p:txBody>
-      </p:sp>
-      <p:pic>
-        <p:nvPicPr>
-          <p:cNvPr id="311302" name="Picture 6"/>
-          <p:cNvPicPr>
-            <a:picLocks noGrp="1" noChangeAspect="1" noChangeArrowheads="1"/>
-          </p:cNvPicPr>
-          <p:nvPr>
-            <p:ph sz="half" idx="2"/>
-          </p:nvPr>
-        </p:nvPicPr>
-        <p:blipFill>
-          <a:blip r:embed="rId3" cstate="print"/>
-          <a:srcRect/>
-          <a:stretch>
-            <a:fillRect/>
-          </a:stretch>
-        </p:blipFill>
-        <p:spPr>
-          <a:xfrm>
-            <a:off x="685800" y="2362200"/>
-            <a:ext cx="8458200" cy="3051175"/>
-          </a:xfrm>
-          <a:noFill/>
-          <a:ln/>
-        </p:spPr>
-      </p:pic>
-      <p:sp>
-        <p:nvSpPr>
-          <p:cNvPr id="311304" name="Rectangle 8"/>
-          <p:cNvSpPr>
-            <a:spLocks noChangeArrowheads="1"/>
-          </p:cNvSpPr>
-          <p:nvPr/>
-        </p:nvSpPr>
-        <p:spPr bwMode="auto">
-          <a:xfrm>
-            <a:off x="533400" y="5410200"/>
-            <a:ext cx="7924800" cy="1447800"/>
-          </a:xfrm>
-          <a:prstGeom prst="rect">
-            <a:avLst/>
-          </a:prstGeom>
-          <a:noFill/>
-          <a:ln w="9525">
-            <a:noFill/>
-            <a:miter lim="800000"/>
-            <a:headEnd/>
-            <a:tailEnd/>
-          </a:ln>
-          <a:effectLst/>
-        </p:spPr>
-        <p:txBody>
-          <a:bodyPr/>
-          <a:lstStyle/>
-          <a:p>
-            <a:pPr marL="342900" indent="-342900" eaLnBrk="1" hangingPunct="1">
-              <a:spcBef>
-                <a:spcPct val="20000"/>
-              </a:spcBef>
-              <a:buClr>
-                <a:schemeClr val="hlink"/>
-              </a:buClr>
-              <a:buSzPct val="60000"/>
-              <a:buFont typeface="Wingdings" pitchFamily="2" charset="2"/>
-              <a:buChar char="n"/>
-            </a:pPr>
-            <a:r>
-              <a:rPr lang="en-US" sz="3200">
-                <a:effectLst>
-                  <a:outerShdw blurRad="38100" dist="38100" dir="2700000" algn="tl">
-                    <a:srgbClr val="000000"/>
-                  </a:outerShdw>
-                </a:effectLst>
-              </a:rPr>
-              <a:t>Scheme is not the only language with first-class procedures …  </a:t>
-            </a:r>
-          </a:p>
-        </p:txBody>
-      </p:sp>
-    </p:spTree>
-  </p:cSld>
-  <p:clrMapOvr>
-    <a:masterClrMapping/>
-  </p:clrMapOvr>
-  <p:timing>
-    <p:tnLst>
-      <p:par>
-        <p:cTn id="1" dur="indefinite" restart="never" nodeType="tmRoot">
-          <p:childTnLst>
-            <p:seq concurrent="1" nextAc="seek">
-              <p:cTn id="2" dur="indefinite" nodeType="mainSeq">
-                <p:childTnLst>
-                  <p:par>
-                    <p:cTn id="3" fill="hold">
-                      <p:stCondLst>
-                        <p:cond delay="indefinite"/>
-                      </p:stCondLst>
-                      <p:childTnLst>
-                        <p:par>
-                          <p:cTn id="4" fill="hold">
-                            <p:stCondLst>
-                              <p:cond delay="0"/>
-                            </p:stCondLst>
-                            <p:childTnLst>
-                              <p:par>
-                                <p:cTn id="5" presetID="9" presetClass="entr" presetSubtype="0" fill="hold" grpId="0" nodeType="clickEffect">
-                                  <p:stCondLst>
-                                    <p:cond delay="0"/>
-                                  </p:stCondLst>
-                                  <p:childTnLst>
-                                    <p:set>
-                                      <p:cBhvr>
-                                        <p:cTn id="6" dur="1" fill="hold">
-                                          <p:stCondLst>
-                                            <p:cond delay="0"/>
-                                          </p:stCondLst>
-                                        </p:cTn>
-                                        <p:tgtEl>
-                                          <p:spTgt spid="311304"/>
-                                        </p:tgtEl>
-                                        <p:attrNameLst>
-                                          <p:attrName>style.visibility</p:attrName>
-                                        </p:attrNameLst>
-                                      </p:cBhvr>
-                                      <p:to>
-                                        <p:strVal val="visible"/>
-                                      </p:to>
-                                    </p:set>
-                                    <p:animEffect transition="in" filter="dissolve">
-                                      <p:cBhvr>
-                                        <p:cTn id="7" dur="500"/>
-                                        <p:tgtEl>
-                                          <p:spTgt spid="311304"/>
-                                        </p:tgtEl>
-                                      </p:cBhvr>
-                                    </p:animEffect>
-                                  </p:childTnLst>
-                                </p:cTn>
-                              </p:par>
-                            </p:childTnLst>
-                          </p:cTn>
-                        </p:par>
-                      </p:childTnLst>
-                    </p:cTn>
-                  </p:par>
-                </p:childTnLst>
-              </p:cTn>
-              <p:prevCondLst>
-                <p:cond evt="onPrev" delay="0">
-                  <p:tgtEl>
-                    <p:sldTgt/>
-                  </p:tgtEl>
-                </p:cond>
-              </p:prevCondLst>
-              <p:nextCondLst>
-                <p:cond evt="onNext" delay="0">
-                  <p:tgtEl>
-                    <p:sldTgt/>
-                  </p:tgtEl>
-                </p:cond>
-              </p:nextCondLst>
-            </p:seq>
-          </p:childTnLst>
-        </p:cTn>
-      </p:par>
-    </p:tnLst>
-    <p:bldLst>
-      <p:bldP spid="311304" grpId="0"/>
-    </p:bldLst>
-  </p:timing>
 </p:sld>
 </file>
 
